--- a/templates/[GARN] Modelo de apresentação de slides.pptx
+++ b/templates/[GARN] Modelo de apresentação de slides.pptx
@@ -12861,7 +12861,7 @@
             </a:pPr>
             <a:r>
               <a:rPr lang="pt-BR" sz="1800" b="1" dirty="0"/>
-              <a:t>{{NOME}}</a:t>
+              <a:t>{{nome}}</a:t>
             </a:r>
           </a:p>
         </p:txBody>
@@ -13232,6 +13232,302 @@
               </a:rPr>
               <a:t>Incentiva e colabora com as pessoas em suas jornadas de aprendizagem.</a:t>
             </a:r>
+          </a:p>
+        </p:txBody>
+      </p:sp>
+      <p:sp>
+        <p:nvSpPr>
+          <p:cNvPr id="3" name="Google Shape;494;p69">
+            <a:extLst>
+              <a:ext uri="{FF2B5EF4-FFF2-40B4-BE49-F238E27FC236}">
+                <a16:creationId xmlns:a16="http://schemas.microsoft.com/office/drawing/2014/main" id="{2B2A5259-2BEB-EA71-3A71-E99B3264FC6A}"/>
+              </a:ext>
+            </a:extLst>
+          </p:cNvPr>
+          <p:cNvSpPr txBox="1">
+            <a:spLocks/>
+          </p:cNvSpPr>
+          <p:nvPr/>
+        </p:nvSpPr>
+        <p:spPr>
+          <a:xfrm>
+            <a:off x="3422073" y="1063053"/>
+            <a:ext cx="5320145" cy="3695983"/>
+          </a:xfrm>
+          <a:prstGeom prst="rect">
+            <a:avLst/>
+          </a:prstGeom>
+          <a:noFill/>
+          <a:ln>
+            <a:noFill/>
+          </a:ln>
+        </p:spPr>
+        <p:txBody>
+          <a:bodyPr spcFirstLastPara="1" wrap="square" lIns="91425" tIns="91425" rIns="91425" bIns="91425" anchor="t" anchorCtr="0">
+            <a:normAutofit/>
+          </a:bodyPr>
+          <a:lstStyle>
+            <a:defPPr marR="0" lvl="0" algn="l" rtl="0">
+              <a:lnSpc>
+                <a:spcPct val="100000"/>
+              </a:lnSpc>
+              <a:spcBef>
+                <a:spcPts val="0"/>
+              </a:spcBef>
+              <a:spcAft>
+                <a:spcPts val="0"/>
+              </a:spcAft>
+            </a:defPPr>
+            <a:lvl1pPr marR="0" lvl="0" algn="l" rtl="0">
+              <a:lnSpc>
+                <a:spcPct val="100000"/>
+              </a:lnSpc>
+              <a:spcBef>
+                <a:spcPts val="0"/>
+              </a:spcBef>
+              <a:spcAft>
+                <a:spcPts val="0"/>
+              </a:spcAft>
+              <a:buClr>
+                <a:schemeClr val="lt1"/>
+              </a:buClr>
+              <a:buSzPts val="2000"/>
+              <a:buFont typeface="Nunito"/>
+              <a:buNone/>
+              <a:defRPr sz="2000" b="1" i="0" u="none" strike="noStrike" cap="none">
+                <a:solidFill>
+                  <a:schemeClr val="lt1"/>
+                </a:solidFill>
+                <a:latin typeface="Nunito"/>
+                <a:ea typeface="Nunito"/>
+                <a:cs typeface="Nunito"/>
+                <a:sym typeface="Nunito"/>
+              </a:defRPr>
+            </a:lvl1pPr>
+            <a:lvl2pPr marR="0" lvl="1" algn="l" rtl="0">
+              <a:lnSpc>
+                <a:spcPct val="100000"/>
+              </a:lnSpc>
+              <a:spcBef>
+                <a:spcPts val="0"/>
+              </a:spcBef>
+              <a:spcAft>
+                <a:spcPts val="0"/>
+              </a:spcAft>
+              <a:buClr>
+                <a:srgbClr val="FFF9D9"/>
+              </a:buClr>
+              <a:buSzPts val="2000"/>
+              <a:buFont typeface="Nunito"/>
+              <a:buNone/>
+              <a:defRPr sz="2000" b="1" i="0" u="none" strike="noStrike" cap="none">
+                <a:solidFill>
+                  <a:srgbClr val="FFF9D9"/>
+                </a:solidFill>
+                <a:latin typeface="Nunito"/>
+                <a:ea typeface="Nunito"/>
+                <a:cs typeface="Nunito"/>
+                <a:sym typeface="Nunito"/>
+              </a:defRPr>
+            </a:lvl2pPr>
+            <a:lvl3pPr marR="0" lvl="2" algn="l" rtl="0">
+              <a:lnSpc>
+                <a:spcPct val="100000"/>
+              </a:lnSpc>
+              <a:spcBef>
+                <a:spcPts val="0"/>
+              </a:spcBef>
+              <a:spcAft>
+                <a:spcPts val="0"/>
+              </a:spcAft>
+              <a:buClr>
+                <a:srgbClr val="FFF9D9"/>
+              </a:buClr>
+              <a:buSzPts val="2000"/>
+              <a:buFont typeface="Nunito"/>
+              <a:buNone/>
+              <a:defRPr sz="2000" b="1" i="0" u="none" strike="noStrike" cap="none">
+                <a:solidFill>
+                  <a:srgbClr val="FFF9D9"/>
+                </a:solidFill>
+                <a:latin typeface="Nunito"/>
+                <a:ea typeface="Nunito"/>
+                <a:cs typeface="Nunito"/>
+                <a:sym typeface="Nunito"/>
+              </a:defRPr>
+            </a:lvl3pPr>
+            <a:lvl4pPr marR="0" lvl="3" algn="l" rtl="0">
+              <a:lnSpc>
+                <a:spcPct val="100000"/>
+              </a:lnSpc>
+              <a:spcBef>
+                <a:spcPts val="0"/>
+              </a:spcBef>
+              <a:spcAft>
+                <a:spcPts val="0"/>
+              </a:spcAft>
+              <a:buClr>
+                <a:srgbClr val="FFF9D9"/>
+              </a:buClr>
+              <a:buSzPts val="2000"/>
+              <a:buFont typeface="Nunito"/>
+              <a:buNone/>
+              <a:defRPr sz="2000" b="1" i="0" u="none" strike="noStrike" cap="none">
+                <a:solidFill>
+                  <a:srgbClr val="FFF9D9"/>
+                </a:solidFill>
+                <a:latin typeface="Nunito"/>
+                <a:ea typeface="Nunito"/>
+                <a:cs typeface="Nunito"/>
+                <a:sym typeface="Nunito"/>
+              </a:defRPr>
+            </a:lvl4pPr>
+            <a:lvl5pPr marR="0" lvl="4" algn="l" rtl="0">
+              <a:lnSpc>
+                <a:spcPct val="100000"/>
+              </a:lnSpc>
+              <a:spcBef>
+                <a:spcPts val="0"/>
+              </a:spcBef>
+              <a:spcAft>
+                <a:spcPts val="0"/>
+              </a:spcAft>
+              <a:buClr>
+                <a:srgbClr val="FFF9D9"/>
+              </a:buClr>
+              <a:buSzPts val="2000"/>
+              <a:buFont typeface="Nunito"/>
+              <a:buNone/>
+              <a:defRPr sz="2000" b="1" i="0" u="none" strike="noStrike" cap="none">
+                <a:solidFill>
+                  <a:srgbClr val="FFF9D9"/>
+                </a:solidFill>
+                <a:latin typeface="Nunito"/>
+                <a:ea typeface="Nunito"/>
+                <a:cs typeface="Nunito"/>
+                <a:sym typeface="Nunito"/>
+              </a:defRPr>
+            </a:lvl5pPr>
+            <a:lvl6pPr marR="0" lvl="5" algn="l" rtl="0">
+              <a:lnSpc>
+                <a:spcPct val="100000"/>
+              </a:lnSpc>
+              <a:spcBef>
+                <a:spcPts val="0"/>
+              </a:spcBef>
+              <a:spcAft>
+                <a:spcPts val="0"/>
+              </a:spcAft>
+              <a:buClr>
+                <a:srgbClr val="FFF9D9"/>
+              </a:buClr>
+              <a:buSzPts val="2000"/>
+              <a:buFont typeface="Nunito"/>
+              <a:buNone/>
+              <a:defRPr sz="2000" b="1" i="0" u="none" strike="noStrike" cap="none">
+                <a:solidFill>
+                  <a:srgbClr val="FFF9D9"/>
+                </a:solidFill>
+                <a:latin typeface="Nunito"/>
+                <a:ea typeface="Nunito"/>
+                <a:cs typeface="Nunito"/>
+                <a:sym typeface="Nunito"/>
+              </a:defRPr>
+            </a:lvl6pPr>
+            <a:lvl7pPr marR="0" lvl="6" algn="l" rtl="0">
+              <a:lnSpc>
+                <a:spcPct val="100000"/>
+              </a:lnSpc>
+              <a:spcBef>
+                <a:spcPts val="0"/>
+              </a:spcBef>
+              <a:spcAft>
+                <a:spcPts val="0"/>
+              </a:spcAft>
+              <a:buClr>
+                <a:srgbClr val="FFF9D9"/>
+              </a:buClr>
+              <a:buSzPts val="2000"/>
+              <a:buFont typeface="Nunito"/>
+              <a:buNone/>
+              <a:defRPr sz="2000" b="1" i="0" u="none" strike="noStrike" cap="none">
+                <a:solidFill>
+                  <a:srgbClr val="FFF9D9"/>
+                </a:solidFill>
+                <a:latin typeface="Nunito"/>
+                <a:ea typeface="Nunito"/>
+                <a:cs typeface="Nunito"/>
+                <a:sym typeface="Nunito"/>
+              </a:defRPr>
+            </a:lvl7pPr>
+            <a:lvl8pPr marR="0" lvl="7" algn="l" rtl="0">
+              <a:lnSpc>
+                <a:spcPct val="100000"/>
+              </a:lnSpc>
+              <a:spcBef>
+                <a:spcPts val="0"/>
+              </a:spcBef>
+              <a:spcAft>
+                <a:spcPts val="0"/>
+              </a:spcAft>
+              <a:buClr>
+                <a:srgbClr val="FFF9D9"/>
+              </a:buClr>
+              <a:buSzPts val="2000"/>
+              <a:buFont typeface="Nunito"/>
+              <a:buNone/>
+              <a:defRPr sz="2000" b="1" i="0" u="none" strike="noStrike" cap="none">
+                <a:solidFill>
+                  <a:srgbClr val="FFF9D9"/>
+                </a:solidFill>
+                <a:latin typeface="Nunito"/>
+                <a:ea typeface="Nunito"/>
+                <a:cs typeface="Nunito"/>
+                <a:sym typeface="Nunito"/>
+              </a:defRPr>
+            </a:lvl8pPr>
+            <a:lvl9pPr marR="0" lvl="8" algn="l" rtl="0">
+              <a:lnSpc>
+                <a:spcPct val="100000"/>
+              </a:lnSpc>
+              <a:spcBef>
+                <a:spcPts val="0"/>
+              </a:spcBef>
+              <a:spcAft>
+                <a:spcPts val="0"/>
+              </a:spcAft>
+              <a:buClr>
+                <a:srgbClr val="FFF9D9"/>
+              </a:buClr>
+              <a:buSzPts val="2000"/>
+              <a:buFont typeface="Nunito"/>
+              <a:buNone/>
+              <a:defRPr sz="2000" b="1" i="0" u="none" strike="noStrike" cap="none">
+                <a:solidFill>
+                  <a:srgbClr val="FFF9D9"/>
+                </a:solidFill>
+                <a:latin typeface="Nunito"/>
+                <a:ea typeface="Nunito"/>
+                <a:cs typeface="Nunito"/>
+                <a:sym typeface="Nunito"/>
+              </a:defRPr>
+            </a:lvl9pPr>
+          </a:lstStyle>
+          <a:p>
+            <a:pPr algn="ctr"/>
+            <a:r>
+              <a:rPr lang="pt-BR" sz="1400" dirty="0">
+                <a:solidFill>
+                  <a:srgbClr val="CC8A42"/>
+                </a:solidFill>
+              </a:rPr>
+              <a:t>{{GL_2}}</a:t>
+            </a:r>
+            <a:endParaRPr lang="pt-BR" dirty="0">
+              <a:solidFill>
+                <a:srgbClr val="CC8A42"/>
+              </a:solidFill>
+            </a:endParaRPr>
           </a:p>
         </p:txBody>
       </p:sp>
@@ -13609,6 +13905,302 @@
           </a:p>
         </p:txBody>
       </p:sp>
+      <p:sp>
+        <p:nvSpPr>
+          <p:cNvPr id="3" name="Google Shape;494;p69">
+            <a:extLst>
+              <a:ext uri="{FF2B5EF4-FFF2-40B4-BE49-F238E27FC236}">
+                <a16:creationId xmlns:a16="http://schemas.microsoft.com/office/drawing/2014/main" id="{0EA2A6B3-A2FA-FAEB-EC84-AB2C56B5F873}"/>
+              </a:ext>
+            </a:extLst>
+          </p:cNvPr>
+          <p:cNvSpPr txBox="1">
+            <a:spLocks/>
+          </p:cNvSpPr>
+          <p:nvPr/>
+        </p:nvSpPr>
+        <p:spPr>
+          <a:xfrm>
+            <a:off x="3422073" y="1063053"/>
+            <a:ext cx="5320145" cy="3695983"/>
+          </a:xfrm>
+          <a:prstGeom prst="rect">
+            <a:avLst/>
+          </a:prstGeom>
+          <a:noFill/>
+          <a:ln>
+            <a:noFill/>
+          </a:ln>
+        </p:spPr>
+        <p:txBody>
+          <a:bodyPr spcFirstLastPara="1" wrap="square" lIns="91425" tIns="91425" rIns="91425" bIns="91425" anchor="t" anchorCtr="0">
+            <a:normAutofit/>
+          </a:bodyPr>
+          <a:lstStyle>
+            <a:defPPr marR="0" lvl="0" algn="l" rtl="0">
+              <a:lnSpc>
+                <a:spcPct val="100000"/>
+              </a:lnSpc>
+              <a:spcBef>
+                <a:spcPts val="0"/>
+              </a:spcBef>
+              <a:spcAft>
+                <a:spcPts val="0"/>
+              </a:spcAft>
+            </a:defPPr>
+            <a:lvl1pPr marR="0" lvl="0" algn="l" rtl="0">
+              <a:lnSpc>
+                <a:spcPct val="100000"/>
+              </a:lnSpc>
+              <a:spcBef>
+                <a:spcPts val="0"/>
+              </a:spcBef>
+              <a:spcAft>
+                <a:spcPts val="0"/>
+              </a:spcAft>
+              <a:buClr>
+                <a:schemeClr val="lt1"/>
+              </a:buClr>
+              <a:buSzPts val="2000"/>
+              <a:buFont typeface="Nunito"/>
+              <a:buNone/>
+              <a:defRPr sz="2000" b="1" i="0" u="none" strike="noStrike" cap="none">
+                <a:solidFill>
+                  <a:schemeClr val="lt1"/>
+                </a:solidFill>
+                <a:latin typeface="Nunito"/>
+                <a:ea typeface="Nunito"/>
+                <a:cs typeface="Nunito"/>
+                <a:sym typeface="Nunito"/>
+              </a:defRPr>
+            </a:lvl1pPr>
+            <a:lvl2pPr marR="0" lvl="1" algn="l" rtl="0">
+              <a:lnSpc>
+                <a:spcPct val="100000"/>
+              </a:lnSpc>
+              <a:spcBef>
+                <a:spcPts val="0"/>
+              </a:spcBef>
+              <a:spcAft>
+                <a:spcPts val="0"/>
+              </a:spcAft>
+              <a:buClr>
+                <a:srgbClr val="FFF9D9"/>
+              </a:buClr>
+              <a:buSzPts val="2000"/>
+              <a:buFont typeface="Nunito"/>
+              <a:buNone/>
+              <a:defRPr sz="2000" b="1" i="0" u="none" strike="noStrike" cap="none">
+                <a:solidFill>
+                  <a:srgbClr val="FFF9D9"/>
+                </a:solidFill>
+                <a:latin typeface="Nunito"/>
+                <a:ea typeface="Nunito"/>
+                <a:cs typeface="Nunito"/>
+                <a:sym typeface="Nunito"/>
+              </a:defRPr>
+            </a:lvl2pPr>
+            <a:lvl3pPr marR="0" lvl="2" algn="l" rtl="0">
+              <a:lnSpc>
+                <a:spcPct val="100000"/>
+              </a:lnSpc>
+              <a:spcBef>
+                <a:spcPts val="0"/>
+              </a:spcBef>
+              <a:spcAft>
+                <a:spcPts val="0"/>
+              </a:spcAft>
+              <a:buClr>
+                <a:srgbClr val="FFF9D9"/>
+              </a:buClr>
+              <a:buSzPts val="2000"/>
+              <a:buFont typeface="Nunito"/>
+              <a:buNone/>
+              <a:defRPr sz="2000" b="1" i="0" u="none" strike="noStrike" cap="none">
+                <a:solidFill>
+                  <a:srgbClr val="FFF9D9"/>
+                </a:solidFill>
+                <a:latin typeface="Nunito"/>
+                <a:ea typeface="Nunito"/>
+                <a:cs typeface="Nunito"/>
+                <a:sym typeface="Nunito"/>
+              </a:defRPr>
+            </a:lvl3pPr>
+            <a:lvl4pPr marR="0" lvl="3" algn="l" rtl="0">
+              <a:lnSpc>
+                <a:spcPct val="100000"/>
+              </a:lnSpc>
+              <a:spcBef>
+                <a:spcPts val="0"/>
+              </a:spcBef>
+              <a:spcAft>
+                <a:spcPts val="0"/>
+              </a:spcAft>
+              <a:buClr>
+                <a:srgbClr val="FFF9D9"/>
+              </a:buClr>
+              <a:buSzPts val="2000"/>
+              <a:buFont typeface="Nunito"/>
+              <a:buNone/>
+              <a:defRPr sz="2000" b="1" i="0" u="none" strike="noStrike" cap="none">
+                <a:solidFill>
+                  <a:srgbClr val="FFF9D9"/>
+                </a:solidFill>
+                <a:latin typeface="Nunito"/>
+                <a:ea typeface="Nunito"/>
+                <a:cs typeface="Nunito"/>
+                <a:sym typeface="Nunito"/>
+              </a:defRPr>
+            </a:lvl4pPr>
+            <a:lvl5pPr marR="0" lvl="4" algn="l" rtl="0">
+              <a:lnSpc>
+                <a:spcPct val="100000"/>
+              </a:lnSpc>
+              <a:spcBef>
+                <a:spcPts val="0"/>
+              </a:spcBef>
+              <a:spcAft>
+                <a:spcPts val="0"/>
+              </a:spcAft>
+              <a:buClr>
+                <a:srgbClr val="FFF9D9"/>
+              </a:buClr>
+              <a:buSzPts val="2000"/>
+              <a:buFont typeface="Nunito"/>
+              <a:buNone/>
+              <a:defRPr sz="2000" b="1" i="0" u="none" strike="noStrike" cap="none">
+                <a:solidFill>
+                  <a:srgbClr val="FFF9D9"/>
+                </a:solidFill>
+                <a:latin typeface="Nunito"/>
+                <a:ea typeface="Nunito"/>
+                <a:cs typeface="Nunito"/>
+                <a:sym typeface="Nunito"/>
+              </a:defRPr>
+            </a:lvl5pPr>
+            <a:lvl6pPr marR="0" lvl="5" algn="l" rtl="0">
+              <a:lnSpc>
+                <a:spcPct val="100000"/>
+              </a:lnSpc>
+              <a:spcBef>
+                <a:spcPts val="0"/>
+              </a:spcBef>
+              <a:spcAft>
+                <a:spcPts val="0"/>
+              </a:spcAft>
+              <a:buClr>
+                <a:srgbClr val="FFF9D9"/>
+              </a:buClr>
+              <a:buSzPts val="2000"/>
+              <a:buFont typeface="Nunito"/>
+              <a:buNone/>
+              <a:defRPr sz="2000" b="1" i="0" u="none" strike="noStrike" cap="none">
+                <a:solidFill>
+                  <a:srgbClr val="FFF9D9"/>
+                </a:solidFill>
+                <a:latin typeface="Nunito"/>
+                <a:ea typeface="Nunito"/>
+                <a:cs typeface="Nunito"/>
+                <a:sym typeface="Nunito"/>
+              </a:defRPr>
+            </a:lvl6pPr>
+            <a:lvl7pPr marR="0" lvl="6" algn="l" rtl="0">
+              <a:lnSpc>
+                <a:spcPct val="100000"/>
+              </a:lnSpc>
+              <a:spcBef>
+                <a:spcPts val="0"/>
+              </a:spcBef>
+              <a:spcAft>
+                <a:spcPts val="0"/>
+              </a:spcAft>
+              <a:buClr>
+                <a:srgbClr val="FFF9D9"/>
+              </a:buClr>
+              <a:buSzPts val="2000"/>
+              <a:buFont typeface="Nunito"/>
+              <a:buNone/>
+              <a:defRPr sz="2000" b="1" i="0" u="none" strike="noStrike" cap="none">
+                <a:solidFill>
+                  <a:srgbClr val="FFF9D9"/>
+                </a:solidFill>
+                <a:latin typeface="Nunito"/>
+                <a:ea typeface="Nunito"/>
+                <a:cs typeface="Nunito"/>
+                <a:sym typeface="Nunito"/>
+              </a:defRPr>
+            </a:lvl7pPr>
+            <a:lvl8pPr marR="0" lvl="7" algn="l" rtl="0">
+              <a:lnSpc>
+                <a:spcPct val="100000"/>
+              </a:lnSpc>
+              <a:spcBef>
+                <a:spcPts val="0"/>
+              </a:spcBef>
+              <a:spcAft>
+                <a:spcPts val="0"/>
+              </a:spcAft>
+              <a:buClr>
+                <a:srgbClr val="FFF9D9"/>
+              </a:buClr>
+              <a:buSzPts val="2000"/>
+              <a:buFont typeface="Nunito"/>
+              <a:buNone/>
+              <a:defRPr sz="2000" b="1" i="0" u="none" strike="noStrike" cap="none">
+                <a:solidFill>
+                  <a:srgbClr val="FFF9D9"/>
+                </a:solidFill>
+                <a:latin typeface="Nunito"/>
+                <a:ea typeface="Nunito"/>
+                <a:cs typeface="Nunito"/>
+                <a:sym typeface="Nunito"/>
+              </a:defRPr>
+            </a:lvl8pPr>
+            <a:lvl9pPr marR="0" lvl="8" algn="l" rtl="0">
+              <a:lnSpc>
+                <a:spcPct val="100000"/>
+              </a:lnSpc>
+              <a:spcBef>
+                <a:spcPts val="0"/>
+              </a:spcBef>
+              <a:spcAft>
+                <a:spcPts val="0"/>
+              </a:spcAft>
+              <a:buClr>
+                <a:srgbClr val="FFF9D9"/>
+              </a:buClr>
+              <a:buSzPts val="2000"/>
+              <a:buFont typeface="Nunito"/>
+              <a:buNone/>
+              <a:defRPr sz="2000" b="1" i="0" u="none" strike="noStrike" cap="none">
+                <a:solidFill>
+                  <a:srgbClr val="FFF9D9"/>
+                </a:solidFill>
+                <a:latin typeface="Nunito"/>
+                <a:ea typeface="Nunito"/>
+                <a:cs typeface="Nunito"/>
+                <a:sym typeface="Nunito"/>
+              </a:defRPr>
+            </a:lvl9pPr>
+          </a:lstStyle>
+          <a:p>
+            <a:pPr algn="ctr"/>
+            <a:r>
+              <a:rPr lang="pt-BR" sz="1400" dirty="0">
+                <a:solidFill>
+                  <a:srgbClr val="CC8A42"/>
+                </a:solidFill>
+              </a:rPr>
+              <a:t>{{GL_3}}</a:t>
+            </a:r>
+            <a:endParaRPr lang="pt-BR" dirty="0">
+              <a:solidFill>
+                <a:srgbClr val="CC8A42"/>
+              </a:solidFill>
+            </a:endParaRPr>
+          </a:p>
+        </p:txBody>
+      </p:sp>
     </p:spTree>
     <p:extLst>
       <p:ext uri="{BB962C8B-B14F-4D97-AF65-F5344CB8AC3E}">
@@ -13980,6 +14572,302 @@
               </a:rPr>
               <a:t>Cativa os parceiros e constrói uma relação de parceria virtuosa e duradoura.</a:t>
             </a:r>
+          </a:p>
+        </p:txBody>
+      </p:sp>
+      <p:sp>
+        <p:nvSpPr>
+          <p:cNvPr id="2" name="Google Shape;494;p69">
+            <a:extLst>
+              <a:ext uri="{FF2B5EF4-FFF2-40B4-BE49-F238E27FC236}">
+                <a16:creationId xmlns:a16="http://schemas.microsoft.com/office/drawing/2014/main" id="{0F1FAC0C-5A58-F0AF-FFD8-35F5E7EE8734}"/>
+              </a:ext>
+            </a:extLst>
+          </p:cNvPr>
+          <p:cNvSpPr txBox="1">
+            <a:spLocks/>
+          </p:cNvSpPr>
+          <p:nvPr/>
+        </p:nvSpPr>
+        <p:spPr>
+          <a:xfrm>
+            <a:off x="3422073" y="1063053"/>
+            <a:ext cx="5320145" cy="3695983"/>
+          </a:xfrm>
+          <a:prstGeom prst="rect">
+            <a:avLst/>
+          </a:prstGeom>
+          <a:noFill/>
+          <a:ln>
+            <a:noFill/>
+          </a:ln>
+        </p:spPr>
+        <p:txBody>
+          <a:bodyPr spcFirstLastPara="1" wrap="square" lIns="91425" tIns="91425" rIns="91425" bIns="91425" anchor="t" anchorCtr="0">
+            <a:normAutofit/>
+          </a:bodyPr>
+          <a:lstStyle>
+            <a:defPPr marR="0" lvl="0" algn="l" rtl="0">
+              <a:lnSpc>
+                <a:spcPct val="100000"/>
+              </a:lnSpc>
+              <a:spcBef>
+                <a:spcPts val="0"/>
+              </a:spcBef>
+              <a:spcAft>
+                <a:spcPts val="0"/>
+              </a:spcAft>
+            </a:defPPr>
+            <a:lvl1pPr marR="0" lvl="0" algn="l" rtl="0">
+              <a:lnSpc>
+                <a:spcPct val="100000"/>
+              </a:lnSpc>
+              <a:spcBef>
+                <a:spcPts val="0"/>
+              </a:spcBef>
+              <a:spcAft>
+                <a:spcPts val="0"/>
+              </a:spcAft>
+              <a:buClr>
+                <a:schemeClr val="lt1"/>
+              </a:buClr>
+              <a:buSzPts val="2000"/>
+              <a:buFont typeface="Nunito"/>
+              <a:buNone/>
+              <a:defRPr sz="2000" b="1" i="0" u="none" strike="noStrike" cap="none">
+                <a:solidFill>
+                  <a:schemeClr val="lt1"/>
+                </a:solidFill>
+                <a:latin typeface="Nunito"/>
+                <a:ea typeface="Nunito"/>
+                <a:cs typeface="Nunito"/>
+                <a:sym typeface="Nunito"/>
+              </a:defRPr>
+            </a:lvl1pPr>
+            <a:lvl2pPr marR="0" lvl="1" algn="l" rtl="0">
+              <a:lnSpc>
+                <a:spcPct val="100000"/>
+              </a:lnSpc>
+              <a:spcBef>
+                <a:spcPts val="0"/>
+              </a:spcBef>
+              <a:spcAft>
+                <a:spcPts val="0"/>
+              </a:spcAft>
+              <a:buClr>
+                <a:srgbClr val="FFF9D9"/>
+              </a:buClr>
+              <a:buSzPts val="2000"/>
+              <a:buFont typeface="Nunito"/>
+              <a:buNone/>
+              <a:defRPr sz="2000" b="1" i="0" u="none" strike="noStrike" cap="none">
+                <a:solidFill>
+                  <a:srgbClr val="FFF9D9"/>
+                </a:solidFill>
+                <a:latin typeface="Nunito"/>
+                <a:ea typeface="Nunito"/>
+                <a:cs typeface="Nunito"/>
+                <a:sym typeface="Nunito"/>
+              </a:defRPr>
+            </a:lvl2pPr>
+            <a:lvl3pPr marR="0" lvl="2" algn="l" rtl="0">
+              <a:lnSpc>
+                <a:spcPct val="100000"/>
+              </a:lnSpc>
+              <a:spcBef>
+                <a:spcPts val="0"/>
+              </a:spcBef>
+              <a:spcAft>
+                <a:spcPts val="0"/>
+              </a:spcAft>
+              <a:buClr>
+                <a:srgbClr val="FFF9D9"/>
+              </a:buClr>
+              <a:buSzPts val="2000"/>
+              <a:buFont typeface="Nunito"/>
+              <a:buNone/>
+              <a:defRPr sz="2000" b="1" i="0" u="none" strike="noStrike" cap="none">
+                <a:solidFill>
+                  <a:srgbClr val="FFF9D9"/>
+                </a:solidFill>
+                <a:latin typeface="Nunito"/>
+                <a:ea typeface="Nunito"/>
+                <a:cs typeface="Nunito"/>
+                <a:sym typeface="Nunito"/>
+              </a:defRPr>
+            </a:lvl3pPr>
+            <a:lvl4pPr marR="0" lvl="3" algn="l" rtl="0">
+              <a:lnSpc>
+                <a:spcPct val="100000"/>
+              </a:lnSpc>
+              <a:spcBef>
+                <a:spcPts val="0"/>
+              </a:spcBef>
+              <a:spcAft>
+                <a:spcPts val="0"/>
+              </a:spcAft>
+              <a:buClr>
+                <a:srgbClr val="FFF9D9"/>
+              </a:buClr>
+              <a:buSzPts val="2000"/>
+              <a:buFont typeface="Nunito"/>
+              <a:buNone/>
+              <a:defRPr sz="2000" b="1" i="0" u="none" strike="noStrike" cap="none">
+                <a:solidFill>
+                  <a:srgbClr val="FFF9D9"/>
+                </a:solidFill>
+                <a:latin typeface="Nunito"/>
+                <a:ea typeface="Nunito"/>
+                <a:cs typeface="Nunito"/>
+                <a:sym typeface="Nunito"/>
+              </a:defRPr>
+            </a:lvl4pPr>
+            <a:lvl5pPr marR="0" lvl="4" algn="l" rtl="0">
+              <a:lnSpc>
+                <a:spcPct val="100000"/>
+              </a:lnSpc>
+              <a:spcBef>
+                <a:spcPts val="0"/>
+              </a:spcBef>
+              <a:spcAft>
+                <a:spcPts val="0"/>
+              </a:spcAft>
+              <a:buClr>
+                <a:srgbClr val="FFF9D9"/>
+              </a:buClr>
+              <a:buSzPts val="2000"/>
+              <a:buFont typeface="Nunito"/>
+              <a:buNone/>
+              <a:defRPr sz="2000" b="1" i="0" u="none" strike="noStrike" cap="none">
+                <a:solidFill>
+                  <a:srgbClr val="FFF9D9"/>
+                </a:solidFill>
+                <a:latin typeface="Nunito"/>
+                <a:ea typeface="Nunito"/>
+                <a:cs typeface="Nunito"/>
+                <a:sym typeface="Nunito"/>
+              </a:defRPr>
+            </a:lvl5pPr>
+            <a:lvl6pPr marR="0" lvl="5" algn="l" rtl="0">
+              <a:lnSpc>
+                <a:spcPct val="100000"/>
+              </a:lnSpc>
+              <a:spcBef>
+                <a:spcPts val="0"/>
+              </a:spcBef>
+              <a:spcAft>
+                <a:spcPts val="0"/>
+              </a:spcAft>
+              <a:buClr>
+                <a:srgbClr val="FFF9D9"/>
+              </a:buClr>
+              <a:buSzPts val="2000"/>
+              <a:buFont typeface="Nunito"/>
+              <a:buNone/>
+              <a:defRPr sz="2000" b="1" i="0" u="none" strike="noStrike" cap="none">
+                <a:solidFill>
+                  <a:srgbClr val="FFF9D9"/>
+                </a:solidFill>
+                <a:latin typeface="Nunito"/>
+                <a:ea typeface="Nunito"/>
+                <a:cs typeface="Nunito"/>
+                <a:sym typeface="Nunito"/>
+              </a:defRPr>
+            </a:lvl6pPr>
+            <a:lvl7pPr marR="0" lvl="6" algn="l" rtl="0">
+              <a:lnSpc>
+                <a:spcPct val="100000"/>
+              </a:lnSpc>
+              <a:spcBef>
+                <a:spcPts val="0"/>
+              </a:spcBef>
+              <a:spcAft>
+                <a:spcPts val="0"/>
+              </a:spcAft>
+              <a:buClr>
+                <a:srgbClr val="FFF9D9"/>
+              </a:buClr>
+              <a:buSzPts val="2000"/>
+              <a:buFont typeface="Nunito"/>
+              <a:buNone/>
+              <a:defRPr sz="2000" b="1" i="0" u="none" strike="noStrike" cap="none">
+                <a:solidFill>
+                  <a:srgbClr val="FFF9D9"/>
+                </a:solidFill>
+                <a:latin typeface="Nunito"/>
+                <a:ea typeface="Nunito"/>
+                <a:cs typeface="Nunito"/>
+                <a:sym typeface="Nunito"/>
+              </a:defRPr>
+            </a:lvl7pPr>
+            <a:lvl8pPr marR="0" lvl="7" algn="l" rtl="0">
+              <a:lnSpc>
+                <a:spcPct val="100000"/>
+              </a:lnSpc>
+              <a:spcBef>
+                <a:spcPts val="0"/>
+              </a:spcBef>
+              <a:spcAft>
+                <a:spcPts val="0"/>
+              </a:spcAft>
+              <a:buClr>
+                <a:srgbClr val="FFF9D9"/>
+              </a:buClr>
+              <a:buSzPts val="2000"/>
+              <a:buFont typeface="Nunito"/>
+              <a:buNone/>
+              <a:defRPr sz="2000" b="1" i="0" u="none" strike="noStrike" cap="none">
+                <a:solidFill>
+                  <a:srgbClr val="FFF9D9"/>
+                </a:solidFill>
+                <a:latin typeface="Nunito"/>
+                <a:ea typeface="Nunito"/>
+                <a:cs typeface="Nunito"/>
+                <a:sym typeface="Nunito"/>
+              </a:defRPr>
+            </a:lvl8pPr>
+            <a:lvl9pPr marR="0" lvl="8" algn="l" rtl="0">
+              <a:lnSpc>
+                <a:spcPct val="100000"/>
+              </a:lnSpc>
+              <a:spcBef>
+                <a:spcPts val="0"/>
+              </a:spcBef>
+              <a:spcAft>
+                <a:spcPts val="0"/>
+              </a:spcAft>
+              <a:buClr>
+                <a:srgbClr val="FFF9D9"/>
+              </a:buClr>
+              <a:buSzPts val="2000"/>
+              <a:buFont typeface="Nunito"/>
+              <a:buNone/>
+              <a:defRPr sz="2000" b="1" i="0" u="none" strike="noStrike" cap="none">
+                <a:solidFill>
+                  <a:srgbClr val="FFF9D9"/>
+                </a:solidFill>
+                <a:latin typeface="Nunito"/>
+                <a:ea typeface="Nunito"/>
+                <a:cs typeface="Nunito"/>
+                <a:sym typeface="Nunito"/>
+              </a:defRPr>
+            </a:lvl9pPr>
+          </a:lstStyle>
+          <a:p>
+            <a:pPr algn="ctr"/>
+            <a:r>
+              <a:rPr lang="pt-BR" sz="1400" dirty="0">
+                <a:solidFill>
+                  <a:srgbClr val="CC8A42"/>
+                </a:solidFill>
+              </a:rPr>
+              <a:t>{{REL_1}}</a:t>
+            </a:r>
+            <a:endParaRPr lang="pt-BR" dirty="0">
+              <a:solidFill>
+                <a:srgbClr val="CC8A42"/>
+              </a:solidFill>
+            </a:endParaRPr>
           </a:p>
         </p:txBody>
       </p:sp>
@@ -14357,6 +15245,302 @@
           </a:p>
         </p:txBody>
       </p:sp>
+      <p:sp>
+        <p:nvSpPr>
+          <p:cNvPr id="2" name="Google Shape;494;p69">
+            <a:extLst>
+              <a:ext uri="{FF2B5EF4-FFF2-40B4-BE49-F238E27FC236}">
+                <a16:creationId xmlns:a16="http://schemas.microsoft.com/office/drawing/2014/main" id="{5089DE9A-EFA9-795A-40D6-F200F8144FAD}"/>
+              </a:ext>
+            </a:extLst>
+          </p:cNvPr>
+          <p:cNvSpPr txBox="1">
+            <a:spLocks/>
+          </p:cNvSpPr>
+          <p:nvPr/>
+        </p:nvSpPr>
+        <p:spPr>
+          <a:xfrm>
+            <a:off x="3422073" y="1063053"/>
+            <a:ext cx="5320145" cy="3695983"/>
+          </a:xfrm>
+          <a:prstGeom prst="rect">
+            <a:avLst/>
+          </a:prstGeom>
+          <a:noFill/>
+          <a:ln>
+            <a:noFill/>
+          </a:ln>
+        </p:spPr>
+        <p:txBody>
+          <a:bodyPr spcFirstLastPara="1" wrap="square" lIns="91425" tIns="91425" rIns="91425" bIns="91425" anchor="t" anchorCtr="0">
+            <a:normAutofit/>
+          </a:bodyPr>
+          <a:lstStyle>
+            <a:defPPr marR="0" lvl="0" algn="l" rtl="0">
+              <a:lnSpc>
+                <a:spcPct val="100000"/>
+              </a:lnSpc>
+              <a:spcBef>
+                <a:spcPts val="0"/>
+              </a:spcBef>
+              <a:spcAft>
+                <a:spcPts val="0"/>
+              </a:spcAft>
+            </a:defPPr>
+            <a:lvl1pPr marR="0" lvl="0" algn="l" rtl="0">
+              <a:lnSpc>
+                <a:spcPct val="100000"/>
+              </a:lnSpc>
+              <a:spcBef>
+                <a:spcPts val="0"/>
+              </a:spcBef>
+              <a:spcAft>
+                <a:spcPts val="0"/>
+              </a:spcAft>
+              <a:buClr>
+                <a:schemeClr val="lt1"/>
+              </a:buClr>
+              <a:buSzPts val="2000"/>
+              <a:buFont typeface="Nunito"/>
+              <a:buNone/>
+              <a:defRPr sz="2000" b="1" i="0" u="none" strike="noStrike" cap="none">
+                <a:solidFill>
+                  <a:schemeClr val="lt1"/>
+                </a:solidFill>
+                <a:latin typeface="Nunito"/>
+                <a:ea typeface="Nunito"/>
+                <a:cs typeface="Nunito"/>
+                <a:sym typeface="Nunito"/>
+              </a:defRPr>
+            </a:lvl1pPr>
+            <a:lvl2pPr marR="0" lvl="1" algn="l" rtl="0">
+              <a:lnSpc>
+                <a:spcPct val="100000"/>
+              </a:lnSpc>
+              <a:spcBef>
+                <a:spcPts val="0"/>
+              </a:spcBef>
+              <a:spcAft>
+                <a:spcPts val="0"/>
+              </a:spcAft>
+              <a:buClr>
+                <a:srgbClr val="FFF9D9"/>
+              </a:buClr>
+              <a:buSzPts val="2000"/>
+              <a:buFont typeface="Nunito"/>
+              <a:buNone/>
+              <a:defRPr sz="2000" b="1" i="0" u="none" strike="noStrike" cap="none">
+                <a:solidFill>
+                  <a:srgbClr val="FFF9D9"/>
+                </a:solidFill>
+                <a:latin typeface="Nunito"/>
+                <a:ea typeface="Nunito"/>
+                <a:cs typeface="Nunito"/>
+                <a:sym typeface="Nunito"/>
+              </a:defRPr>
+            </a:lvl2pPr>
+            <a:lvl3pPr marR="0" lvl="2" algn="l" rtl="0">
+              <a:lnSpc>
+                <a:spcPct val="100000"/>
+              </a:lnSpc>
+              <a:spcBef>
+                <a:spcPts val="0"/>
+              </a:spcBef>
+              <a:spcAft>
+                <a:spcPts val="0"/>
+              </a:spcAft>
+              <a:buClr>
+                <a:srgbClr val="FFF9D9"/>
+              </a:buClr>
+              <a:buSzPts val="2000"/>
+              <a:buFont typeface="Nunito"/>
+              <a:buNone/>
+              <a:defRPr sz="2000" b="1" i="0" u="none" strike="noStrike" cap="none">
+                <a:solidFill>
+                  <a:srgbClr val="FFF9D9"/>
+                </a:solidFill>
+                <a:latin typeface="Nunito"/>
+                <a:ea typeface="Nunito"/>
+                <a:cs typeface="Nunito"/>
+                <a:sym typeface="Nunito"/>
+              </a:defRPr>
+            </a:lvl3pPr>
+            <a:lvl4pPr marR="0" lvl="3" algn="l" rtl="0">
+              <a:lnSpc>
+                <a:spcPct val="100000"/>
+              </a:lnSpc>
+              <a:spcBef>
+                <a:spcPts val="0"/>
+              </a:spcBef>
+              <a:spcAft>
+                <a:spcPts val="0"/>
+              </a:spcAft>
+              <a:buClr>
+                <a:srgbClr val="FFF9D9"/>
+              </a:buClr>
+              <a:buSzPts val="2000"/>
+              <a:buFont typeface="Nunito"/>
+              <a:buNone/>
+              <a:defRPr sz="2000" b="1" i="0" u="none" strike="noStrike" cap="none">
+                <a:solidFill>
+                  <a:srgbClr val="FFF9D9"/>
+                </a:solidFill>
+                <a:latin typeface="Nunito"/>
+                <a:ea typeface="Nunito"/>
+                <a:cs typeface="Nunito"/>
+                <a:sym typeface="Nunito"/>
+              </a:defRPr>
+            </a:lvl4pPr>
+            <a:lvl5pPr marR="0" lvl="4" algn="l" rtl="0">
+              <a:lnSpc>
+                <a:spcPct val="100000"/>
+              </a:lnSpc>
+              <a:spcBef>
+                <a:spcPts val="0"/>
+              </a:spcBef>
+              <a:spcAft>
+                <a:spcPts val="0"/>
+              </a:spcAft>
+              <a:buClr>
+                <a:srgbClr val="FFF9D9"/>
+              </a:buClr>
+              <a:buSzPts val="2000"/>
+              <a:buFont typeface="Nunito"/>
+              <a:buNone/>
+              <a:defRPr sz="2000" b="1" i="0" u="none" strike="noStrike" cap="none">
+                <a:solidFill>
+                  <a:srgbClr val="FFF9D9"/>
+                </a:solidFill>
+                <a:latin typeface="Nunito"/>
+                <a:ea typeface="Nunito"/>
+                <a:cs typeface="Nunito"/>
+                <a:sym typeface="Nunito"/>
+              </a:defRPr>
+            </a:lvl5pPr>
+            <a:lvl6pPr marR="0" lvl="5" algn="l" rtl="0">
+              <a:lnSpc>
+                <a:spcPct val="100000"/>
+              </a:lnSpc>
+              <a:spcBef>
+                <a:spcPts val="0"/>
+              </a:spcBef>
+              <a:spcAft>
+                <a:spcPts val="0"/>
+              </a:spcAft>
+              <a:buClr>
+                <a:srgbClr val="FFF9D9"/>
+              </a:buClr>
+              <a:buSzPts val="2000"/>
+              <a:buFont typeface="Nunito"/>
+              <a:buNone/>
+              <a:defRPr sz="2000" b="1" i="0" u="none" strike="noStrike" cap="none">
+                <a:solidFill>
+                  <a:srgbClr val="FFF9D9"/>
+                </a:solidFill>
+                <a:latin typeface="Nunito"/>
+                <a:ea typeface="Nunito"/>
+                <a:cs typeface="Nunito"/>
+                <a:sym typeface="Nunito"/>
+              </a:defRPr>
+            </a:lvl6pPr>
+            <a:lvl7pPr marR="0" lvl="6" algn="l" rtl="0">
+              <a:lnSpc>
+                <a:spcPct val="100000"/>
+              </a:lnSpc>
+              <a:spcBef>
+                <a:spcPts val="0"/>
+              </a:spcBef>
+              <a:spcAft>
+                <a:spcPts val="0"/>
+              </a:spcAft>
+              <a:buClr>
+                <a:srgbClr val="FFF9D9"/>
+              </a:buClr>
+              <a:buSzPts val="2000"/>
+              <a:buFont typeface="Nunito"/>
+              <a:buNone/>
+              <a:defRPr sz="2000" b="1" i="0" u="none" strike="noStrike" cap="none">
+                <a:solidFill>
+                  <a:srgbClr val="FFF9D9"/>
+                </a:solidFill>
+                <a:latin typeface="Nunito"/>
+                <a:ea typeface="Nunito"/>
+                <a:cs typeface="Nunito"/>
+                <a:sym typeface="Nunito"/>
+              </a:defRPr>
+            </a:lvl7pPr>
+            <a:lvl8pPr marR="0" lvl="7" algn="l" rtl="0">
+              <a:lnSpc>
+                <a:spcPct val="100000"/>
+              </a:lnSpc>
+              <a:spcBef>
+                <a:spcPts val="0"/>
+              </a:spcBef>
+              <a:spcAft>
+                <a:spcPts val="0"/>
+              </a:spcAft>
+              <a:buClr>
+                <a:srgbClr val="FFF9D9"/>
+              </a:buClr>
+              <a:buSzPts val="2000"/>
+              <a:buFont typeface="Nunito"/>
+              <a:buNone/>
+              <a:defRPr sz="2000" b="1" i="0" u="none" strike="noStrike" cap="none">
+                <a:solidFill>
+                  <a:srgbClr val="FFF9D9"/>
+                </a:solidFill>
+                <a:latin typeface="Nunito"/>
+                <a:ea typeface="Nunito"/>
+                <a:cs typeface="Nunito"/>
+                <a:sym typeface="Nunito"/>
+              </a:defRPr>
+            </a:lvl8pPr>
+            <a:lvl9pPr marR="0" lvl="8" algn="l" rtl="0">
+              <a:lnSpc>
+                <a:spcPct val="100000"/>
+              </a:lnSpc>
+              <a:spcBef>
+                <a:spcPts val="0"/>
+              </a:spcBef>
+              <a:spcAft>
+                <a:spcPts val="0"/>
+              </a:spcAft>
+              <a:buClr>
+                <a:srgbClr val="FFF9D9"/>
+              </a:buClr>
+              <a:buSzPts val="2000"/>
+              <a:buFont typeface="Nunito"/>
+              <a:buNone/>
+              <a:defRPr sz="2000" b="1" i="0" u="none" strike="noStrike" cap="none">
+                <a:solidFill>
+                  <a:srgbClr val="FFF9D9"/>
+                </a:solidFill>
+                <a:latin typeface="Nunito"/>
+                <a:ea typeface="Nunito"/>
+                <a:cs typeface="Nunito"/>
+                <a:sym typeface="Nunito"/>
+              </a:defRPr>
+            </a:lvl9pPr>
+          </a:lstStyle>
+          <a:p>
+            <a:pPr algn="ctr"/>
+            <a:r>
+              <a:rPr lang="pt-BR" sz="1400" dirty="0">
+                <a:solidFill>
+                  <a:srgbClr val="CC8A42"/>
+                </a:solidFill>
+              </a:rPr>
+              <a:t>{{REL_2}}</a:t>
+            </a:r>
+            <a:endParaRPr lang="pt-BR" dirty="0">
+              <a:solidFill>
+                <a:srgbClr val="CC8A42"/>
+              </a:solidFill>
+            </a:endParaRPr>
+          </a:p>
+        </p:txBody>
+      </p:sp>
     </p:spTree>
     <p:extLst>
       <p:ext uri="{BB962C8B-B14F-4D97-AF65-F5344CB8AC3E}">
@@ -14728,6 +15912,302 @@
               </a:rPr>
               <a:t>É assertivo, consegue passar de forma objetiva a ideia que deseja.</a:t>
             </a:r>
+          </a:p>
+        </p:txBody>
+      </p:sp>
+      <p:sp>
+        <p:nvSpPr>
+          <p:cNvPr id="3" name="Google Shape;494;p69">
+            <a:extLst>
+              <a:ext uri="{FF2B5EF4-FFF2-40B4-BE49-F238E27FC236}">
+                <a16:creationId xmlns:a16="http://schemas.microsoft.com/office/drawing/2014/main" id="{547F2768-3227-3BB8-AA1D-37715A013C13}"/>
+              </a:ext>
+            </a:extLst>
+          </p:cNvPr>
+          <p:cNvSpPr txBox="1">
+            <a:spLocks/>
+          </p:cNvSpPr>
+          <p:nvPr/>
+        </p:nvSpPr>
+        <p:spPr>
+          <a:xfrm>
+            <a:off x="3422073" y="1063053"/>
+            <a:ext cx="5320145" cy="3695983"/>
+          </a:xfrm>
+          <a:prstGeom prst="rect">
+            <a:avLst/>
+          </a:prstGeom>
+          <a:noFill/>
+          <a:ln>
+            <a:noFill/>
+          </a:ln>
+        </p:spPr>
+        <p:txBody>
+          <a:bodyPr spcFirstLastPara="1" wrap="square" lIns="91425" tIns="91425" rIns="91425" bIns="91425" anchor="t" anchorCtr="0">
+            <a:normAutofit/>
+          </a:bodyPr>
+          <a:lstStyle>
+            <a:defPPr marR="0" lvl="0" algn="l" rtl="0">
+              <a:lnSpc>
+                <a:spcPct val="100000"/>
+              </a:lnSpc>
+              <a:spcBef>
+                <a:spcPts val="0"/>
+              </a:spcBef>
+              <a:spcAft>
+                <a:spcPts val="0"/>
+              </a:spcAft>
+            </a:defPPr>
+            <a:lvl1pPr marR="0" lvl="0" algn="l" rtl="0">
+              <a:lnSpc>
+                <a:spcPct val="100000"/>
+              </a:lnSpc>
+              <a:spcBef>
+                <a:spcPts val="0"/>
+              </a:spcBef>
+              <a:spcAft>
+                <a:spcPts val="0"/>
+              </a:spcAft>
+              <a:buClr>
+                <a:schemeClr val="lt1"/>
+              </a:buClr>
+              <a:buSzPts val="2000"/>
+              <a:buFont typeface="Nunito"/>
+              <a:buNone/>
+              <a:defRPr sz="2000" b="1" i="0" u="none" strike="noStrike" cap="none">
+                <a:solidFill>
+                  <a:schemeClr val="lt1"/>
+                </a:solidFill>
+                <a:latin typeface="Nunito"/>
+                <a:ea typeface="Nunito"/>
+                <a:cs typeface="Nunito"/>
+                <a:sym typeface="Nunito"/>
+              </a:defRPr>
+            </a:lvl1pPr>
+            <a:lvl2pPr marR="0" lvl="1" algn="l" rtl="0">
+              <a:lnSpc>
+                <a:spcPct val="100000"/>
+              </a:lnSpc>
+              <a:spcBef>
+                <a:spcPts val="0"/>
+              </a:spcBef>
+              <a:spcAft>
+                <a:spcPts val="0"/>
+              </a:spcAft>
+              <a:buClr>
+                <a:srgbClr val="FFF9D9"/>
+              </a:buClr>
+              <a:buSzPts val="2000"/>
+              <a:buFont typeface="Nunito"/>
+              <a:buNone/>
+              <a:defRPr sz="2000" b="1" i="0" u="none" strike="noStrike" cap="none">
+                <a:solidFill>
+                  <a:srgbClr val="FFF9D9"/>
+                </a:solidFill>
+                <a:latin typeface="Nunito"/>
+                <a:ea typeface="Nunito"/>
+                <a:cs typeface="Nunito"/>
+                <a:sym typeface="Nunito"/>
+              </a:defRPr>
+            </a:lvl2pPr>
+            <a:lvl3pPr marR="0" lvl="2" algn="l" rtl="0">
+              <a:lnSpc>
+                <a:spcPct val="100000"/>
+              </a:lnSpc>
+              <a:spcBef>
+                <a:spcPts val="0"/>
+              </a:spcBef>
+              <a:spcAft>
+                <a:spcPts val="0"/>
+              </a:spcAft>
+              <a:buClr>
+                <a:srgbClr val="FFF9D9"/>
+              </a:buClr>
+              <a:buSzPts val="2000"/>
+              <a:buFont typeface="Nunito"/>
+              <a:buNone/>
+              <a:defRPr sz="2000" b="1" i="0" u="none" strike="noStrike" cap="none">
+                <a:solidFill>
+                  <a:srgbClr val="FFF9D9"/>
+                </a:solidFill>
+                <a:latin typeface="Nunito"/>
+                <a:ea typeface="Nunito"/>
+                <a:cs typeface="Nunito"/>
+                <a:sym typeface="Nunito"/>
+              </a:defRPr>
+            </a:lvl3pPr>
+            <a:lvl4pPr marR="0" lvl="3" algn="l" rtl="0">
+              <a:lnSpc>
+                <a:spcPct val="100000"/>
+              </a:lnSpc>
+              <a:spcBef>
+                <a:spcPts val="0"/>
+              </a:spcBef>
+              <a:spcAft>
+                <a:spcPts val="0"/>
+              </a:spcAft>
+              <a:buClr>
+                <a:srgbClr val="FFF9D9"/>
+              </a:buClr>
+              <a:buSzPts val="2000"/>
+              <a:buFont typeface="Nunito"/>
+              <a:buNone/>
+              <a:defRPr sz="2000" b="1" i="0" u="none" strike="noStrike" cap="none">
+                <a:solidFill>
+                  <a:srgbClr val="FFF9D9"/>
+                </a:solidFill>
+                <a:latin typeface="Nunito"/>
+                <a:ea typeface="Nunito"/>
+                <a:cs typeface="Nunito"/>
+                <a:sym typeface="Nunito"/>
+              </a:defRPr>
+            </a:lvl4pPr>
+            <a:lvl5pPr marR="0" lvl="4" algn="l" rtl="0">
+              <a:lnSpc>
+                <a:spcPct val="100000"/>
+              </a:lnSpc>
+              <a:spcBef>
+                <a:spcPts val="0"/>
+              </a:spcBef>
+              <a:spcAft>
+                <a:spcPts val="0"/>
+              </a:spcAft>
+              <a:buClr>
+                <a:srgbClr val="FFF9D9"/>
+              </a:buClr>
+              <a:buSzPts val="2000"/>
+              <a:buFont typeface="Nunito"/>
+              <a:buNone/>
+              <a:defRPr sz="2000" b="1" i="0" u="none" strike="noStrike" cap="none">
+                <a:solidFill>
+                  <a:srgbClr val="FFF9D9"/>
+                </a:solidFill>
+                <a:latin typeface="Nunito"/>
+                <a:ea typeface="Nunito"/>
+                <a:cs typeface="Nunito"/>
+                <a:sym typeface="Nunito"/>
+              </a:defRPr>
+            </a:lvl5pPr>
+            <a:lvl6pPr marR="0" lvl="5" algn="l" rtl="0">
+              <a:lnSpc>
+                <a:spcPct val="100000"/>
+              </a:lnSpc>
+              <a:spcBef>
+                <a:spcPts val="0"/>
+              </a:spcBef>
+              <a:spcAft>
+                <a:spcPts val="0"/>
+              </a:spcAft>
+              <a:buClr>
+                <a:srgbClr val="FFF9D9"/>
+              </a:buClr>
+              <a:buSzPts val="2000"/>
+              <a:buFont typeface="Nunito"/>
+              <a:buNone/>
+              <a:defRPr sz="2000" b="1" i="0" u="none" strike="noStrike" cap="none">
+                <a:solidFill>
+                  <a:srgbClr val="FFF9D9"/>
+                </a:solidFill>
+                <a:latin typeface="Nunito"/>
+                <a:ea typeface="Nunito"/>
+                <a:cs typeface="Nunito"/>
+                <a:sym typeface="Nunito"/>
+              </a:defRPr>
+            </a:lvl6pPr>
+            <a:lvl7pPr marR="0" lvl="6" algn="l" rtl="0">
+              <a:lnSpc>
+                <a:spcPct val="100000"/>
+              </a:lnSpc>
+              <a:spcBef>
+                <a:spcPts val="0"/>
+              </a:spcBef>
+              <a:spcAft>
+                <a:spcPts val="0"/>
+              </a:spcAft>
+              <a:buClr>
+                <a:srgbClr val="FFF9D9"/>
+              </a:buClr>
+              <a:buSzPts val="2000"/>
+              <a:buFont typeface="Nunito"/>
+              <a:buNone/>
+              <a:defRPr sz="2000" b="1" i="0" u="none" strike="noStrike" cap="none">
+                <a:solidFill>
+                  <a:srgbClr val="FFF9D9"/>
+                </a:solidFill>
+                <a:latin typeface="Nunito"/>
+                <a:ea typeface="Nunito"/>
+                <a:cs typeface="Nunito"/>
+                <a:sym typeface="Nunito"/>
+              </a:defRPr>
+            </a:lvl7pPr>
+            <a:lvl8pPr marR="0" lvl="7" algn="l" rtl="0">
+              <a:lnSpc>
+                <a:spcPct val="100000"/>
+              </a:lnSpc>
+              <a:spcBef>
+                <a:spcPts val="0"/>
+              </a:spcBef>
+              <a:spcAft>
+                <a:spcPts val="0"/>
+              </a:spcAft>
+              <a:buClr>
+                <a:srgbClr val="FFF9D9"/>
+              </a:buClr>
+              <a:buSzPts val="2000"/>
+              <a:buFont typeface="Nunito"/>
+              <a:buNone/>
+              <a:defRPr sz="2000" b="1" i="0" u="none" strike="noStrike" cap="none">
+                <a:solidFill>
+                  <a:srgbClr val="FFF9D9"/>
+                </a:solidFill>
+                <a:latin typeface="Nunito"/>
+                <a:ea typeface="Nunito"/>
+                <a:cs typeface="Nunito"/>
+                <a:sym typeface="Nunito"/>
+              </a:defRPr>
+            </a:lvl8pPr>
+            <a:lvl9pPr marR="0" lvl="8" algn="l" rtl="0">
+              <a:lnSpc>
+                <a:spcPct val="100000"/>
+              </a:lnSpc>
+              <a:spcBef>
+                <a:spcPts val="0"/>
+              </a:spcBef>
+              <a:spcAft>
+                <a:spcPts val="0"/>
+              </a:spcAft>
+              <a:buClr>
+                <a:srgbClr val="FFF9D9"/>
+              </a:buClr>
+              <a:buSzPts val="2000"/>
+              <a:buFont typeface="Nunito"/>
+              <a:buNone/>
+              <a:defRPr sz="2000" b="1" i="0" u="none" strike="noStrike" cap="none">
+                <a:solidFill>
+                  <a:srgbClr val="FFF9D9"/>
+                </a:solidFill>
+                <a:latin typeface="Nunito"/>
+                <a:ea typeface="Nunito"/>
+                <a:cs typeface="Nunito"/>
+                <a:sym typeface="Nunito"/>
+              </a:defRPr>
+            </a:lvl9pPr>
+          </a:lstStyle>
+          <a:p>
+            <a:pPr algn="ctr"/>
+            <a:r>
+              <a:rPr lang="pt-BR" sz="1400" dirty="0">
+                <a:solidFill>
+                  <a:srgbClr val="CC8A42"/>
+                </a:solidFill>
+              </a:rPr>
+              <a:t>{{COM_1}}</a:t>
+            </a:r>
+            <a:endParaRPr lang="pt-BR" dirty="0">
+              <a:solidFill>
+                <a:srgbClr val="CC8A42"/>
+              </a:solidFill>
+            </a:endParaRPr>
           </a:p>
         </p:txBody>
       </p:sp>
@@ -15105,6 +16585,302 @@
           </a:p>
         </p:txBody>
       </p:sp>
+      <p:sp>
+        <p:nvSpPr>
+          <p:cNvPr id="3" name="Google Shape;494;p69">
+            <a:extLst>
+              <a:ext uri="{FF2B5EF4-FFF2-40B4-BE49-F238E27FC236}">
+                <a16:creationId xmlns:a16="http://schemas.microsoft.com/office/drawing/2014/main" id="{36139D18-951F-BD3A-37E8-F9EA66CE4C4B}"/>
+              </a:ext>
+            </a:extLst>
+          </p:cNvPr>
+          <p:cNvSpPr txBox="1">
+            <a:spLocks/>
+          </p:cNvSpPr>
+          <p:nvPr/>
+        </p:nvSpPr>
+        <p:spPr>
+          <a:xfrm>
+            <a:off x="3422073" y="1063053"/>
+            <a:ext cx="5320145" cy="3695983"/>
+          </a:xfrm>
+          <a:prstGeom prst="rect">
+            <a:avLst/>
+          </a:prstGeom>
+          <a:noFill/>
+          <a:ln>
+            <a:noFill/>
+          </a:ln>
+        </p:spPr>
+        <p:txBody>
+          <a:bodyPr spcFirstLastPara="1" wrap="square" lIns="91425" tIns="91425" rIns="91425" bIns="91425" anchor="t" anchorCtr="0">
+            <a:normAutofit/>
+          </a:bodyPr>
+          <a:lstStyle>
+            <a:defPPr marR="0" lvl="0" algn="l" rtl="0">
+              <a:lnSpc>
+                <a:spcPct val="100000"/>
+              </a:lnSpc>
+              <a:spcBef>
+                <a:spcPts val="0"/>
+              </a:spcBef>
+              <a:spcAft>
+                <a:spcPts val="0"/>
+              </a:spcAft>
+            </a:defPPr>
+            <a:lvl1pPr marR="0" lvl="0" algn="l" rtl="0">
+              <a:lnSpc>
+                <a:spcPct val="100000"/>
+              </a:lnSpc>
+              <a:spcBef>
+                <a:spcPts val="0"/>
+              </a:spcBef>
+              <a:spcAft>
+                <a:spcPts val="0"/>
+              </a:spcAft>
+              <a:buClr>
+                <a:schemeClr val="lt1"/>
+              </a:buClr>
+              <a:buSzPts val="2000"/>
+              <a:buFont typeface="Nunito"/>
+              <a:buNone/>
+              <a:defRPr sz="2000" b="1" i="0" u="none" strike="noStrike" cap="none">
+                <a:solidFill>
+                  <a:schemeClr val="lt1"/>
+                </a:solidFill>
+                <a:latin typeface="Nunito"/>
+                <a:ea typeface="Nunito"/>
+                <a:cs typeface="Nunito"/>
+                <a:sym typeface="Nunito"/>
+              </a:defRPr>
+            </a:lvl1pPr>
+            <a:lvl2pPr marR="0" lvl="1" algn="l" rtl="0">
+              <a:lnSpc>
+                <a:spcPct val="100000"/>
+              </a:lnSpc>
+              <a:spcBef>
+                <a:spcPts val="0"/>
+              </a:spcBef>
+              <a:spcAft>
+                <a:spcPts val="0"/>
+              </a:spcAft>
+              <a:buClr>
+                <a:srgbClr val="FFF9D9"/>
+              </a:buClr>
+              <a:buSzPts val="2000"/>
+              <a:buFont typeface="Nunito"/>
+              <a:buNone/>
+              <a:defRPr sz="2000" b="1" i="0" u="none" strike="noStrike" cap="none">
+                <a:solidFill>
+                  <a:srgbClr val="FFF9D9"/>
+                </a:solidFill>
+                <a:latin typeface="Nunito"/>
+                <a:ea typeface="Nunito"/>
+                <a:cs typeface="Nunito"/>
+                <a:sym typeface="Nunito"/>
+              </a:defRPr>
+            </a:lvl2pPr>
+            <a:lvl3pPr marR="0" lvl="2" algn="l" rtl="0">
+              <a:lnSpc>
+                <a:spcPct val="100000"/>
+              </a:lnSpc>
+              <a:spcBef>
+                <a:spcPts val="0"/>
+              </a:spcBef>
+              <a:spcAft>
+                <a:spcPts val="0"/>
+              </a:spcAft>
+              <a:buClr>
+                <a:srgbClr val="FFF9D9"/>
+              </a:buClr>
+              <a:buSzPts val="2000"/>
+              <a:buFont typeface="Nunito"/>
+              <a:buNone/>
+              <a:defRPr sz="2000" b="1" i="0" u="none" strike="noStrike" cap="none">
+                <a:solidFill>
+                  <a:srgbClr val="FFF9D9"/>
+                </a:solidFill>
+                <a:latin typeface="Nunito"/>
+                <a:ea typeface="Nunito"/>
+                <a:cs typeface="Nunito"/>
+                <a:sym typeface="Nunito"/>
+              </a:defRPr>
+            </a:lvl3pPr>
+            <a:lvl4pPr marR="0" lvl="3" algn="l" rtl="0">
+              <a:lnSpc>
+                <a:spcPct val="100000"/>
+              </a:lnSpc>
+              <a:spcBef>
+                <a:spcPts val="0"/>
+              </a:spcBef>
+              <a:spcAft>
+                <a:spcPts val="0"/>
+              </a:spcAft>
+              <a:buClr>
+                <a:srgbClr val="FFF9D9"/>
+              </a:buClr>
+              <a:buSzPts val="2000"/>
+              <a:buFont typeface="Nunito"/>
+              <a:buNone/>
+              <a:defRPr sz="2000" b="1" i="0" u="none" strike="noStrike" cap="none">
+                <a:solidFill>
+                  <a:srgbClr val="FFF9D9"/>
+                </a:solidFill>
+                <a:latin typeface="Nunito"/>
+                <a:ea typeface="Nunito"/>
+                <a:cs typeface="Nunito"/>
+                <a:sym typeface="Nunito"/>
+              </a:defRPr>
+            </a:lvl4pPr>
+            <a:lvl5pPr marR="0" lvl="4" algn="l" rtl="0">
+              <a:lnSpc>
+                <a:spcPct val="100000"/>
+              </a:lnSpc>
+              <a:spcBef>
+                <a:spcPts val="0"/>
+              </a:spcBef>
+              <a:spcAft>
+                <a:spcPts val="0"/>
+              </a:spcAft>
+              <a:buClr>
+                <a:srgbClr val="FFF9D9"/>
+              </a:buClr>
+              <a:buSzPts val="2000"/>
+              <a:buFont typeface="Nunito"/>
+              <a:buNone/>
+              <a:defRPr sz="2000" b="1" i="0" u="none" strike="noStrike" cap="none">
+                <a:solidFill>
+                  <a:srgbClr val="FFF9D9"/>
+                </a:solidFill>
+                <a:latin typeface="Nunito"/>
+                <a:ea typeface="Nunito"/>
+                <a:cs typeface="Nunito"/>
+                <a:sym typeface="Nunito"/>
+              </a:defRPr>
+            </a:lvl5pPr>
+            <a:lvl6pPr marR="0" lvl="5" algn="l" rtl="0">
+              <a:lnSpc>
+                <a:spcPct val="100000"/>
+              </a:lnSpc>
+              <a:spcBef>
+                <a:spcPts val="0"/>
+              </a:spcBef>
+              <a:spcAft>
+                <a:spcPts val="0"/>
+              </a:spcAft>
+              <a:buClr>
+                <a:srgbClr val="FFF9D9"/>
+              </a:buClr>
+              <a:buSzPts val="2000"/>
+              <a:buFont typeface="Nunito"/>
+              <a:buNone/>
+              <a:defRPr sz="2000" b="1" i="0" u="none" strike="noStrike" cap="none">
+                <a:solidFill>
+                  <a:srgbClr val="FFF9D9"/>
+                </a:solidFill>
+                <a:latin typeface="Nunito"/>
+                <a:ea typeface="Nunito"/>
+                <a:cs typeface="Nunito"/>
+                <a:sym typeface="Nunito"/>
+              </a:defRPr>
+            </a:lvl6pPr>
+            <a:lvl7pPr marR="0" lvl="6" algn="l" rtl="0">
+              <a:lnSpc>
+                <a:spcPct val="100000"/>
+              </a:lnSpc>
+              <a:spcBef>
+                <a:spcPts val="0"/>
+              </a:spcBef>
+              <a:spcAft>
+                <a:spcPts val="0"/>
+              </a:spcAft>
+              <a:buClr>
+                <a:srgbClr val="FFF9D9"/>
+              </a:buClr>
+              <a:buSzPts val="2000"/>
+              <a:buFont typeface="Nunito"/>
+              <a:buNone/>
+              <a:defRPr sz="2000" b="1" i="0" u="none" strike="noStrike" cap="none">
+                <a:solidFill>
+                  <a:srgbClr val="FFF9D9"/>
+                </a:solidFill>
+                <a:latin typeface="Nunito"/>
+                <a:ea typeface="Nunito"/>
+                <a:cs typeface="Nunito"/>
+                <a:sym typeface="Nunito"/>
+              </a:defRPr>
+            </a:lvl7pPr>
+            <a:lvl8pPr marR="0" lvl="7" algn="l" rtl="0">
+              <a:lnSpc>
+                <a:spcPct val="100000"/>
+              </a:lnSpc>
+              <a:spcBef>
+                <a:spcPts val="0"/>
+              </a:spcBef>
+              <a:spcAft>
+                <a:spcPts val="0"/>
+              </a:spcAft>
+              <a:buClr>
+                <a:srgbClr val="FFF9D9"/>
+              </a:buClr>
+              <a:buSzPts val="2000"/>
+              <a:buFont typeface="Nunito"/>
+              <a:buNone/>
+              <a:defRPr sz="2000" b="1" i="0" u="none" strike="noStrike" cap="none">
+                <a:solidFill>
+                  <a:srgbClr val="FFF9D9"/>
+                </a:solidFill>
+                <a:latin typeface="Nunito"/>
+                <a:ea typeface="Nunito"/>
+                <a:cs typeface="Nunito"/>
+                <a:sym typeface="Nunito"/>
+              </a:defRPr>
+            </a:lvl8pPr>
+            <a:lvl9pPr marR="0" lvl="8" algn="l" rtl="0">
+              <a:lnSpc>
+                <a:spcPct val="100000"/>
+              </a:lnSpc>
+              <a:spcBef>
+                <a:spcPts val="0"/>
+              </a:spcBef>
+              <a:spcAft>
+                <a:spcPts val="0"/>
+              </a:spcAft>
+              <a:buClr>
+                <a:srgbClr val="FFF9D9"/>
+              </a:buClr>
+              <a:buSzPts val="2000"/>
+              <a:buFont typeface="Nunito"/>
+              <a:buNone/>
+              <a:defRPr sz="2000" b="1" i="0" u="none" strike="noStrike" cap="none">
+                <a:solidFill>
+                  <a:srgbClr val="FFF9D9"/>
+                </a:solidFill>
+                <a:latin typeface="Nunito"/>
+                <a:ea typeface="Nunito"/>
+                <a:cs typeface="Nunito"/>
+                <a:sym typeface="Nunito"/>
+              </a:defRPr>
+            </a:lvl9pPr>
+          </a:lstStyle>
+          <a:p>
+            <a:pPr algn="ctr"/>
+            <a:r>
+              <a:rPr lang="pt-BR" sz="1400" dirty="0">
+                <a:solidFill>
+                  <a:srgbClr val="CC8A42"/>
+                </a:solidFill>
+              </a:rPr>
+              <a:t>{{COM_2}}</a:t>
+            </a:r>
+            <a:endParaRPr lang="pt-BR" dirty="0">
+              <a:solidFill>
+                <a:srgbClr val="CC8A42"/>
+              </a:solidFill>
+            </a:endParaRPr>
+          </a:p>
+        </p:txBody>
+      </p:sp>
     </p:spTree>
     <p:extLst>
       <p:ext uri="{BB962C8B-B14F-4D97-AF65-F5344CB8AC3E}">
@@ -15476,6 +17252,302 @@
               </a:rPr>
               <a:t>Percebe a importância da comunicação não verbal e o impacto no ambiente de trabalho, prezando por uma postura profissional, ética e adequada aos ambientes profissionais em que está inserido.</a:t>
             </a:r>
+          </a:p>
+        </p:txBody>
+      </p:sp>
+      <p:sp>
+        <p:nvSpPr>
+          <p:cNvPr id="3" name="Google Shape;494;p69">
+            <a:extLst>
+              <a:ext uri="{FF2B5EF4-FFF2-40B4-BE49-F238E27FC236}">
+                <a16:creationId xmlns:a16="http://schemas.microsoft.com/office/drawing/2014/main" id="{694DB428-7AB1-7117-8C92-8B67C8CAEFBB}"/>
+              </a:ext>
+            </a:extLst>
+          </p:cNvPr>
+          <p:cNvSpPr txBox="1">
+            <a:spLocks/>
+          </p:cNvSpPr>
+          <p:nvPr/>
+        </p:nvSpPr>
+        <p:spPr>
+          <a:xfrm>
+            <a:off x="3422073" y="1063053"/>
+            <a:ext cx="5320145" cy="3695983"/>
+          </a:xfrm>
+          <a:prstGeom prst="rect">
+            <a:avLst/>
+          </a:prstGeom>
+          <a:noFill/>
+          <a:ln>
+            <a:noFill/>
+          </a:ln>
+        </p:spPr>
+        <p:txBody>
+          <a:bodyPr spcFirstLastPara="1" wrap="square" lIns="91425" tIns="91425" rIns="91425" bIns="91425" anchor="t" anchorCtr="0">
+            <a:normAutofit/>
+          </a:bodyPr>
+          <a:lstStyle>
+            <a:defPPr marR="0" lvl="0" algn="l" rtl="0">
+              <a:lnSpc>
+                <a:spcPct val="100000"/>
+              </a:lnSpc>
+              <a:spcBef>
+                <a:spcPts val="0"/>
+              </a:spcBef>
+              <a:spcAft>
+                <a:spcPts val="0"/>
+              </a:spcAft>
+            </a:defPPr>
+            <a:lvl1pPr marR="0" lvl="0" algn="l" rtl="0">
+              <a:lnSpc>
+                <a:spcPct val="100000"/>
+              </a:lnSpc>
+              <a:spcBef>
+                <a:spcPts val="0"/>
+              </a:spcBef>
+              <a:spcAft>
+                <a:spcPts val="0"/>
+              </a:spcAft>
+              <a:buClr>
+                <a:schemeClr val="lt1"/>
+              </a:buClr>
+              <a:buSzPts val="2000"/>
+              <a:buFont typeface="Nunito"/>
+              <a:buNone/>
+              <a:defRPr sz="2000" b="1" i="0" u="none" strike="noStrike" cap="none">
+                <a:solidFill>
+                  <a:schemeClr val="lt1"/>
+                </a:solidFill>
+                <a:latin typeface="Nunito"/>
+                <a:ea typeface="Nunito"/>
+                <a:cs typeface="Nunito"/>
+                <a:sym typeface="Nunito"/>
+              </a:defRPr>
+            </a:lvl1pPr>
+            <a:lvl2pPr marR="0" lvl="1" algn="l" rtl="0">
+              <a:lnSpc>
+                <a:spcPct val="100000"/>
+              </a:lnSpc>
+              <a:spcBef>
+                <a:spcPts val="0"/>
+              </a:spcBef>
+              <a:spcAft>
+                <a:spcPts val="0"/>
+              </a:spcAft>
+              <a:buClr>
+                <a:srgbClr val="FFF9D9"/>
+              </a:buClr>
+              <a:buSzPts val="2000"/>
+              <a:buFont typeface="Nunito"/>
+              <a:buNone/>
+              <a:defRPr sz="2000" b="1" i="0" u="none" strike="noStrike" cap="none">
+                <a:solidFill>
+                  <a:srgbClr val="FFF9D9"/>
+                </a:solidFill>
+                <a:latin typeface="Nunito"/>
+                <a:ea typeface="Nunito"/>
+                <a:cs typeface="Nunito"/>
+                <a:sym typeface="Nunito"/>
+              </a:defRPr>
+            </a:lvl2pPr>
+            <a:lvl3pPr marR="0" lvl="2" algn="l" rtl="0">
+              <a:lnSpc>
+                <a:spcPct val="100000"/>
+              </a:lnSpc>
+              <a:spcBef>
+                <a:spcPts val="0"/>
+              </a:spcBef>
+              <a:spcAft>
+                <a:spcPts val="0"/>
+              </a:spcAft>
+              <a:buClr>
+                <a:srgbClr val="FFF9D9"/>
+              </a:buClr>
+              <a:buSzPts val="2000"/>
+              <a:buFont typeface="Nunito"/>
+              <a:buNone/>
+              <a:defRPr sz="2000" b="1" i="0" u="none" strike="noStrike" cap="none">
+                <a:solidFill>
+                  <a:srgbClr val="FFF9D9"/>
+                </a:solidFill>
+                <a:latin typeface="Nunito"/>
+                <a:ea typeface="Nunito"/>
+                <a:cs typeface="Nunito"/>
+                <a:sym typeface="Nunito"/>
+              </a:defRPr>
+            </a:lvl3pPr>
+            <a:lvl4pPr marR="0" lvl="3" algn="l" rtl="0">
+              <a:lnSpc>
+                <a:spcPct val="100000"/>
+              </a:lnSpc>
+              <a:spcBef>
+                <a:spcPts val="0"/>
+              </a:spcBef>
+              <a:spcAft>
+                <a:spcPts val="0"/>
+              </a:spcAft>
+              <a:buClr>
+                <a:srgbClr val="FFF9D9"/>
+              </a:buClr>
+              <a:buSzPts val="2000"/>
+              <a:buFont typeface="Nunito"/>
+              <a:buNone/>
+              <a:defRPr sz="2000" b="1" i="0" u="none" strike="noStrike" cap="none">
+                <a:solidFill>
+                  <a:srgbClr val="FFF9D9"/>
+                </a:solidFill>
+                <a:latin typeface="Nunito"/>
+                <a:ea typeface="Nunito"/>
+                <a:cs typeface="Nunito"/>
+                <a:sym typeface="Nunito"/>
+              </a:defRPr>
+            </a:lvl4pPr>
+            <a:lvl5pPr marR="0" lvl="4" algn="l" rtl="0">
+              <a:lnSpc>
+                <a:spcPct val="100000"/>
+              </a:lnSpc>
+              <a:spcBef>
+                <a:spcPts val="0"/>
+              </a:spcBef>
+              <a:spcAft>
+                <a:spcPts val="0"/>
+              </a:spcAft>
+              <a:buClr>
+                <a:srgbClr val="FFF9D9"/>
+              </a:buClr>
+              <a:buSzPts val="2000"/>
+              <a:buFont typeface="Nunito"/>
+              <a:buNone/>
+              <a:defRPr sz="2000" b="1" i="0" u="none" strike="noStrike" cap="none">
+                <a:solidFill>
+                  <a:srgbClr val="FFF9D9"/>
+                </a:solidFill>
+                <a:latin typeface="Nunito"/>
+                <a:ea typeface="Nunito"/>
+                <a:cs typeface="Nunito"/>
+                <a:sym typeface="Nunito"/>
+              </a:defRPr>
+            </a:lvl5pPr>
+            <a:lvl6pPr marR="0" lvl="5" algn="l" rtl="0">
+              <a:lnSpc>
+                <a:spcPct val="100000"/>
+              </a:lnSpc>
+              <a:spcBef>
+                <a:spcPts val="0"/>
+              </a:spcBef>
+              <a:spcAft>
+                <a:spcPts val="0"/>
+              </a:spcAft>
+              <a:buClr>
+                <a:srgbClr val="FFF9D9"/>
+              </a:buClr>
+              <a:buSzPts val="2000"/>
+              <a:buFont typeface="Nunito"/>
+              <a:buNone/>
+              <a:defRPr sz="2000" b="1" i="0" u="none" strike="noStrike" cap="none">
+                <a:solidFill>
+                  <a:srgbClr val="FFF9D9"/>
+                </a:solidFill>
+                <a:latin typeface="Nunito"/>
+                <a:ea typeface="Nunito"/>
+                <a:cs typeface="Nunito"/>
+                <a:sym typeface="Nunito"/>
+              </a:defRPr>
+            </a:lvl6pPr>
+            <a:lvl7pPr marR="0" lvl="6" algn="l" rtl="0">
+              <a:lnSpc>
+                <a:spcPct val="100000"/>
+              </a:lnSpc>
+              <a:spcBef>
+                <a:spcPts val="0"/>
+              </a:spcBef>
+              <a:spcAft>
+                <a:spcPts val="0"/>
+              </a:spcAft>
+              <a:buClr>
+                <a:srgbClr val="FFF9D9"/>
+              </a:buClr>
+              <a:buSzPts val="2000"/>
+              <a:buFont typeface="Nunito"/>
+              <a:buNone/>
+              <a:defRPr sz="2000" b="1" i="0" u="none" strike="noStrike" cap="none">
+                <a:solidFill>
+                  <a:srgbClr val="FFF9D9"/>
+                </a:solidFill>
+                <a:latin typeface="Nunito"/>
+                <a:ea typeface="Nunito"/>
+                <a:cs typeface="Nunito"/>
+                <a:sym typeface="Nunito"/>
+              </a:defRPr>
+            </a:lvl7pPr>
+            <a:lvl8pPr marR="0" lvl="7" algn="l" rtl="0">
+              <a:lnSpc>
+                <a:spcPct val="100000"/>
+              </a:lnSpc>
+              <a:spcBef>
+                <a:spcPts val="0"/>
+              </a:spcBef>
+              <a:spcAft>
+                <a:spcPts val="0"/>
+              </a:spcAft>
+              <a:buClr>
+                <a:srgbClr val="FFF9D9"/>
+              </a:buClr>
+              <a:buSzPts val="2000"/>
+              <a:buFont typeface="Nunito"/>
+              <a:buNone/>
+              <a:defRPr sz="2000" b="1" i="0" u="none" strike="noStrike" cap="none">
+                <a:solidFill>
+                  <a:srgbClr val="FFF9D9"/>
+                </a:solidFill>
+                <a:latin typeface="Nunito"/>
+                <a:ea typeface="Nunito"/>
+                <a:cs typeface="Nunito"/>
+                <a:sym typeface="Nunito"/>
+              </a:defRPr>
+            </a:lvl8pPr>
+            <a:lvl9pPr marR="0" lvl="8" algn="l" rtl="0">
+              <a:lnSpc>
+                <a:spcPct val="100000"/>
+              </a:lnSpc>
+              <a:spcBef>
+                <a:spcPts val="0"/>
+              </a:spcBef>
+              <a:spcAft>
+                <a:spcPts val="0"/>
+              </a:spcAft>
+              <a:buClr>
+                <a:srgbClr val="FFF9D9"/>
+              </a:buClr>
+              <a:buSzPts val="2000"/>
+              <a:buFont typeface="Nunito"/>
+              <a:buNone/>
+              <a:defRPr sz="2000" b="1" i="0" u="none" strike="noStrike" cap="none">
+                <a:solidFill>
+                  <a:srgbClr val="FFF9D9"/>
+                </a:solidFill>
+                <a:latin typeface="Nunito"/>
+                <a:ea typeface="Nunito"/>
+                <a:cs typeface="Nunito"/>
+                <a:sym typeface="Nunito"/>
+              </a:defRPr>
+            </a:lvl9pPr>
+          </a:lstStyle>
+          <a:p>
+            <a:pPr algn="ctr"/>
+            <a:r>
+              <a:rPr lang="pt-BR" sz="1400" dirty="0">
+                <a:solidFill>
+                  <a:srgbClr val="CC8A42"/>
+                </a:solidFill>
+              </a:rPr>
+              <a:t>{{COM_3}}</a:t>
+            </a:r>
+            <a:endParaRPr lang="pt-BR" dirty="0">
+              <a:solidFill>
+                <a:srgbClr val="CC8A42"/>
+              </a:solidFill>
+            </a:endParaRPr>
           </a:p>
         </p:txBody>
       </p:sp>
@@ -15850,6 +17922,302 @@
               </a:rPr>
               <a:t>Compartilha a própria experiência, conhecimentos especializados e boas práticas com outros(as) colaboradores(as).</a:t>
             </a:r>
+          </a:p>
+        </p:txBody>
+      </p:sp>
+      <p:sp>
+        <p:nvSpPr>
+          <p:cNvPr id="2" name="Google Shape;494;p69">
+            <a:extLst>
+              <a:ext uri="{FF2B5EF4-FFF2-40B4-BE49-F238E27FC236}">
+                <a16:creationId xmlns:a16="http://schemas.microsoft.com/office/drawing/2014/main" id="{BA68AE35-F1AF-A8D6-2C81-1C54477F2347}"/>
+              </a:ext>
+            </a:extLst>
+          </p:cNvPr>
+          <p:cNvSpPr txBox="1">
+            <a:spLocks/>
+          </p:cNvSpPr>
+          <p:nvPr/>
+        </p:nvSpPr>
+        <p:spPr>
+          <a:xfrm>
+            <a:off x="3422073" y="1063053"/>
+            <a:ext cx="5320145" cy="3695983"/>
+          </a:xfrm>
+          <a:prstGeom prst="rect">
+            <a:avLst/>
+          </a:prstGeom>
+          <a:noFill/>
+          <a:ln>
+            <a:noFill/>
+          </a:ln>
+        </p:spPr>
+        <p:txBody>
+          <a:bodyPr spcFirstLastPara="1" wrap="square" lIns="91425" tIns="91425" rIns="91425" bIns="91425" anchor="t" anchorCtr="0">
+            <a:normAutofit/>
+          </a:bodyPr>
+          <a:lstStyle>
+            <a:defPPr marR="0" lvl="0" algn="l" rtl="0">
+              <a:lnSpc>
+                <a:spcPct val="100000"/>
+              </a:lnSpc>
+              <a:spcBef>
+                <a:spcPts val="0"/>
+              </a:spcBef>
+              <a:spcAft>
+                <a:spcPts val="0"/>
+              </a:spcAft>
+            </a:defPPr>
+            <a:lvl1pPr marR="0" lvl="0" algn="l" rtl="0">
+              <a:lnSpc>
+                <a:spcPct val="100000"/>
+              </a:lnSpc>
+              <a:spcBef>
+                <a:spcPts val="0"/>
+              </a:spcBef>
+              <a:spcAft>
+                <a:spcPts val="0"/>
+              </a:spcAft>
+              <a:buClr>
+                <a:schemeClr val="lt1"/>
+              </a:buClr>
+              <a:buSzPts val="2000"/>
+              <a:buFont typeface="Nunito"/>
+              <a:buNone/>
+              <a:defRPr sz="2000" b="1" i="0" u="none" strike="noStrike" cap="none">
+                <a:solidFill>
+                  <a:schemeClr val="lt1"/>
+                </a:solidFill>
+                <a:latin typeface="Nunito"/>
+                <a:ea typeface="Nunito"/>
+                <a:cs typeface="Nunito"/>
+                <a:sym typeface="Nunito"/>
+              </a:defRPr>
+            </a:lvl1pPr>
+            <a:lvl2pPr marR="0" lvl="1" algn="l" rtl="0">
+              <a:lnSpc>
+                <a:spcPct val="100000"/>
+              </a:lnSpc>
+              <a:spcBef>
+                <a:spcPts val="0"/>
+              </a:spcBef>
+              <a:spcAft>
+                <a:spcPts val="0"/>
+              </a:spcAft>
+              <a:buClr>
+                <a:srgbClr val="FFF9D9"/>
+              </a:buClr>
+              <a:buSzPts val="2000"/>
+              <a:buFont typeface="Nunito"/>
+              <a:buNone/>
+              <a:defRPr sz="2000" b="1" i="0" u="none" strike="noStrike" cap="none">
+                <a:solidFill>
+                  <a:srgbClr val="FFF9D9"/>
+                </a:solidFill>
+                <a:latin typeface="Nunito"/>
+                <a:ea typeface="Nunito"/>
+                <a:cs typeface="Nunito"/>
+                <a:sym typeface="Nunito"/>
+              </a:defRPr>
+            </a:lvl2pPr>
+            <a:lvl3pPr marR="0" lvl="2" algn="l" rtl="0">
+              <a:lnSpc>
+                <a:spcPct val="100000"/>
+              </a:lnSpc>
+              <a:spcBef>
+                <a:spcPts val="0"/>
+              </a:spcBef>
+              <a:spcAft>
+                <a:spcPts val="0"/>
+              </a:spcAft>
+              <a:buClr>
+                <a:srgbClr val="FFF9D9"/>
+              </a:buClr>
+              <a:buSzPts val="2000"/>
+              <a:buFont typeface="Nunito"/>
+              <a:buNone/>
+              <a:defRPr sz="2000" b="1" i="0" u="none" strike="noStrike" cap="none">
+                <a:solidFill>
+                  <a:srgbClr val="FFF9D9"/>
+                </a:solidFill>
+                <a:latin typeface="Nunito"/>
+                <a:ea typeface="Nunito"/>
+                <a:cs typeface="Nunito"/>
+                <a:sym typeface="Nunito"/>
+              </a:defRPr>
+            </a:lvl3pPr>
+            <a:lvl4pPr marR="0" lvl="3" algn="l" rtl="0">
+              <a:lnSpc>
+                <a:spcPct val="100000"/>
+              </a:lnSpc>
+              <a:spcBef>
+                <a:spcPts val="0"/>
+              </a:spcBef>
+              <a:spcAft>
+                <a:spcPts val="0"/>
+              </a:spcAft>
+              <a:buClr>
+                <a:srgbClr val="FFF9D9"/>
+              </a:buClr>
+              <a:buSzPts val="2000"/>
+              <a:buFont typeface="Nunito"/>
+              <a:buNone/>
+              <a:defRPr sz="2000" b="1" i="0" u="none" strike="noStrike" cap="none">
+                <a:solidFill>
+                  <a:srgbClr val="FFF9D9"/>
+                </a:solidFill>
+                <a:latin typeface="Nunito"/>
+                <a:ea typeface="Nunito"/>
+                <a:cs typeface="Nunito"/>
+                <a:sym typeface="Nunito"/>
+              </a:defRPr>
+            </a:lvl4pPr>
+            <a:lvl5pPr marR="0" lvl="4" algn="l" rtl="0">
+              <a:lnSpc>
+                <a:spcPct val="100000"/>
+              </a:lnSpc>
+              <a:spcBef>
+                <a:spcPts val="0"/>
+              </a:spcBef>
+              <a:spcAft>
+                <a:spcPts val="0"/>
+              </a:spcAft>
+              <a:buClr>
+                <a:srgbClr val="FFF9D9"/>
+              </a:buClr>
+              <a:buSzPts val="2000"/>
+              <a:buFont typeface="Nunito"/>
+              <a:buNone/>
+              <a:defRPr sz="2000" b="1" i="0" u="none" strike="noStrike" cap="none">
+                <a:solidFill>
+                  <a:srgbClr val="FFF9D9"/>
+                </a:solidFill>
+                <a:latin typeface="Nunito"/>
+                <a:ea typeface="Nunito"/>
+                <a:cs typeface="Nunito"/>
+                <a:sym typeface="Nunito"/>
+              </a:defRPr>
+            </a:lvl5pPr>
+            <a:lvl6pPr marR="0" lvl="5" algn="l" rtl="0">
+              <a:lnSpc>
+                <a:spcPct val="100000"/>
+              </a:lnSpc>
+              <a:spcBef>
+                <a:spcPts val="0"/>
+              </a:spcBef>
+              <a:spcAft>
+                <a:spcPts val="0"/>
+              </a:spcAft>
+              <a:buClr>
+                <a:srgbClr val="FFF9D9"/>
+              </a:buClr>
+              <a:buSzPts val="2000"/>
+              <a:buFont typeface="Nunito"/>
+              <a:buNone/>
+              <a:defRPr sz="2000" b="1" i="0" u="none" strike="noStrike" cap="none">
+                <a:solidFill>
+                  <a:srgbClr val="FFF9D9"/>
+                </a:solidFill>
+                <a:latin typeface="Nunito"/>
+                <a:ea typeface="Nunito"/>
+                <a:cs typeface="Nunito"/>
+                <a:sym typeface="Nunito"/>
+              </a:defRPr>
+            </a:lvl6pPr>
+            <a:lvl7pPr marR="0" lvl="6" algn="l" rtl="0">
+              <a:lnSpc>
+                <a:spcPct val="100000"/>
+              </a:lnSpc>
+              <a:spcBef>
+                <a:spcPts val="0"/>
+              </a:spcBef>
+              <a:spcAft>
+                <a:spcPts val="0"/>
+              </a:spcAft>
+              <a:buClr>
+                <a:srgbClr val="FFF9D9"/>
+              </a:buClr>
+              <a:buSzPts val="2000"/>
+              <a:buFont typeface="Nunito"/>
+              <a:buNone/>
+              <a:defRPr sz="2000" b="1" i="0" u="none" strike="noStrike" cap="none">
+                <a:solidFill>
+                  <a:srgbClr val="FFF9D9"/>
+                </a:solidFill>
+                <a:latin typeface="Nunito"/>
+                <a:ea typeface="Nunito"/>
+                <a:cs typeface="Nunito"/>
+                <a:sym typeface="Nunito"/>
+              </a:defRPr>
+            </a:lvl7pPr>
+            <a:lvl8pPr marR="0" lvl="7" algn="l" rtl="0">
+              <a:lnSpc>
+                <a:spcPct val="100000"/>
+              </a:lnSpc>
+              <a:spcBef>
+                <a:spcPts val="0"/>
+              </a:spcBef>
+              <a:spcAft>
+                <a:spcPts val="0"/>
+              </a:spcAft>
+              <a:buClr>
+                <a:srgbClr val="FFF9D9"/>
+              </a:buClr>
+              <a:buSzPts val="2000"/>
+              <a:buFont typeface="Nunito"/>
+              <a:buNone/>
+              <a:defRPr sz="2000" b="1" i="0" u="none" strike="noStrike" cap="none">
+                <a:solidFill>
+                  <a:srgbClr val="FFF9D9"/>
+                </a:solidFill>
+                <a:latin typeface="Nunito"/>
+                <a:ea typeface="Nunito"/>
+                <a:cs typeface="Nunito"/>
+                <a:sym typeface="Nunito"/>
+              </a:defRPr>
+            </a:lvl8pPr>
+            <a:lvl9pPr marR="0" lvl="8" algn="l" rtl="0">
+              <a:lnSpc>
+                <a:spcPct val="100000"/>
+              </a:lnSpc>
+              <a:spcBef>
+                <a:spcPts val="0"/>
+              </a:spcBef>
+              <a:spcAft>
+                <a:spcPts val="0"/>
+              </a:spcAft>
+              <a:buClr>
+                <a:srgbClr val="FFF9D9"/>
+              </a:buClr>
+              <a:buSzPts val="2000"/>
+              <a:buFont typeface="Nunito"/>
+              <a:buNone/>
+              <a:defRPr sz="2000" b="1" i="0" u="none" strike="noStrike" cap="none">
+                <a:solidFill>
+                  <a:srgbClr val="FFF9D9"/>
+                </a:solidFill>
+                <a:latin typeface="Nunito"/>
+                <a:ea typeface="Nunito"/>
+                <a:cs typeface="Nunito"/>
+                <a:sym typeface="Nunito"/>
+              </a:defRPr>
+            </a:lvl9pPr>
+          </a:lstStyle>
+          <a:p>
+            <a:pPr algn="ctr"/>
+            <a:r>
+              <a:rPr lang="pt-BR" sz="1400" dirty="0">
+                <a:solidFill>
+                  <a:srgbClr val="CC8A42"/>
+                </a:solidFill>
+              </a:rPr>
+              <a:t>{{AD_1}}</a:t>
+            </a:r>
+            <a:endParaRPr lang="pt-BR" dirty="0">
+              <a:solidFill>
+                <a:srgbClr val="CC8A42"/>
+              </a:solidFill>
+            </a:endParaRPr>
           </a:p>
         </p:txBody>
       </p:sp>
@@ -16219,6 +18587,302 @@
           </a:p>
         </p:txBody>
       </p:sp>
+      <p:sp>
+        <p:nvSpPr>
+          <p:cNvPr id="2" name="Google Shape;494;p69">
+            <a:extLst>
+              <a:ext uri="{FF2B5EF4-FFF2-40B4-BE49-F238E27FC236}">
+                <a16:creationId xmlns:a16="http://schemas.microsoft.com/office/drawing/2014/main" id="{6CA331E5-1C63-4126-C226-3B8179CB80EE}"/>
+              </a:ext>
+            </a:extLst>
+          </p:cNvPr>
+          <p:cNvSpPr txBox="1">
+            <a:spLocks/>
+          </p:cNvSpPr>
+          <p:nvPr/>
+        </p:nvSpPr>
+        <p:spPr>
+          <a:xfrm>
+            <a:off x="3422073" y="1063053"/>
+            <a:ext cx="5320145" cy="3695983"/>
+          </a:xfrm>
+          <a:prstGeom prst="rect">
+            <a:avLst/>
+          </a:prstGeom>
+          <a:noFill/>
+          <a:ln>
+            <a:noFill/>
+          </a:ln>
+        </p:spPr>
+        <p:txBody>
+          <a:bodyPr spcFirstLastPara="1" wrap="square" lIns="91425" tIns="91425" rIns="91425" bIns="91425" anchor="t" anchorCtr="0">
+            <a:normAutofit/>
+          </a:bodyPr>
+          <a:lstStyle>
+            <a:defPPr marR="0" lvl="0" algn="l" rtl="0">
+              <a:lnSpc>
+                <a:spcPct val="100000"/>
+              </a:lnSpc>
+              <a:spcBef>
+                <a:spcPts val="0"/>
+              </a:spcBef>
+              <a:spcAft>
+                <a:spcPts val="0"/>
+              </a:spcAft>
+            </a:defPPr>
+            <a:lvl1pPr marR="0" lvl="0" algn="l" rtl="0">
+              <a:lnSpc>
+                <a:spcPct val="100000"/>
+              </a:lnSpc>
+              <a:spcBef>
+                <a:spcPts val="0"/>
+              </a:spcBef>
+              <a:spcAft>
+                <a:spcPts val="0"/>
+              </a:spcAft>
+              <a:buClr>
+                <a:schemeClr val="lt1"/>
+              </a:buClr>
+              <a:buSzPts val="2000"/>
+              <a:buFont typeface="Nunito"/>
+              <a:buNone/>
+              <a:defRPr sz="2000" b="1" i="0" u="none" strike="noStrike" cap="none">
+                <a:solidFill>
+                  <a:schemeClr val="lt1"/>
+                </a:solidFill>
+                <a:latin typeface="Nunito"/>
+                <a:ea typeface="Nunito"/>
+                <a:cs typeface="Nunito"/>
+                <a:sym typeface="Nunito"/>
+              </a:defRPr>
+            </a:lvl1pPr>
+            <a:lvl2pPr marR="0" lvl="1" algn="l" rtl="0">
+              <a:lnSpc>
+                <a:spcPct val="100000"/>
+              </a:lnSpc>
+              <a:spcBef>
+                <a:spcPts val="0"/>
+              </a:spcBef>
+              <a:spcAft>
+                <a:spcPts val="0"/>
+              </a:spcAft>
+              <a:buClr>
+                <a:srgbClr val="FFF9D9"/>
+              </a:buClr>
+              <a:buSzPts val="2000"/>
+              <a:buFont typeface="Nunito"/>
+              <a:buNone/>
+              <a:defRPr sz="2000" b="1" i="0" u="none" strike="noStrike" cap="none">
+                <a:solidFill>
+                  <a:srgbClr val="FFF9D9"/>
+                </a:solidFill>
+                <a:latin typeface="Nunito"/>
+                <a:ea typeface="Nunito"/>
+                <a:cs typeface="Nunito"/>
+                <a:sym typeface="Nunito"/>
+              </a:defRPr>
+            </a:lvl2pPr>
+            <a:lvl3pPr marR="0" lvl="2" algn="l" rtl="0">
+              <a:lnSpc>
+                <a:spcPct val="100000"/>
+              </a:lnSpc>
+              <a:spcBef>
+                <a:spcPts val="0"/>
+              </a:spcBef>
+              <a:spcAft>
+                <a:spcPts val="0"/>
+              </a:spcAft>
+              <a:buClr>
+                <a:srgbClr val="FFF9D9"/>
+              </a:buClr>
+              <a:buSzPts val="2000"/>
+              <a:buFont typeface="Nunito"/>
+              <a:buNone/>
+              <a:defRPr sz="2000" b="1" i="0" u="none" strike="noStrike" cap="none">
+                <a:solidFill>
+                  <a:srgbClr val="FFF9D9"/>
+                </a:solidFill>
+                <a:latin typeface="Nunito"/>
+                <a:ea typeface="Nunito"/>
+                <a:cs typeface="Nunito"/>
+                <a:sym typeface="Nunito"/>
+              </a:defRPr>
+            </a:lvl3pPr>
+            <a:lvl4pPr marR="0" lvl="3" algn="l" rtl="0">
+              <a:lnSpc>
+                <a:spcPct val="100000"/>
+              </a:lnSpc>
+              <a:spcBef>
+                <a:spcPts val="0"/>
+              </a:spcBef>
+              <a:spcAft>
+                <a:spcPts val="0"/>
+              </a:spcAft>
+              <a:buClr>
+                <a:srgbClr val="FFF9D9"/>
+              </a:buClr>
+              <a:buSzPts val="2000"/>
+              <a:buFont typeface="Nunito"/>
+              <a:buNone/>
+              <a:defRPr sz="2000" b="1" i="0" u="none" strike="noStrike" cap="none">
+                <a:solidFill>
+                  <a:srgbClr val="FFF9D9"/>
+                </a:solidFill>
+                <a:latin typeface="Nunito"/>
+                <a:ea typeface="Nunito"/>
+                <a:cs typeface="Nunito"/>
+                <a:sym typeface="Nunito"/>
+              </a:defRPr>
+            </a:lvl4pPr>
+            <a:lvl5pPr marR="0" lvl="4" algn="l" rtl="0">
+              <a:lnSpc>
+                <a:spcPct val="100000"/>
+              </a:lnSpc>
+              <a:spcBef>
+                <a:spcPts val="0"/>
+              </a:spcBef>
+              <a:spcAft>
+                <a:spcPts val="0"/>
+              </a:spcAft>
+              <a:buClr>
+                <a:srgbClr val="FFF9D9"/>
+              </a:buClr>
+              <a:buSzPts val="2000"/>
+              <a:buFont typeface="Nunito"/>
+              <a:buNone/>
+              <a:defRPr sz="2000" b="1" i="0" u="none" strike="noStrike" cap="none">
+                <a:solidFill>
+                  <a:srgbClr val="FFF9D9"/>
+                </a:solidFill>
+                <a:latin typeface="Nunito"/>
+                <a:ea typeface="Nunito"/>
+                <a:cs typeface="Nunito"/>
+                <a:sym typeface="Nunito"/>
+              </a:defRPr>
+            </a:lvl5pPr>
+            <a:lvl6pPr marR="0" lvl="5" algn="l" rtl="0">
+              <a:lnSpc>
+                <a:spcPct val="100000"/>
+              </a:lnSpc>
+              <a:spcBef>
+                <a:spcPts val="0"/>
+              </a:spcBef>
+              <a:spcAft>
+                <a:spcPts val="0"/>
+              </a:spcAft>
+              <a:buClr>
+                <a:srgbClr val="FFF9D9"/>
+              </a:buClr>
+              <a:buSzPts val="2000"/>
+              <a:buFont typeface="Nunito"/>
+              <a:buNone/>
+              <a:defRPr sz="2000" b="1" i="0" u="none" strike="noStrike" cap="none">
+                <a:solidFill>
+                  <a:srgbClr val="FFF9D9"/>
+                </a:solidFill>
+                <a:latin typeface="Nunito"/>
+                <a:ea typeface="Nunito"/>
+                <a:cs typeface="Nunito"/>
+                <a:sym typeface="Nunito"/>
+              </a:defRPr>
+            </a:lvl6pPr>
+            <a:lvl7pPr marR="0" lvl="6" algn="l" rtl="0">
+              <a:lnSpc>
+                <a:spcPct val="100000"/>
+              </a:lnSpc>
+              <a:spcBef>
+                <a:spcPts val="0"/>
+              </a:spcBef>
+              <a:spcAft>
+                <a:spcPts val="0"/>
+              </a:spcAft>
+              <a:buClr>
+                <a:srgbClr val="FFF9D9"/>
+              </a:buClr>
+              <a:buSzPts val="2000"/>
+              <a:buFont typeface="Nunito"/>
+              <a:buNone/>
+              <a:defRPr sz="2000" b="1" i="0" u="none" strike="noStrike" cap="none">
+                <a:solidFill>
+                  <a:srgbClr val="FFF9D9"/>
+                </a:solidFill>
+                <a:latin typeface="Nunito"/>
+                <a:ea typeface="Nunito"/>
+                <a:cs typeface="Nunito"/>
+                <a:sym typeface="Nunito"/>
+              </a:defRPr>
+            </a:lvl7pPr>
+            <a:lvl8pPr marR="0" lvl="7" algn="l" rtl="0">
+              <a:lnSpc>
+                <a:spcPct val="100000"/>
+              </a:lnSpc>
+              <a:spcBef>
+                <a:spcPts val="0"/>
+              </a:spcBef>
+              <a:spcAft>
+                <a:spcPts val="0"/>
+              </a:spcAft>
+              <a:buClr>
+                <a:srgbClr val="FFF9D9"/>
+              </a:buClr>
+              <a:buSzPts val="2000"/>
+              <a:buFont typeface="Nunito"/>
+              <a:buNone/>
+              <a:defRPr sz="2000" b="1" i="0" u="none" strike="noStrike" cap="none">
+                <a:solidFill>
+                  <a:srgbClr val="FFF9D9"/>
+                </a:solidFill>
+                <a:latin typeface="Nunito"/>
+                <a:ea typeface="Nunito"/>
+                <a:cs typeface="Nunito"/>
+                <a:sym typeface="Nunito"/>
+              </a:defRPr>
+            </a:lvl8pPr>
+            <a:lvl9pPr marR="0" lvl="8" algn="l" rtl="0">
+              <a:lnSpc>
+                <a:spcPct val="100000"/>
+              </a:lnSpc>
+              <a:spcBef>
+                <a:spcPts val="0"/>
+              </a:spcBef>
+              <a:spcAft>
+                <a:spcPts val="0"/>
+              </a:spcAft>
+              <a:buClr>
+                <a:srgbClr val="FFF9D9"/>
+              </a:buClr>
+              <a:buSzPts val="2000"/>
+              <a:buFont typeface="Nunito"/>
+              <a:buNone/>
+              <a:defRPr sz="2000" b="1" i="0" u="none" strike="noStrike" cap="none">
+                <a:solidFill>
+                  <a:srgbClr val="FFF9D9"/>
+                </a:solidFill>
+                <a:latin typeface="Nunito"/>
+                <a:ea typeface="Nunito"/>
+                <a:cs typeface="Nunito"/>
+                <a:sym typeface="Nunito"/>
+              </a:defRPr>
+            </a:lvl9pPr>
+          </a:lstStyle>
+          <a:p>
+            <a:pPr algn="ctr"/>
+            <a:r>
+              <a:rPr lang="pt-BR" sz="1400" dirty="0">
+                <a:solidFill>
+                  <a:srgbClr val="CC8A42"/>
+                </a:solidFill>
+              </a:rPr>
+              <a:t>{{AD_2}}</a:t>
+            </a:r>
+            <a:endParaRPr lang="pt-BR" dirty="0">
+              <a:solidFill>
+                <a:srgbClr val="CC8A42"/>
+              </a:solidFill>
+            </a:endParaRPr>
+          </a:p>
+        </p:txBody>
+      </p:sp>
     </p:spTree>
     <p:extLst>
       <p:ext uri="{BB962C8B-B14F-4D97-AF65-F5344CB8AC3E}">
@@ -16585,6 +19249,302 @@
           </a:p>
         </p:txBody>
       </p:sp>
+      <p:sp>
+        <p:nvSpPr>
+          <p:cNvPr id="2" name="Google Shape;494;p69">
+            <a:extLst>
+              <a:ext uri="{FF2B5EF4-FFF2-40B4-BE49-F238E27FC236}">
+                <a16:creationId xmlns:a16="http://schemas.microsoft.com/office/drawing/2014/main" id="{AB60A8C1-36EF-2DD2-AF24-7460E64DB051}"/>
+              </a:ext>
+            </a:extLst>
+          </p:cNvPr>
+          <p:cNvSpPr txBox="1">
+            <a:spLocks/>
+          </p:cNvSpPr>
+          <p:nvPr/>
+        </p:nvSpPr>
+        <p:spPr>
+          <a:xfrm>
+            <a:off x="3422073" y="1063053"/>
+            <a:ext cx="5320145" cy="3695983"/>
+          </a:xfrm>
+          <a:prstGeom prst="rect">
+            <a:avLst/>
+          </a:prstGeom>
+          <a:noFill/>
+          <a:ln>
+            <a:noFill/>
+          </a:ln>
+        </p:spPr>
+        <p:txBody>
+          <a:bodyPr spcFirstLastPara="1" wrap="square" lIns="91425" tIns="91425" rIns="91425" bIns="91425" anchor="t" anchorCtr="0">
+            <a:normAutofit/>
+          </a:bodyPr>
+          <a:lstStyle>
+            <a:defPPr marR="0" lvl="0" algn="l" rtl="0">
+              <a:lnSpc>
+                <a:spcPct val="100000"/>
+              </a:lnSpc>
+              <a:spcBef>
+                <a:spcPts val="0"/>
+              </a:spcBef>
+              <a:spcAft>
+                <a:spcPts val="0"/>
+              </a:spcAft>
+            </a:defPPr>
+            <a:lvl1pPr marR="0" lvl="0" algn="l" rtl="0">
+              <a:lnSpc>
+                <a:spcPct val="100000"/>
+              </a:lnSpc>
+              <a:spcBef>
+                <a:spcPts val="0"/>
+              </a:spcBef>
+              <a:spcAft>
+                <a:spcPts val="0"/>
+              </a:spcAft>
+              <a:buClr>
+                <a:schemeClr val="lt1"/>
+              </a:buClr>
+              <a:buSzPts val="2000"/>
+              <a:buFont typeface="Nunito"/>
+              <a:buNone/>
+              <a:defRPr sz="2000" b="1" i="0" u="none" strike="noStrike" cap="none">
+                <a:solidFill>
+                  <a:schemeClr val="lt1"/>
+                </a:solidFill>
+                <a:latin typeface="Nunito"/>
+                <a:ea typeface="Nunito"/>
+                <a:cs typeface="Nunito"/>
+                <a:sym typeface="Nunito"/>
+              </a:defRPr>
+            </a:lvl1pPr>
+            <a:lvl2pPr marR="0" lvl="1" algn="l" rtl="0">
+              <a:lnSpc>
+                <a:spcPct val="100000"/>
+              </a:lnSpc>
+              <a:spcBef>
+                <a:spcPts val="0"/>
+              </a:spcBef>
+              <a:spcAft>
+                <a:spcPts val="0"/>
+              </a:spcAft>
+              <a:buClr>
+                <a:srgbClr val="FFF9D9"/>
+              </a:buClr>
+              <a:buSzPts val="2000"/>
+              <a:buFont typeface="Nunito"/>
+              <a:buNone/>
+              <a:defRPr sz="2000" b="1" i="0" u="none" strike="noStrike" cap="none">
+                <a:solidFill>
+                  <a:srgbClr val="FFF9D9"/>
+                </a:solidFill>
+                <a:latin typeface="Nunito"/>
+                <a:ea typeface="Nunito"/>
+                <a:cs typeface="Nunito"/>
+                <a:sym typeface="Nunito"/>
+              </a:defRPr>
+            </a:lvl2pPr>
+            <a:lvl3pPr marR="0" lvl="2" algn="l" rtl="0">
+              <a:lnSpc>
+                <a:spcPct val="100000"/>
+              </a:lnSpc>
+              <a:spcBef>
+                <a:spcPts val="0"/>
+              </a:spcBef>
+              <a:spcAft>
+                <a:spcPts val="0"/>
+              </a:spcAft>
+              <a:buClr>
+                <a:srgbClr val="FFF9D9"/>
+              </a:buClr>
+              <a:buSzPts val="2000"/>
+              <a:buFont typeface="Nunito"/>
+              <a:buNone/>
+              <a:defRPr sz="2000" b="1" i="0" u="none" strike="noStrike" cap="none">
+                <a:solidFill>
+                  <a:srgbClr val="FFF9D9"/>
+                </a:solidFill>
+                <a:latin typeface="Nunito"/>
+                <a:ea typeface="Nunito"/>
+                <a:cs typeface="Nunito"/>
+                <a:sym typeface="Nunito"/>
+              </a:defRPr>
+            </a:lvl3pPr>
+            <a:lvl4pPr marR="0" lvl="3" algn="l" rtl="0">
+              <a:lnSpc>
+                <a:spcPct val="100000"/>
+              </a:lnSpc>
+              <a:spcBef>
+                <a:spcPts val="0"/>
+              </a:spcBef>
+              <a:spcAft>
+                <a:spcPts val="0"/>
+              </a:spcAft>
+              <a:buClr>
+                <a:srgbClr val="FFF9D9"/>
+              </a:buClr>
+              <a:buSzPts val="2000"/>
+              <a:buFont typeface="Nunito"/>
+              <a:buNone/>
+              <a:defRPr sz="2000" b="1" i="0" u="none" strike="noStrike" cap="none">
+                <a:solidFill>
+                  <a:srgbClr val="FFF9D9"/>
+                </a:solidFill>
+                <a:latin typeface="Nunito"/>
+                <a:ea typeface="Nunito"/>
+                <a:cs typeface="Nunito"/>
+                <a:sym typeface="Nunito"/>
+              </a:defRPr>
+            </a:lvl4pPr>
+            <a:lvl5pPr marR="0" lvl="4" algn="l" rtl="0">
+              <a:lnSpc>
+                <a:spcPct val="100000"/>
+              </a:lnSpc>
+              <a:spcBef>
+                <a:spcPts val="0"/>
+              </a:spcBef>
+              <a:spcAft>
+                <a:spcPts val="0"/>
+              </a:spcAft>
+              <a:buClr>
+                <a:srgbClr val="FFF9D9"/>
+              </a:buClr>
+              <a:buSzPts val="2000"/>
+              <a:buFont typeface="Nunito"/>
+              <a:buNone/>
+              <a:defRPr sz="2000" b="1" i="0" u="none" strike="noStrike" cap="none">
+                <a:solidFill>
+                  <a:srgbClr val="FFF9D9"/>
+                </a:solidFill>
+                <a:latin typeface="Nunito"/>
+                <a:ea typeface="Nunito"/>
+                <a:cs typeface="Nunito"/>
+                <a:sym typeface="Nunito"/>
+              </a:defRPr>
+            </a:lvl5pPr>
+            <a:lvl6pPr marR="0" lvl="5" algn="l" rtl="0">
+              <a:lnSpc>
+                <a:spcPct val="100000"/>
+              </a:lnSpc>
+              <a:spcBef>
+                <a:spcPts val="0"/>
+              </a:spcBef>
+              <a:spcAft>
+                <a:spcPts val="0"/>
+              </a:spcAft>
+              <a:buClr>
+                <a:srgbClr val="FFF9D9"/>
+              </a:buClr>
+              <a:buSzPts val="2000"/>
+              <a:buFont typeface="Nunito"/>
+              <a:buNone/>
+              <a:defRPr sz="2000" b="1" i="0" u="none" strike="noStrike" cap="none">
+                <a:solidFill>
+                  <a:srgbClr val="FFF9D9"/>
+                </a:solidFill>
+                <a:latin typeface="Nunito"/>
+                <a:ea typeface="Nunito"/>
+                <a:cs typeface="Nunito"/>
+                <a:sym typeface="Nunito"/>
+              </a:defRPr>
+            </a:lvl6pPr>
+            <a:lvl7pPr marR="0" lvl="6" algn="l" rtl="0">
+              <a:lnSpc>
+                <a:spcPct val="100000"/>
+              </a:lnSpc>
+              <a:spcBef>
+                <a:spcPts val="0"/>
+              </a:spcBef>
+              <a:spcAft>
+                <a:spcPts val="0"/>
+              </a:spcAft>
+              <a:buClr>
+                <a:srgbClr val="FFF9D9"/>
+              </a:buClr>
+              <a:buSzPts val="2000"/>
+              <a:buFont typeface="Nunito"/>
+              <a:buNone/>
+              <a:defRPr sz="2000" b="1" i="0" u="none" strike="noStrike" cap="none">
+                <a:solidFill>
+                  <a:srgbClr val="FFF9D9"/>
+                </a:solidFill>
+                <a:latin typeface="Nunito"/>
+                <a:ea typeface="Nunito"/>
+                <a:cs typeface="Nunito"/>
+                <a:sym typeface="Nunito"/>
+              </a:defRPr>
+            </a:lvl7pPr>
+            <a:lvl8pPr marR="0" lvl="7" algn="l" rtl="0">
+              <a:lnSpc>
+                <a:spcPct val="100000"/>
+              </a:lnSpc>
+              <a:spcBef>
+                <a:spcPts val="0"/>
+              </a:spcBef>
+              <a:spcAft>
+                <a:spcPts val="0"/>
+              </a:spcAft>
+              <a:buClr>
+                <a:srgbClr val="FFF9D9"/>
+              </a:buClr>
+              <a:buSzPts val="2000"/>
+              <a:buFont typeface="Nunito"/>
+              <a:buNone/>
+              <a:defRPr sz="2000" b="1" i="0" u="none" strike="noStrike" cap="none">
+                <a:solidFill>
+                  <a:srgbClr val="FFF9D9"/>
+                </a:solidFill>
+                <a:latin typeface="Nunito"/>
+                <a:ea typeface="Nunito"/>
+                <a:cs typeface="Nunito"/>
+                <a:sym typeface="Nunito"/>
+              </a:defRPr>
+            </a:lvl8pPr>
+            <a:lvl9pPr marR="0" lvl="8" algn="l" rtl="0">
+              <a:lnSpc>
+                <a:spcPct val="100000"/>
+              </a:lnSpc>
+              <a:spcBef>
+                <a:spcPts val="0"/>
+              </a:spcBef>
+              <a:spcAft>
+                <a:spcPts val="0"/>
+              </a:spcAft>
+              <a:buClr>
+                <a:srgbClr val="FFF9D9"/>
+              </a:buClr>
+              <a:buSzPts val="2000"/>
+              <a:buFont typeface="Nunito"/>
+              <a:buNone/>
+              <a:defRPr sz="2000" b="1" i="0" u="none" strike="noStrike" cap="none">
+                <a:solidFill>
+                  <a:srgbClr val="FFF9D9"/>
+                </a:solidFill>
+                <a:latin typeface="Nunito"/>
+                <a:ea typeface="Nunito"/>
+                <a:cs typeface="Nunito"/>
+                <a:sym typeface="Nunito"/>
+              </a:defRPr>
+            </a:lvl9pPr>
+          </a:lstStyle>
+          <a:p>
+            <a:pPr algn="ctr"/>
+            <a:r>
+              <a:rPr lang="pt-BR" sz="1400" dirty="0">
+                <a:solidFill>
+                  <a:srgbClr val="CC8A42"/>
+                </a:solidFill>
+              </a:rPr>
+              <a:t>{{AD_3}}</a:t>
+            </a:r>
+            <a:endParaRPr lang="pt-BR" dirty="0">
+              <a:solidFill>
+                <a:srgbClr val="CC8A42"/>
+              </a:solidFill>
+            </a:endParaRPr>
+          </a:p>
+        </p:txBody>
+      </p:sp>
     </p:spTree>
     <p:extLst>
       <p:ext uri="{BB962C8B-B14F-4D97-AF65-F5344CB8AC3E}">
@@ -17620,7 +20580,319 @@
                   <a:srgbClr val="CC8A42"/>
                 </a:solidFill>
               </a:rPr>
-              <a:t>nota_liderados</a:t>
+              <a:t>nota_liderado</a:t>
+            </a:r>
+            <a:r>
+              <a:rPr lang="pt-BR" sz="1400" dirty="0">
+                <a:solidFill>
+                  <a:srgbClr val="CC8A42"/>
+                </a:solidFill>
+              </a:rPr>
+              <a:t>}}</a:t>
+            </a:r>
+            <a:endParaRPr lang="pt-BR" dirty="0">
+              <a:solidFill>
+                <a:srgbClr val="CC8A42"/>
+              </a:solidFill>
+            </a:endParaRPr>
+          </a:p>
+        </p:txBody>
+      </p:sp>
+      <p:sp>
+        <p:nvSpPr>
+          <p:cNvPr id="5" name="Google Shape;494;p69">
+            <a:extLst>
+              <a:ext uri="{FF2B5EF4-FFF2-40B4-BE49-F238E27FC236}">
+                <a16:creationId xmlns:a16="http://schemas.microsoft.com/office/drawing/2014/main" id="{A08C05E1-6AEC-5DCD-6A5D-291520A3DA18}"/>
+              </a:ext>
+            </a:extLst>
+          </p:cNvPr>
+          <p:cNvSpPr txBox="1">
+            <a:spLocks/>
+          </p:cNvSpPr>
+          <p:nvPr/>
+        </p:nvSpPr>
+        <p:spPr>
+          <a:xfrm>
+            <a:off x="2964873" y="1932709"/>
+            <a:ext cx="5960658" cy="2604655"/>
+          </a:xfrm>
+          <a:prstGeom prst="rect">
+            <a:avLst/>
+          </a:prstGeom>
+          <a:noFill/>
+          <a:ln>
+            <a:noFill/>
+          </a:ln>
+        </p:spPr>
+        <p:txBody>
+          <a:bodyPr spcFirstLastPara="1" wrap="square" lIns="91425" tIns="91425" rIns="91425" bIns="91425" anchor="t" anchorCtr="0">
+            <a:normAutofit/>
+          </a:bodyPr>
+          <a:lstStyle>
+            <a:defPPr marR="0" lvl="0" algn="l" rtl="0">
+              <a:lnSpc>
+                <a:spcPct val="100000"/>
+              </a:lnSpc>
+              <a:spcBef>
+                <a:spcPts val="0"/>
+              </a:spcBef>
+              <a:spcAft>
+                <a:spcPts val="0"/>
+              </a:spcAft>
+            </a:defPPr>
+            <a:lvl1pPr marR="0" lvl="0" algn="l" rtl="0">
+              <a:lnSpc>
+                <a:spcPct val="100000"/>
+              </a:lnSpc>
+              <a:spcBef>
+                <a:spcPts val="0"/>
+              </a:spcBef>
+              <a:spcAft>
+                <a:spcPts val="0"/>
+              </a:spcAft>
+              <a:buClr>
+                <a:schemeClr val="lt1"/>
+              </a:buClr>
+              <a:buSzPts val="2000"/>
+              <a:buFont typeface="Nunito"/>
+              <a:buNone/>
+              <a:defRPr sz="2000" b="1" i="0" u="none" strike="noStrike" cap="none">
+                <a:solidFill>
+                  <a:schemeClr val="lt1"/>
+                </a:solidFill>
+                <a:latin typeface="Nunito"/>
+                <a:ea typeface="Nunito"/>
+                <a:cs typeface="Nunito"/>
+                <a:sym typeface="Nunito"/>
+              </a:defRPr>
+            </a:lvl1pPr>
+            <a:lvl2pPr marR="0" lvl="1" algn="l" rtl="0">
+              <a:lnSpc>
+                <a:spcPct val="100000"/>
+              </a:lnSpc>
+              <a:spcBef>
+                <a:spcPts val="0"/>
+              </a:spcBef>
+              <a:spcAft>
+                <a:spcPts val="0"/>
+              </a:spcAft>
+              <a:buClr>
+                <a:srgbClr val="FFF9D9"/>
+              </a:buClr>
+              <a:buSzPts val="2000"/>
+              <a:buFont typeface="Nunito"/>
+              <a:buNone/>
+              <a:defRPr sz="2000" b="1" i="0" u="none" strike="noStrike" cap="none">
+                <a:solidFill>
+                  <a:srgbClr val="FFF9D9"/>
+                </a:solidFill>
+                <a:latin typeface="Nunito"/>
+                <a:ea typeface="Nunito"/>
+                <a:cs typeface="Nunito"/>
+                <a:sym typeface="Nunito"/>
+              </a:defRPr>
+            </a:lvl2pPr>
+            <a:lvl3pPr marR="0" lvl="2" algn="l" rtl="0">
+              <a:lnSpc>
+                <a:spcPct val="100000"/>
+              </a:lnSpc>
+              <a:spcBef>
+                <a:spcPts val="0"/>
+              </a:spcBef>
+              <a:spcAft>
+                <a:spcPts val="0"/>
+              </a:spcAft>
+              <a:buClr>
+                <a:srgbClr val="FFF9D9"/>
+              </a:buClr>
+              <a:buSzPts val="2000"/>
+              <a:buFont typeface="Nunito"/>
+              <a:buNone/>
+              <a:defRPr sz="2000" b="1" i="0" u="none" strike="noStrike" cap="none">
+                <a:solidFill>
+                  <a:srgbClr val="FFF9D9"/>
+                </a:solidFill>
+                <a:latin typeface="Nunito"/>
+                <a:ea typeface="Nunito"/>
+                <a:cs typeface="Nunito"/>
+                <a:sym typeface="Nunito"/>
+              </a:defRPr>
+            </a:lvl3pPr>
+            <a:lvl4pPr marR="0" lvl="3" algn="l" rtl="0">
+              <a:lnSpc>
+                <a:spcPct val="100000"/>
+              </a:lnSpc>
+              <a:spcBef>
+                <a:spcPts val="0"/>
+              </a:spcBef>
+              <a:spcAft>
+                <a:spcPts val="0"/>
+              </a:spcAft>
+              <a:buClr>
+                <a:srgbClr val="FFF9D9"/>
+              </a:buClr>
+              <a:buSzPts val="2000"/>
+              <a:buFont typeface="Nunito"/>
+              <a:buNone/>
+              <a:defRPr sz="2000" b="1" i="0" u="none" strike="noStrike" cap="none">
+                <a:solidFill>
+                  <a:srgbClr val="FFF9D9"/>
+                </a:solidFill>
+                <a:latin typeface="Nunito"/>
+                <a:ea typeface="Nunito"/>
+                <a:cs typeface="Nunito"/>
+                <a:sym typeface="Nunito"/>
+              </a:defRPr>
+            </a:lvl4pPr>
+            <a:lvl5pPr marR="0" lvl="4" algn="l" rtl="0">
+              <a:lnSpc>
+                <a:spcPct val="100000"/>
+              </a:lnSpc>
+              <a:spcBef>
+                <a:spcPts val="0"/>
+              </a:spcBef>
+              <a:spcAft>
+                <a:spcPts val="0"/>
+              </a:spcAft>
+              <a:buClr>
+                <a:srgbClr val="FFF9D9"/>
+              </a:buClr>
+              <a:buSzPts val="2000"/>
+              <a:buFont typeface="Nunito"/>
+              <a:buNone/>
+              <a:defRPr sz="2000" b="1" i="0" u="none" strike="noStrike" cap="none">
+                <a:solidFill>
+                  <a:srgbClr val="FFF9D9"/>
+                </a:solidFill>
+                <a:latin typeface="Nunito"/>
+                <a:ea typeface="Nunito"/>
+                <a:cs typeface="Nunito"/>
+                <a:sym typeface="Nunito"/>
+              </a:defRPr>
+            </a:lvl5pPr>
+            <a:lvl6pPr marR="0" lvl="5" algn="l" rtl="0">
+              <a:lnSpc>
+                <a:spcPct val="100000"/>
+              </a:lnSpc>
+              <a:spcBef>
+                <a:spcPts val="0"/>
+              </a:spcBef>
+              <a:spcAft>
+                <a:spcPts val="0"/>
+              </a:spcAft>
+              <a:buClr>
+                <a:srgbClr val="FFF9D9"/>
+              </a:buClr>
+              <a:buSzPts val="2000"/>
+              <a:buFont typeface="Nunito"/>
+              <a:buNone/>
+              <a:defRPr sz="2000" b="1" i="0" u="none" strike="noStrike" cap="none">
+                <a:solidFill>
+                  <a:srgbClr val="FFF9D9"/>
+                </a:solidFill>
+                <a:latin typeface="Nunito"/>
+                <a:ea typeface="Nunito"/>
+                <a:cs typeface="Nunito"/>
+                <a:sym typeface="Nunito"/>
+              </a:defRPr>
+            </a:lvl6pPr>
+            <a:lvl7pPr marR="0" lvl="6" algn="l" rtl="0">
+              <a:lnSpc>
+                <a:spcPct val="100000"/>
+              </a:lnSpc>
+              <a:spcBef>
+                <a:spcPts val="0"/>
+              </a:spcBef>
+              <a:spcAft>
+                <a:spcPts val="0"/>
+              </a:spcAft>
+              <a:buClr>
+                <a:srgbClr val="FFF9D9"/>
+              </a:buClr>
+              <a:buSzPts val="2000"/>
+              <a:buFont typeface="Nunito"/>
+              <a:buNone/>
+              <a:defRPr sz="2000" b="1" i="0" u="none" strike="noStrike" cap="none">
+                <a:solidFill>
+                  <a:srgbClr val="FFF9D9"/>
+                </a:solidFill>
+                <a:latin typeface="Nunito"/>
+                <a:ea typeface="Nunito"/>
+                <a:cs typeface="Nunito"/>
+                <a:sym typeface="Nunito"/>
+              </a:defRPr>
+            </a:lvl7pPr>
+            <a:lvl8pPr marR="0" lvl="7" algn="l" rtl="0">
+              <a:lnSpc>
+                <a:spcPct val="100000"/>
+              </a:lnSpc>
+              <a:spcBef>
+                <a:spcPts val="0"/>
+              </a:spcBef>
+              <a:spcAft>
+                <a:spcPts val="0"/>
+              </a:spcAft>
+              <a:buClr>
+                <a:srgbClr val="FFF9D9"/>
+              </a:buClr>
+              <a:buSzPts val="2000"/>
+              <a:buFont typeface="Nunito"/>
+              <a:buNone/>
+              <a:defRPr sz="2000" b="1" i="0" u="none" strike="noStrike" cap="none">
+                <a:solidFill>
+                  <a:srgbClr val="FFF9D9"/>
+                </a:solidFill>
+                <a:latin typeface="Nunito"/>
+                <a:ea typeface="Nunito"/>
+                <a:cs typeface="Nunito"/>
+                <a:sym typeface="Nunito"/>
+              </a:defRPr>
+            </a:lvl8pPr>
+            <a:lvl9pPr marR="0" lvl="8" algn="l" rtl="0">
+              <a:lnSpc>
+                <a:spcPct val="100000"/>
+              </a:lnSpc>
+              <a:spcBef>
+                <a:spcPts val="0"/>
+              </a:spcBef>
+              <a:spcAft>
+                <a:spcPts val="0"/>
+              </a:spcAft>
+              <a:buClr>
+                <a:srgbClr val="FFF9D9"/>
+              </a:buClr>
+              <a:buSzPts val="2000"/>
+              <a:buFont typeface="Nunito"/>
+              <a:buNone/>
+              <a:defRPr sz="2000" b="1" i="0" u="none" strike="noStrike" cap="none">
+                <a:solidFill>
+                  <a:srgbClr val="FFF9D9"/>
+                </a:solidFill>
+                <a:latin typeface="Nunito"/>
+                <a:ea typeface="Nunito"/>
+                <a:cs typeface="Nunito"/>
+                <a:sym typeface="Nunito"/>
+              </a:defRPr>
+            </a:lvl9pPr>
+          </a:lstStyle>
+          <a:p>
+            <a:pPr algn="ctr"/>
+            <a:r>
+              <a:rPr lang="pt-BR" sz="1400" dirty="0">
+                <a:solidFill>
+                  <a:srgbClr val="CC8A42"/>
+                </a:solidFill>
+              </a:rPr>
+              <a:t>{{</a:t>
+            </a:r>
+            <a:r>
+              <a:rPr lang="pt-BR" sz="1400" dirty="0" err="1">
+                <a:solidFill>
+                  <a:srgbClr val="CC8A42"/>
+                </a:solidFill>
+              </a:rPr>
+              <a:t>radar_geral</a:t>
             </a:r>
             <a:r>
               <a:rPr lang="pt-BR" sz="1400" dirty="0">
@@ -17999,6 +21271,302 @@
           </a:p>
         </p:txBody>
       </p:sp>
+      <p:sp>
+        <p:nvSpPr>
+          <p:cNvPr id="2" name="Google Shape;494;p69">
+            <a:extLst>
+              <a:ext uri="{FF2B5EF4-FFF2-40B4-BE49-F238E27FC236}">
+                <a16:creationId xmlns:a16="http://schemas.microsoft.com/office/drawing/2014/main" id="{A8ADE670-7FC9-4C1D-FDC7-18CE5437D5E2}"/>
+              </a:ext>
+            </a:extLst>
+          </p:cNvPr>
+          <p:cNvSpPr txBox="1">
+            <a:spLocks/>
+          </p:cNvSpPr>
+          <p:nvPr/>
+        </p:nvSpPr>
+        <p:spPr>
+          <a:xfrm>
+            <a:off x="3422073" y="1063053"/>
+            <a:ext cx="5320145" cy="3695983"/>
+          </a:xfrm>
+          <a:prstGeom prst="rect">
+            <a:avLst/>
+          </a:prstGeom>
+          <a:noFill/>
+          <a:ln>
+            <a:noFill/>
+          </a:ln>
+        </p:spPr>
+        <p:txBody>
+          <a:bodyPr spcFirstLastPara="1" wrap="square" lIns="91425" tIns="91425" rIns="91425" bIns="91425" anchor="t" anchorCtr="0">
+            <a:normAutofit/>
+          </a:bodyPr>
+          <a:lstStyle>
+            <a:defPPr marR="0" lvl="0" algn="l" rtl="0">
+              <a:lnSpc>
+                <a:spcPct val="100000"/>
+              </a:lnSpc>
+              <a:spcBef>
+                <a:spcPts val="0"/>
+              </a:spcBef>
+              <a:spcAft>
+                <a:spcPts val="0"/>
+              </a:spcAft>
+            </a:defPPr>
+            <a:lvl1pPr marR="0" lvl="0" algn="l" rtl="0">
+              <a:lnSpc>
+                <a:spcPct val="100000"/>
+              </a:lnSpc>
+              <a:spcBef>
+                <a:spcPts val="0"/>
+              </a:spcBef>
+              <a:spcAft>
+                <a:spcPts val="0"/>
+              </a:spcAft>
+              <a:buClr>
+                <a:schemeClr val="lt1"/>
+              </a:buClr>
+              <a:buSzPts val="2000"/>
+              <a:buFont typeface="Nunito"/>
+              <a:buNone/>
+              <a:defRPr sz="2000" b="1" i="0" u="none" strike="noStrike" cap="none">
+                <a:solidFill>
+                  <a:schemeClr val="lt1"/>
+                </a:solidFill>
+                <a:latin typeface="Nunito"/>
+                <a:ea typeface="Nunito"/>
+                <a:cs typeface="Nunito"/>
+                <a:sym typeface="Nunito"/>
+              </a:defRPr>
+            </a:lvl1pPr>
+            <a:lvl2pPr marR="0" lvl="1" algn="l" rtl="0">
+              <a:lnSpc>
+                <a:spcPct val="100000"/>
+              </a:lnSpc>
+              <a:spcBef>
+                <a:spcPts val="0"/>
+              </a:spcBef>
+              <a:spcAft>
+                <a:spcPts val="0"/>
+              </a:spcAft>
+              <a:buClr>
+                <a:srgbClr val="FFF9D9"/>
+              </a:buClr>
+              <a:buSzPts val="2000"/>
+              <a:buFont typeface="Nunito"/>
+              <a:buNone/>
+              <a:defRPr sz="2000" b="1" i="0" u="none" strike="noStrike" cap="none">
+                <a:solidFill>
+                  <a:srgbClr val="FFF9D9"/>
+                </a:solidFill>
+                <a:latin typeface="Nunito"/>
+                <a:ea typeface="Nunito"/>
+                <a:cs typeface="Nunito"/>
+                <a:sym typeface="Nunito"/>
+              </a:defRPr>
+            </a:lvl2pPr>
+            <a:lvl3pPr marR="0" lvl="2" algn="l" rtl="0">
+              <a:lnSpc>
+                <a:spcPct val="100000"/>
+              </a:lnSpc>
+              <a:spcBef>
+                <a:spcPts val="0"/>
+              </a:spcBef>
+              <a:spcAft>
+                <a:spcPts val="0"/>
+              </a:spcAft>
+              <a:buClr>
+                <a:srgbClr val="FFF9D9"/>
+              </a:buClr>
+              <a:buSzPts val="2000"/>
+              <a:buFont typeface="Nunito"/>
+              <a:buNone/>
+              <a:defRPr sz="2000" b="1" i="0" u="none" strike="noStrike" cap="none">
+                <a:solidFill>
+                  <a:srgbClr val="FFF9D9"/>
+                </a:solidFill>
+                <a:latin typeface="Nunito"/>
+                <a:ea typeface="Nunito"/>
+                <a:cs typeface="Nunito"/>
+                <a:sym typeface="Nunito"/>
+              </a:defRPr>
+            </a:lvl3pPr>
+            <a:lvl4pPr marR="0" lvl="3" algn="l" rtl="0">
+              <a:lnSpc>
+                <a:spcPct val="100000"/>
+              </a:lnSpc>
+              <a:spcBef>
+                <a:spcPts val="0"/>
+              </a:spcBef>
+              <a:spcAft>
+                <a:spcPts val="0"/>
+              </a:spcAft>
+              <a:buClr>
+                <a:srgbClr val="FFF9D9"/>
+              </a:buClr>
+              <a:buSzPts val="2000"/>
+              <a:buFont typeface="Nunito"/>
+              <a:buNone/>
+              <a:defRPr sz="2000" b="1" i="0" u="none" strike="noStrike" cap="none">
+                <a:solidFill>
+                  <a:srgbClr val="FFF9D9"/>
+                </a:solidFill>
+                <a:latin typeface="Nunito"/>
+                <a:ea typeface="Nunito"/>
+                <a:cs typeface="Nunito"/>
+                <a:sym typeface="Nunito"/>
+              </a:defRPr>
+            </a:lvl4pPr>
+            <a:lvl5pPr marR="0" lvl="4" algn="l" rtl="0">
+              <a:lnSpc>
+                <a:spcPct val="100000"/>
+              </a:lnSpc>
+              <a:spcBef>
+                <a:spcPts val="0"/>
+              </a:spcBef>
+              <a:spcAft>
+                <a:spcPts val="0"/>
+              </a:spcAft>
+              <a:buClr>
+                <a:srgbClr val="FFF9D9"/>
+              </a:buClr>
+              <a:buSzPts val="2000"/>
+              <a:buFont typeface="Nunito"/>
+              <a:buNone/>
+              <a:defRPr sz="2000" b="1" i="0" u="none" strike="noStrike" cap="none">
+                <a:solidFill>
+                  <a:srgbClr val="FFF9D9"/>
+                </a:solidFill>
+                <a:latin typeface="Nunito"/>
+                <a:ea typeface="Nunito"/>
+                <a:cs typeface="Nunito"/>
+                <a:sym typeface="Nunito"/>
+              </a:defRPr>
+            </a:lvl5pPr>
+            <a:lvl6pPr marR="0" lvl="5" algn="l" rtl="0">
+              <a:lnSpc>
+                <a:spcPct val="100000"/>
+              </a:lnSpc>
+              <a:spcBef>
+                <a:spcPts val="0"/>
+              </a:spcBef>
+              <a:spcAft>
+                <a:spcPts val="0"/>
+              </a:spcAft>
+              <a:buClr>
+                <a:srgbClr val="FFF9D9"/>
+              </a:buClr>
+              <a:buSzPts val="2000"/>
+              <a:buFont typeface="Nunito"/>
+              <a:buNone/>
+              <a:defRPr sz="2000" b="1" i="0" u="none" strike="noStrike" cap="none">
+                <a:solidFill>
+                  <a:srgbClr val="FFF9D9"/>
+                </a:solidFill>
+                <a:latin typeface="Nunito"/>
+                <a:ea typeface="Nunito"/>
+                <a:cs typeface="Nunito"/>
+                <a:sym typeface="Nunito"/>
+              </a:defRPr>
+            </a:lvl6pPr>
+            <a:lvl7pPr marR="0" lvl="6" algn="l" rtl="0">
+              <a:lnSpc>
+                <a:spcPct val="100000"/>
+              </a:lnSpc>
+              <a:spcBef>
+                <a:spcPts val="0"/>
+              </a:spcBef>
+              <a:spcAft>
+                <a:spcPts val="0"/>
+              </a:spcAft>
+              <a:buClr>
+                <a:srgbClr val="FFF9D9"/>
+              </a:buClr>
+              <a:buSzPts val="2000"/>
+              <a:buFont typeface="Nunito"/>
+              <a:buNone/>
+              <a:defRPr sz="2000" b="1" i="0" u="none" strike="noStrike" cap="none">
+                <a:solidFill>
+                  <a:srgbClr val="FFF9D9"/>
+                </a:solidFill>
+                <a:latin typeface="Nunito"/>
+                <a:ea typeface="Nunito"/>
+                <a:cs typeface="Nunito"/>
+                <a:sym typeface="Nunito"/>
+              </a:defRPr>
+            </a:lvl7pPr>
+            <a:lvl8pPr marR="0" lvl="7" algn="l" rtl="0">
+              <a:lnSpc>
+                <a:spcPct val="100000"/>
+              </a:lnSpc>
+              <a:spcBef>
+                <a:spcPts val="0"/>
+              </a:spcBef>
+              <a:spcAft>
+                <a:spcPts val="0"/>
+              </a:spcAft>
+              <a:buClr>
+                <a:srgbClr val="FFF9D9"/>
+              </a:buClr>
+              <a:buSzPts val="2000"/>
+              <a:buFont typeface="Nunito"/>
+              <a:buNone/>
+              <a:defRPr sz="2000" b="1" i="0" u="none" strike="noStrike" cap="none">
+                <a:solidFill>
+                  <a:srgbClr val="FFF9D9"/>
+                </a:solidFill>
+                <a:latin typeface="Nunito"/>
+                <a:ea typeface="Nunito"/>
+                <a:cs typeface="Nunito"/>
+                <a:sym typeface="Nunito"/>
+              </a:defRPr>
+            </a:lvl8pPr>
+            <a:lvl9pPr marR="0" lvl="8" algn="l" rtl="0">
+              <a:lnSpc>
+                <a:spcPct val="100000"/>
+              </a:lnSpc>
+              <a:spcBef>
+                <a:spcPts val="0"/>
+              </a:spcBef>
+              <a:spcAft>
+                <a:spcPts val="0"/>
+              </a:spcAft>
+              <a:buClr>
+                <a:srgbClr val="FFF9D9"/>
+              </a:buClr>
+              <a:buSzPts val="2000"/>
+              <a:buFont typeface="Nunito"/>
+              <a:buNone/>
+              <a:defRPr sz="2000" b="1" i="0" u="none" strike="noStrike" cap="none">
+                <a:solidFill>
+                  <a:srgbClr val="FFF9D9"/>
+                </a:solidFill>
+                <a:latin typeface="Nunito"/>
+                <a:ea typeface="Nunito"/>
+                <a:cs typeface="Nunito"/>
+                <a:sym typeface="Nunito"/>
+              </a:defRPr>
+            </a:lvl9pPr>
+          </a:lstStyle>
+          <a:p>
+            <a:pPr algn="ctr"/>
+            <a:r>
+              <a:rPr lang="pt-BR" sz="1400" dirty="0">
+                <a:solidFill>
+                  <a:srgbClr val="CC8A42"/>
+                </a:solidFill>
+              </a:rPr>
+              <a:t>{{AD_4}}</a:t>
+            </a:r>
+            <a:endParaRPr lang="pt-BR" dirty="0">
+              <a:solidFill>
+                <a:srgbClr val="CC8A42"/>
+              </a:solidFill>
+            </a:endParaRPr>
+          </a:p>
+        </p:txBody>
+      </p:sp>
     </p:spTree>
     <p:extLst>
       <p:ext uri="{BB962C8B-B14F-4D97-AF65-F5344CB8AC3E}">
@@ -18370,6 +21938,302 @@
               </a:rPr>
               <a:t>Identifica, encaminha, endereça e resolve as dificuldades encontradas no dia a dia.</a:t>
             </a:r>
+          </a:p>
+        </p:txBody>
+      </p:sp>
+      <p:sp>
+        <p:nvSpPr>
+          <p:cNvPr id="3" name="Google Shape;494;p69">
+            <a:extLst>
+              <a:ext uri="{FF2B5EF4-FFF2-40B4-BE49-F238E27FC236}">
+                <a16:creationId xmlns:a16="http://schemas.microsoft.com/office/drawing/2014/main" id="{1F405C5A-A157-566C-E96D-280E84DF292D}"/>
+              </a:ext>
+            </a:extLst>
+          </p:cNvPr>
+          <p:cNvSpPr txBox="1">
+            <a:spLocks/>
+          </p:cNvSpPr>
+          <p:nvPr/>
+        </p:nvSpPr>
+        <p:spPr>
+          <a:xfrm>
+            <a:off x="3422073" y="1063053"/>
+            <a:ext cx="5320145" cy="3695983"/>
+          </a:xfrm>
+          <a:prstGeom prst="rect">
+            <a:avLst/>
+          </a:prstGeom>
+          <a:noFill/>
+          <a:ln>
+            <a:noFill/>
+          </a:ln>
+        </p:spPr>
+        <p:txBody>
+          <a:bodyPr spcFirstLastPara="1" wrap="square" lIns="91425" tIns="91425" rIns="91425" bIns="91425" anchor="t" anchorCtr="0">
+            <a:normAutofit/>
+          </a:bodyPr>
+          <a:lstStyle>
+            <a:defPPr marR="0" lvl="0" algn="l" rtl="0">
+              <a:lnSpc>
+                <a:spcPct val="100000"/>
+              </a:lnSpc>
+              <a:spcBef>
+                <a:spcPts val="0"/>
+              </a:spcBef>
+              <a:spcAft>
+                <a:spcPts val="0"/>
+              </a:spcAft>
+            </a:defPPr>
+            <a:lvl1pPr marR="0" lvl="0" algn="l" rtl="0">
+              <a:lnSpc>
+                <a:spcPct val="100000"/>
+              </a:lnSpc>
+              <a:spcBef>
+                <a:spcPts val="0"/>
+              </a:spcBef>
+              <a:spcAft>
+                <a:spcPts val="0"/>
+              </a:spcAft>
+              <a:buClr>
+                <a:schemeClr val="lt1"/>
+              </a:buClr>
+              <a:buSzPts val="2000"/>
+              <a:buFont typeface="Nunito"/>
+              <a:buNone/>
+              <a:defRPr sz="2000" b="1" i="0" u="none" strike="noStrike" cap="none">
+                <a:solidFill>
+                  <a:schemeClr val="lt1"/>
+                </a:solidFill>
+                <a:latin typeface="Nunito"/>
+                <a:ea typeface="Nunito"/>
+                <a:cs typeface="Nunito"/>
+                <a:sym typeface="Nunito"/>
+              </a:defRPr>
+            </a:lvl1pPr>
+            <a:lvl2pPr marR="0" lvl="1" algn="l" rtl="0">
+              <a:lnSpc>
+                <a:spcPct val="100000"/>
+              </a:lnSpc>
+              <a:spcBef>
+                <a:spcPts val="0"/>
+              </a:spcBef>
+              <a:spcAft>
+                <a:spcPts val="0"/>
+              </a:spcAft>
+              <a:buClr>
+                <a:srgbClr val="FFF9D9"/>
+              </a:buClr>
+              <a:buSzPts val="2000"/>
+              <a:buFont typeface="Nunito"/>
+              <a:buNone/>
+              <a:defRPr sz="2000" b="1" i="0" u="none" strike="noStrike" cap="none">
+                <a:solidFill>
+                  <a:srgbClr val="FFF9D9"/>
+                </a:solidFill>
+                <a:latin typeface="Nunito"/>
+                <a:ea typeface="Nunito"/>
+                <a:cs typeface="Nunito"/>
+                <a:sym typeface="Nunito"/>
+              </a:defRPr>
+            </a:lvl2pPr>
+            <a:lvl3pPr marR="0" lvl="2" algn="l" rtl="0">
+              <a:lnSpc>
+                <a:spcPct val="100000"/>
+              </a:lnSpc>
+              <a:spcBef>
+                <a:spcPts val="0"/>
+              </a:spcBef>
+              <a:spcAft>
+                <a:spcPts val="0"/>
+              </a:spcAft>
+              <a:buClr>
+                <a:srgbClr val="FFF9D9"/>
+              </a:buClr>
+              <a:buSzPts val="2000"/>
+              <a:buFont typeface="Nunito"/>
+              <a:buNone/>
+              <a:defRPr sz="2000" b="1" i="0" u="none" strike="noStrike" cap="none">
+                <a:solidFill>
+                  <a:srgbClr val="FFF9D9"/>
+                </a:solidFill>
+                <a:latin typeface="Nunito"/>
+                <a:ea typeface="Nunito"/>
+                <a:cs typeface="Nunito"/>
+                <a:sym typeface="Nunito"/>
+              </a:defRPr>
+            </a:lvl3pPr>
+            <a:lvl4pPr marR="0" lvl="3" algn="l" rtl="0">
+              <a:lnSpc>
+                <a:spcPct val="100000"/>
+              </a:lnSpc>
+              <a:spcBef>
+                <a:spcPts val="0"/>
+              </a:spcBef>
+              <a:spcAft>
+                <a:spcPts val="0"/>
+              </a:spcAft>
+              <a:buClr>
+                <a:srgbClr val="FFF9D9"/>
+              </a:buClr>
+              <a:buSzPts val="2000"/>
+              <a:buFont typeface="Nunito"/>
+              <a:buNone/>
+              <a:defRPr sz="2000" b="1" i="0" u="none" strike="noStrike" cap="none">
+                <a:solidFill>
+                  <a:srgbClr val="FFF9D9"/>
+                </a:solidFill>
+                <a:latin typeface="Nunito"/>
+                <a:ea typeface="Nunito"/>
+                <a:cs typeface="Nunito"/>
+                <a:sym typeface="Nunito"/>
+              </a:defRPr>
+            </a:lvl4pPr>
+            <a:lvl5pPr marR="0" lvl="4" algn="l" rtl="0">
+              <a:lnSpc>
+                <a:spcPct val="100000"/>
+              </a:lnSpc>
+              <a:spcBef>
+                <a:spcPts val="0"/>
+              </a:spcBef>
+              <a:spcAft>
+                <a:spcPts val="0"/>
+              </a:spcAft>
+              <a:buClr>
+                <a:srgbClr val="FFF9D9"/>
+              </a:buClr>
+              <a:buSzPts val="2000"/>
+              <a:buFont typeface="Nunito"/>
+              <a:buNone/>
+              <a:defRPr sz="2000" b="1" i="0" u="none" strike="noStrike" cap="none">
+                <a:solidFill>
+                  <a:srgbClr val="FFF9D9"/>
+                </a:solidFill>
+                <a:latin typeface="Nunito"/>
+                <a:ea typeface="Nunito"/>
+                <a:cs typeface="Nunito"/>
+                <a:sym typeface="Nunito"/>
+              </a:defRPr>
+            </a:lvl5pPr>
+            <a:lvl6pPr marR="0" lvl="5" algn="l" rtl="0">
+              <a:lnSpc>
+                <a:spcPct val="100000"/>
+              </a:lnSpc>
+              <a:spcBef>
+                <a:spcPts val="0"/>
+              </a:spcBef>
+              <a:spcAft>
+                <a:spcPts val="0"/>
+              </a:spcAft>
+              <a:buClr>
+                <a:srgbClr val="FFF9D9"/>
+              </a:buClr>
+              <a:buSzPts val="2000"/>
+              <a:buFont typeface="Nunito"/>
+              <a:buNone/>
+              <a:defRPr sz="2000" b="1" i="0" u="none" strike="noStrike" cap="none">
+                <a:solidFill>
+                  <a:srgbClr val="FFF9D9"/>
+                </a:solidFill>
+                <a:latin typeface="Nunito"/>
+                <a:ea typeface="Nunito"/>
+                <a:cs typeface="Nunito"/>
+                <a:sym typeface="Nunito"/>
+              </a:defRPr>
+            </a:lvl6pPr>
+            <a:lvl7pPr marR="0" lvl="6" algn="l" rtl="0">
+              <a:lnSpc>
+                <a:spcPct val="100000"/>
+              </a:lnSpc>
+              <a:spcBef>
+                <a:spcPts val="0"/>
+              </a:spcBef>
+              <a:spcAft>
+                <a:spcPts val="0"/>
+              </a:spcAft>
+              <a:buClr>
+                <a:srgbClr val="FFF9D9"/>
+              </a:buClr>
+              <a:buSzPts val="2000"/>
+              <a:buFont typeface="Nunito"/>
+              <a:buNone/>
+              <a:defRPr sz="2000" b="1" i="0" u="none" strike="noStrike" cap="none">
+                <a:solidFill>
+                  <a:srgbClr val="FFF9D9"/>
+                </a:solidFill>
+                <a:latin typeface="Nunito"/>
+                <a:ea typeface="Nunito"/>
+                <a:cs typeface="Nunito"/>
+                <a:sym typeface="Nunito"/>
+              </a:defRPr>
+            </a:lvl7pPr>
+            <a:lvl8pPr marR="0" lvl="7" algn="l" rtl="0">
+              <a:lnSpc>
+                <a:spcPct val="100000"/>
+              </a:lnSpc>
+              <a:spcBef>
+                <a:spcPts val="0"/>
+              </a:spcBef>
+              <a:spcAft>
+                <a:spcPts val="0"/>
+              </a:spcAft>
+              <a:buClr>
+                <a:srgbClr val="FFF9D9"/>
+              </a:buClr>
+              <a:buSzPts val="2000"/>
+              <a:buFont typeface="Nunito"/>
+              <a:buNone/>
+              <a:defRPr sz="2000" b="1" i="0" u="none" strike="noStrike" cap="none">
+                <a:solidFill>
+                  <a:srgbClr val="FFF9D9"/>
+                </a:solidFill>
+                <a:latin typeface="Nunito"/>
+                <a:ea typeface="Nunito"/>
+                <a:cs typeface="Nunito"/>
+                <a:sym typeface="Nunito"/>
+              </a:defRPr>
+            </a:lvl8pPr>
+            <a:lvl9pPr marR="0" lvl="8" algn="l" rtl="0">
+              <a:lnSpc>
+                <a:spcPct val="100000"/>
+              </a:lnSpc>
+              <a:spcBef>
+                <a:spcPts val="0"/>
+              </a:spcBef>
+              <a:spcAft>
+                <a:spcPts val="0"/>
+              </a:spcAft>
+              <a:buClr>
+                <a:srgbClr val="FFF9D9"/>
+              </a:buClr>
+              <a:buSzPts val="2000"/>
+              <a:buFont typeface="Nunito"/>
+              <a:buNone/>
+              <a:defRPr sz="2000" b="1" i="0" u="none" strike="noStrike" cap="none">
+                <a:solidFill>
+                  <a:srgbClr val="FFF9D9"/>
+                </a:solidFill>
+                <a:latin typeface="Nunito"/>
+                <a:ea typeface="Nunito"/>
+                <a:cs typeface="Nunito"/>
+                <a:sym typeface="Nunito"/>
+              </a:defRPr>
+            </a:lvl9pPr>
+          </a:lstStyle>
+          <a:p>
+            <a:pPr algn="ctr"/>
+            <a:r>
+              <a:rPr lang="pt-BR" sz="1400" dirty="0">
+                <a:solidFill>
+                  <a:srgbClr val="CC8A42"/>
+                </a:solidFill>
+              </a:rPr>
+              <a:t>{{EX_1}}</a:t>
+            </a:r>
+            <a:endParaRPr lang="pt-BR" dirty="0">
+              <a:solidFill>
+                <a:srgbClr val="CC8A42"/>
+              </a:solidFill>
+            </a:endParaRPr>
           </a:p>
         </p:txBody>
       </p:sp>
@@ -18747,6 +22611,302 @@
           </a:p>
         </p:txBody>
       </p:sp>
+      <p:sp>
+        <p:nvSpPr>
+          <p:cNvPr id="3" name="Google Shape;494;p69">
+            <a:extLst>
+              <a:ext uri="{FF2B5EF4-FFF2-40B4-BE49-F238E27FC236}">
+                <a16:creationId xmlns:a16="http://schemas.microsoft.com/office/drawing/2014/main" id="{C98CAB03-74F5-51B0-D279-3A733643C616}"/>
+              </a:ext>
+            </a:extLst>
+          </p:cNvPr>
+          <p:cNvSpPr txBox="1">
+            <a:spLocks/>
+          </p:cNvSpPr>
+          <p:nvPr/>
+        </p:nvSpPr>
+        <p:spPr>
+          <a:xfrm>
+            <a:off x="3422073" y="1063053"/>
+            <a:ext cx="5320145" cy="3695983"/>
+          </a:xfrm>
+          <a:prstGeom prst="rect">
+            <a:avLst/>
+          </a:prstGeom>
+          <a:noFill/>
+          <a:ln>
+            <a:noFill/>
+          </a:ln>
+        </p:spPr>
+        <p:txBody>
+          <a:bodyPr spcFirstLastPara="1" wrap="square" lIns="91425" tIns="91425" rIns="91425" bIns="91425" anchor="t" anchorCtr="0">
+            <a:normAutofit/>
+          </a:bodyPr>
+          <a:lstStyle>
+            <a:defPPr marR="0" lvl="0" algn="l" rtl="0">
+              <a:lnSpc>
+                <a:spcPct val="100000"/>
+              </a:lnSpc>
+              <a:spcBef>
+                <a:spcPts val="0"/>
+              </a:spcBef>
+              <a:spcAft>
+                <a:spcPts val="0"/>
+              </a:spcAft>
+            </a:defPPr>
+            <a:lvl1pPr marR="0" lvl="0" algn="l" rtl="0">
+              <a:lnSpc>
+                <a:spcPct val="100000"/>
+              </a:lnSpc>
+              <a:spcBef>
+                <a:spcPts val="0"/>
+              </a:spcBef>
+              <a:spcAft>
+                <a:spcPts val="0"/>
+              </a:spcAft>
+              <a:buClr>
+                <a:schemeClr val="lt1"/>
+              </a:buClr>
+              <a:buSzPts val="2000"/>
+              <a:buFont typeface="Nunito"/>
+              <a:buNone/>
+              <a:defRPr sz="2000" b="1" i="0" u="none" strike="noStrike" cap="none">
+                <a:solidFill>
+                  <a:schemeClr val="lt1"/>
+                </a:solidFill>
+                <a:latin typeface="Nunito"/>
+                <a:ea typeface="Nunito"/>
+                <a:cs typeface="Nunito"/>
+                <a:sym typeface="Nunito"/>
+              </a:defRPr>
+            </a:lvl1pPr>
+            <a:lvl2pPr marR="0" lvl="1" algn="l" rtl="0">
+              <a:lnSpc>
+                <a:spcPct val="100000"/>
+              </a:lnSpc>
+              <a:spcBef>
+                <a:spcPts val="0"/>
+              </a:spcBef>
+              <a:spcAft>
+                <a:spcPts val="0"/>
+              </a:spcAft>
+              <a:buClr>
+                <a:srgbClr val="FFF9D9"/>
+              </a:buClr>
+              <a:buSzPts val="2000"/>
+              <a:buFont typeface="Nunito"/>
+              <a:buNone/>
+              <a:defRPr sz="2000" b="1" i="0" u="none" strike="noStrike" cap="none">
+                <a:solidFill>
+                  <a:srgbClr val="FFF9D9"/>
+                </a:solidFill>
+                <a:latin typeface="Nunito"/>
+                <a:ea typeface="Nunito"/>
+                <a:cs typeface="Nunito"/>
+                <a:sym typeface="Nunito"/>
+              </a:defRPr>
+            </a:lvl2pPr>
+            <a:lvl3pPr marR="0" lvl="2" algn="l" rtl="0">
+              <a:lnSpc>
+                <a:spcPct val="100000"/>
+              </a:lnSpc>
+              <a:spcBef>
+                <a:spcPts val="0"/>
+              </a:spcBef>
+              <a:spcAft>
+                <a:spcPts val="0"/>
+              </a:spcAft>
+              <a:buClr>
+                <a:srgbClr val="FFF9D9"/>
+              </a:buClr>
+              <a:buSzPts val="2000"/>
+              <a:buFont typeface="Nunito"/>
+              <a:buNone/>
+              <a:defRPr sz="2000" b="1" i="0" u="none" strike="noStrike" cap="none">
+                <a:solidFill>
+                  <a:srgbClr val="FFF9D9"/>
+                </a:solidFill>
+                <a:latin typeface="Nunito"/>
+                <a:ea typeface="Nunito"/>
+                <a:cs typeface="Nunito"/>
+                <a:sym typeface="Nunito"/>
+              </a:defRPr>
+            </a:lvl3pPr>
+            <a:lvl4pPr marR="0" lvl="3" algn="l" rtl="0">
+              <a:lnSpc>
+                <a:spcPct val="100000"/>
+              </a:lnSpc>
+              <a:spcBef>
+                <a:spcPts val="0"/>
+              </a:spcBef>
+              <a:spcAft>
+                <a:spcPts val="0"/>
+              </a:spcAft>
+              <a:buClr>
+                <a:srgbClr val="FFF9D9"/>
+              </a:buClr>
+              <a:buSzPts val="2000"/>
+              <a:buFont typeface="Nunito"/>
+              <a:buNone/>
+              <a:defRPr sz="2000" b="1" i="0" u="none" strike="noStrike" cap="none">
+                <a:solidFill>
+                  <a:srgbClr val="FFF9D9"/>
+                </a:solidFill>
+                <a:latin typeface="Nunito"/>
+                <a:ea typeface="Nunito"/>
+                <a:cs typeface="Nunito"/>
+                <a:sym typeface="Nunito"/>
+              </a:defRPr>
+            </a:lvl4pPr>
+            <a:lvl5pPr marR="0" lvl="4" algn="l" rtl="0">
+              <a:lnSpc>
+                <a:spcPct val="100000"/>
+              </a:lnSpc>
+              <a:spcBef>
+                <a:spcPts val="0"/>
+              </a:spcBef>
+              <a:spcAft>
+                <a:spcPts val="0"/>
+              </a:spcAft>
+              <a:buClr>
+                <a:srgbClr val="FFF9D9"/>
+              </a:buClr>
+              <a:buSzPts val="2000"/>
+              <a:buFont typeface="Nunito"/>
+              <a:buNone/>
+              <a:defRPr sz="2000" b="1" i="0" u="none" strike="noStrike" cap="none">
+                <a:solidFill>
+                  <a:srgbClr val="FFF9D9"/>
+                </a:solidFill>
+                <a:latin typeface="Nunito"/>
+                <a:ea typeface="Nunito"/>
+                <a:cs typeface="Nunito"/>
+                <a:sym typeface="Nunito"/>
+              </a:defRPr>
+            </a:lvl5pPr>
+            <a:lvl6pPr marR="0" lvl="5" algn="l" rtl="0">
+              <a:lnSpc>
+                <a:spcPct val="100000"/>
+              </a:lnSpc>
+              <a:spcBef>
+                <a:spcPts val="0"/>
+              </a:spcBef>
+              <a:spcAft>
+                <a:spcPts val="0"/>
+              </a:spcAft>
+              <a:buClr>
+                <a:srgbClr val="FFF9D9"/>
+              </a:buClr>
+              <a:buSzPts val="2000"/>
+              <a:buFont typeface="Nunito"/>
+              <a:buNone/>
+              <a:defRPr sz="2000" b="1" i="0" u="none" strike="noStrike" cap="none">
+                <a:solidFill>
+                  <a:srgbClr val="FFF9D9"/>
+                </a:solidFill>
+                <a:latin typeface="Nunito"/>
+                <a:ea typeface="Nunito"/>
+                <a:cs typeface="Nunito"/>
+                <a:sym typeface="Nunito"/>
+              </a:defRPr>
+            </a:lvl6pPr>
+            <a:lvl7pPr marR="0" lvl="6" algn="l" rtl="0">
+              <a:lnSpc>
+                <a:spcPct val="100000"/>
+              </a:lnSpc>
+              <a:spcBef>
+                <a:spcPts val="0"/>
+              </a:spcBef>
+              <a:spcAft>
+                <a:spcPts val="0"/>
+              </a:spcAft>
+              <a:buClr>
+                <a:srgbClr val="FFF9D9"/>
+              </a:buClr>
+              <a:buSzPts val="2000"/>
+              <a:buFont typeface="Nunito"/>
+              <a:buNone/>
+              <a:defRPr sz="2000" b="1" i="0" u="none" strike="noStrike" cap="none">
+                <a:solidFill>
+                  <a:srgbClr val="FFF9D9"/>
+                </a:solidFill>
+                <a:latin typeface="Nunito"/>
+                <a:ea typeface="Nunito"/>
+                <a:cs typeface="Nunito"/>
+                <a:sym typeface="Nunito"/>
+              </a:defRPr>
+            </a:lvl7pPr>
+            <a:lvl8pPr marR="0" lvl="7" algn="l" rtl="0">
+              <a:lnSpc>
+                <a:spcPct val="100000"/>
+              </a:lnSpc>
+              <a:spcBef>
+                <a:spcPts val="0"/>
+              </a:spcBef>
+              <a:spcAft>
+                <a:spcPts val="0"/>
+              </a:spcAft>
+              <a:buClr>
+                <a:srgbClr val="FFF9D9"/>
+              </a:buClr>
+              <a:buSzPts val="2000"/>
+              <a:buFont typeface="Nunito"/>
+              <a:buNone/>
+              <a:defRPr sz="2000" b="1" i="0" u="none" strike="noStrike" cap="none">
+                <a:solidFill>
+                  <a:srgbClr val="FFF9D9"/>
+                </a:solidFill>
+                <a:latin typeface="Nunito"/>
+                <a:ea typeface="Nunito"/>
+                <a:cs typeface="Nunito"/>
+                <a:sym typeface="Nunito"/>
+              </a:defRPr>
+            </a:lvl8pPr>
+            <a:lvl9pPr marR="0" lvl="8" algn="l" rtl="0">
+              <a:lnSpc>
+                <a:spcPct val="100000"/>
+              </a:lnSpc>
+              <a:spcBef>
+                <a:spcPts val="0"/>
+              </a:spcBef>
+              <a:spcAft>
+                <a:spcPts val="0"/>
+              </a:spcAft>
+              <a:buClr>
+                <a:srgbClr val="FFF9D9"/>
+              </a:buClr>
+              <a:buSzPts val="2000"/>
+              <a:buFont typeface="Nunito"/>
+              <a:buNone/>
+              <a:defRPr sz="2000" b="1" i="0" u="none" strike="noStrike" cap="none">
+                <a:solidFill>
+                  <a:srgbClr val="FFF9D9"/>
+                </a:solidFill>
+                <a:latin typeface="Nunito"/>
+                <a:ea typeface="Nunito"/>
+                <a:cs typeface="Nunito"/>
+                <a:sym typeface="Nunito"/>
+              </a:defRPr>
+            </a:lvl9pPr>
+          </a:lstStyle>
+          <a:p>
+            <a:pPr algn="ctr"/>
+            <a:r>
+              <a:rPr lang="pt-BR" sz="1400" dirty="0">
+                <a:solidFill>
+                  <a:srgbClr val="CC8A42"/>
+                </a:solidFill>
+              </a:rPr>
+              <a:t>{{EX_2}}</a:t>
+            </a:r>
+            <a:endParaRPr lang="pt-BR" dirty="0">
+              <a:solidFill>
+                <a:srgbClr val="CC8A42"/>
+              </a:solidFill>
+            </a:endParaRPr>
+          </a:p>
+        </p:txBody>
+      </p:sp>
     </p:spTree>
     <p:extLst>
       <p:ext uri="{BB962C8B-B14F-4D97-AF65-F5344CB8AC3E}">
@@ -19121,6 +23281,302 @@
           </a:p>
         </p:txBody>
       </p:sp>
+      <p:sp>
+        <p:nvSpPr>
+          <p:cNvPr id="3" name="Google Shape;494;p69">
+            <a:extLst>
+              <a:ext uri="{FF2B5EF4-FFF2-40B4-BE49-F238E27FC236}">
+                <a16:creationId xmlns:a16="http://schemas.microsoft.com/office/drawing/2014/main" id="{B84EE85B-E3C3-A01A-41E8-BC4376B0B40E}"/>
+              </a:ext>
+            </a:extLst>
+          </p:cNvPr>
+          <p:cNvSpPr txBox="1">
+            <a:spLocks/>
+          </p:cNvSpPr>
+          <p:nvPr/>
+        </p:nvSpPr>
+        <p:spPr>
+          <a:xfrm>
+            <a:off x="3422073" y="1063053"/>
+            <a:ext cx="5320145" cy="3695983"/>
+          </a:xfrm>
+          <a:prstGeom prst="rect">
+            <a:avLst/>
+          </a:prstGeom>
+          <a:noFill/>
+          <a:ln>
+            <a:noFill/>
+          </a:ln>
+        </p:spPr>
+        <p:txBody>
+          <a:bodyPr spcFirstLastPara="1" wrap="square" lIns="91425" tIns="91425" rIns="91425" bIns="91425" anchor="t" anchorCtr="0">
+            <a:normAutofit/>
+          </a:bodyPr>
+          <a:lstStyle>
+            <a:defPPr marR="0" lvl="0" algn="l" rtl="0">
+              <a:lnSpc>
+                <a:spcPct val="100000"/>
+              </a:lnSpc>
+              <a:spcBef>
+                <a:spcPts val="0"/>
+              </a:spcBef>
+              <a:spcAft>
+                <a:spcPts val="0"/>
+              </a:spcAft>
+            </a:defPPr>
+            <a:lvl1pPr marR="0" lvl="0" algn="l" rtl="0">
+              <a:lnSpc>
+                <a:spcPct val="100000"/>
+              </a:lnSpc>
+              <a:spcBef>
+                <a:spcPts val="0"/>
+              </a:spcBef>
+              <a:spcAft>
+                <a:spcPts val="0"/>
+              </a:spcAft>
+              <a:buClr>
+                <a:schemeClr val="lt1"/>
+              </a:buClr>
+              <a:buSzPts val="2000"/>
+              <a:buFont typeface="Nunito"/>
+              <a:buNone/>
+              <a:defRPr sz="2000" b="1" i="0" u="none" strike="noStrike" cap="none">
+                <a:solidFill>
+                  <a:schemeClr val="lt1"/>
+                </a:solidFill>
+                <a:latin typeface="Nunito"/>
+                <a:ea typeface="Nunito"/>
+                <a:cs typeface="Nunito"/>
+                <a:sym typeface="Nunito"/>
+              </a:defRPr>
+            </a:lvl1pPr>
+            <a:lvl2pPr marR="0" lvl="1" algn="l" rtl="0">
+              <a:lnSpc>
+                <a:spcPct val="100000"/>
+              </a:lnSpc>
+              <a:spcBef>
+                <a:spcPts val="0"/>
+              </a:spcBef>
+              <a:spcAft>
+                <a:spcPts val="0"/>
+              </a:spcAft>
+              <a:buClr>
+                <a:srgbClr val="FFF9D9"/>
+              </a:buClr>
+              <a:buSzPts val="2000"/>
+              <a:buFont typeface="Nunito"/>
+              <a:buNone/>
+              <a:defRPr sz="2000" b="1" i="0" u="none" strike="noStrike" cap="none">
+                <a:solidFill>
+                  <a:srgbClr val="FFF9D9"/>
+                </a:solidFill>
+                <a:latin typeface="Nunito"/>
+                <a:ea typeface="Nunito"/>
+                <a:cs typeface="Nunito"/>
+                <a:sym typeface="Nunito"/>
+              </a:defRPr>
+            </a:lvl2pPr>
+            <a:lvl3pPr marR="0" lvl="2" algn="l" rtl="0">
+              <a:lnSpc>
+                <a:spcPct val="100000"/>
+              </a:lnSpc>
+              <a:spcBef>
+                <a:spcPts val="0"/>
+              </a:spcBef>
+              <a:spcAft>
+                <a:spcPts val="0"/>
+              </a:spcAft>
+              <a:buClr>
+                <a:srgbClr val="FFF9D9"/>
+              </a:buClr>
+              <a:buSzPts val="2000"/>
+              <a:buFont typeface="Nunito"/>
+              <a:buNone/>
+              <a:defRPr sz="2000" b="1" i="0" u="none" strike="noStrike" cap="none">
+                <a:solidFill>
+                  <a:srgbClr val="FFF9D9"/>
+                </a:solidFill>
+                <a:latin typeface="Nunito"/>
+                <a:ea typeface="Nunito"/>
+                <a:cs typeface="Nunito"/>
+                <a:sym typeface="Nunito"/>
+              </a:defRPr>
+            </a:lvl3pPr>
+            <a:lvl4pPr marR="0" lvl="3" algn="l" rtl="0">
+              <a:lnSpc>
+                <a:spcPct val="100000"/>
+              </a:lnSpc>
+              <a:spcBef>
+                <a:spcPts val="0"/>
+              </a:spcBef>
+              <a:spcAft>
+                <a:spcPts val="0"/>
+              </a:spcAft>
+              <a:buClr>
+                <a:srgbClr val="FFF9D9"/>
+              </a:buClr>
+              <a:buSzPts val="2000"/>
+              <a:buFont typeface="Nunito"/>
+              <a:buNone/>
+              <a:defRPr sz="2000" b="1" i="0" u="none" strike="noStrike" cap="none">
+                <a:solidFill>
+                  <a:srgbClr val="FFF9D9"/>
+                </a:solidFill>
+                <a:latin typeface="Nunito"/>
+                <a:ea typeface="Nunito"/>
+                <a:cs typeface="Nunito"/>
+                <a:sym typeface="Nunito"/>
+              </a:defRPr>
+            </a:lvl4pPr>
+            <a:lvl5pPr marR="0" lvl="4" algn="l" rtl="0">
+              <a:lnSpc>
+                <a:spcPct val="100000"/>
+              </a:lnSpc>
+              <a:spcBef>
+                <a:spcPts val="0"/>
+              </a:spcBef>
+              <a:spcAft>
+                <a:spcPts val="0"/>
+              </a:spcAft>
+              <a:buClr>
+                <a:srgbClr val="FFF9D9"/>
+              </a:buClr>
+              <a:buSzPts val="2000"/>
+              <a:buFont typeface="Nunito"/>
+              <a:buNone/>
+              <a:defRPr sz="2000" b="1" i="0" u="none" strike="noStrike" cap="none">
+                <a:solidFill>
+                  <a:srgbClr val="FFF9D9"/>
+                </a:solidFill>
+                <a:latin typeface="Nunito"/>
+                <a:ea typeface="Nunito"/>
+                <a:cs typeface="Nunito"/>
+                <a:sym typeface="Nunito"/>
+              </a:defRPr>
+            </a:lvl5pPr>
+            <a:lvl6pPr marR="0" lvl="5" algn="l" rtl="0">
+              <a:lnSpc>
+                <a:spcPct val="100000"/>
+              </a:lnSpc>
+              <a:spcBef>
+                <a:spcPts val="0"/>
+              </a:spcBef>
+              <a:spcAft>
+                <a:spcPts val="0"/>
+              </a:spcAft>
+              <a:buClr>
+                <a:srgbClr val="FFF9D9"/>
+              </a:buClr>
+              <a:buSzPts val="2000"/>
+              <a:buFont typeface="Nunito"/>
+              <a:buNone/>
+              <a:defRPr sz="2000" b="1" i="0" u="none" strike="noStrike" cap="none">
+                <a:solidFill>
+                  <a:srgbClr val="FFF9D9"/>
+                </a:solidFill>
+                <a:latin typeface="Nunito"/>
+                <a:ea typeface="Nunito"/>
+                <a:cs typeface="Nunito"/>
+                <a:sym typeface="Nunito"/>
+              </a:defRPr>
+            </a:lvl6pPr>
+            <a:lvl7pPr marR="0" lvl="6" algn="l" rtl="0">
+              <a:lnSpc>
+                <a:spcPct val="100000"/>
+              </a:lnSpc>
+              <a:spcBef>
+                <a:spcPts val="0"/>
+              </a:spcBef>
+              <a:spcAft>
+                <a:spcPts val="0"/>
+              </a:spcAft>
+              <a:buClr>
+                <a:srgbClr val="FFF9D9"/>
+              </a:buClr>
+              <a:buSzPts val="2000"/>
+              <a:buFont typeface="Nunito"/>
+              <a:buNone/>
+              <a:defRPr sz="2000" b="1" i="0" u="none" strike="noStrike" cap="none">
+                <a:solidFill>
+                  <a:srgbClr val="FFF9D9"/>
+                </a:solidFill>
+                <a:latin typeface="Nunito"/>
+                <a:ea typeface="Nunito"/>
+                <a:cs typeface="Nunito"/>
+                <a:sym typeface="Nunito"/>
+              </a:defRPr>
+            </a:lvl7pPr>
+            <a:lvl8pPr marR="0" lvl="7" algn="l" rtl="0">
+              <a:lnSpc>
+                <a:spcPct val="100000"/>
+              </a:lnSpc>
+              <a:spcBef>
+                <a:spcPts val="0"/>
+              </a:spcBef>
+              <a:spcAft>
+                <a:spcPts val="0"/>
+              </a:spcAft>
+              <a:buClr>
+                <a:srgbClr val="FFF9D9"/>
+              </a:buClr>
+              <a:buSzPts val="2000"/>
+              <a:buFont typeface="Nunito"/>
+              <a:buNone/>
+              <a:defRPr sz="2000" b="1" i="0" u="none" strike="noStrike" cap="none">
+                <a:solidFill>
+                  <a:srgbClr val="FFF9D9"/>
+                </a:solidFill>
+                <a:latin typeface="Nunito"/>
+                <a:ea typeface="Nunito"/>
+                <a:cs typeface="Nunito"/>
+                <a:sym typeface="Nunito"/>
+              </a:defRPr>
+            </a:lvl8pPr>
+            <a:lvl9pPr marR="0" lvl="8" algn="l" rtl="0">
+              <a:lnSpc>
+                <a:spcPct val="100000"/>
+              </a:lnSpc>
+              <a:spcBef>
+                <a:spcPts val="0"/>
+              </a:spcBef>
+              <a:spcAft>
+                <a:spcPts val="0"/>
+              </a:spcAft>
+              <a:buClr>
+                <a:srgbClr val="FFF9D9"/>
+              </a:buClr>
+              <a:buSzPts val="2000"/>
+              <a:buFont typeface="Nunito"/>
+              <a:buNone/>
+              <a:defRPr sz="2000" b="1" i="0" u="none" strike="noStrike" cap="none">
+                <a:solidFill>
+                  <a:srgbClr val="FFF9D9"/>
+                </a:solidFill>
+                <a:latin typeface="Nunito"/>
+                <a:ea typeface="Nunito"/>
+                <a:cs typeface="Nunito"/>
+                <a:sym typeface="Nunito"/>
+              </a:defRPr>
+            </a:lvl9pPr>
+          </a:lstStyle>
+          <a:p>
+            <a:pPr algn="ctr"/>
+            <a:r>
+              <a:rPr lang="pt-BR" sz="1400" dirty="0">
+                <a:solidFill>
+                  <a:srgbClr val="CC8A42"/>
+                </a:solidFill>
+              </a:rPr>
+              <a:t>{{EX_3}}</a:t>
+            </a:r>
+            <a:endParaRPr lang="pt-BR" dirty="0">
+              <a:solidFill>
+                <a:srgbClr val="CC8A42"/>
+              </a:solidFill>
+            </a:endParaRPr>
+          </a:p>
+        </p:txBody>
+      </p:sp>
     </p:spTree>
     <p:extLst>
       <p:ext uri="{BB962C8B-B14F-4D97-AF65-F5344CB8AC3E}">
@@ -19301,6 +23757,18 @@
               </a:spcAft>
               <a:buNone/>
             </a:pPr>
+            <a:r>
+              <a:rPr lang="pt-BR" dirty="0"/>
+              <a:t>{{</a:t>
+            </a:r>
+            <a:r>
+              <a:rPr lang="pt-BR" dirty="0" err="1"/>
+              <a:t>PF_auto</a:t>
+            </a:r>
+            <a:r>
+              <a:rPr lang="pt-BR" dirty="0"/>
+              <a:t>}}</a:t>
+            </a:r>
             <a:endParaRPr dirty="0"/>
           </a:p>
         </p:txBody>
@@ -19416,15 +23884,24 @@
           </a:bodyPr>
           <a:lstStyle/>
           <a:p>
-            <a:pPr marL="0" lvl="0" indent="0" algn="l" rtl="0">
-              <a:spcBef>
-                <a:spcPts val="0"/>
-              </a:spcBef>
+            <a:pPr marL="0" lvl="0" indent="0">
               <a:spcAft>
                 <a:spcPts val="600"/>
               </a:spcAft>
               <a:buNone/>
             </a:pPr>
+            <a:r>
+              <a:rPr lang="pt-BR" dirty="0"/>
+              <a:t>{{</a:t>
+            </a:r>
+            <a:r>
+              <a:rPr lang="pt-BR" dirty="0" err="1"/>
+              <a:t>PF_lider</a:t>
+            </a:r>
+            <a:r>
+              <a:rPr lang="pt-BR" dirty="0"/>
+              <a:t>}}</a:t>
+            </a:r>
             <a:endParaRPr dirty="0"/>
           </a:p>
         </p:txBody>
@@ -19540,15 +24017,24 @@
           </a:bodyPr>
           <a:lstStyle/>
           <a:p>
-            <a:pPr marL="0" lvl="0" indent="0" algn="l" rtl="0">
-              <a:spcBef>
-                <a:spcPts val="0"/>
-              </a:spcBef>
+            <a:pPr marL="0" lvl="0" indent="0">
               <a:spcAft>
                 <a:spcPts val="600"/>
               </a:spcAft>
               <a:buNone/>
             </a:pPr>
+            <a:r>
+              <a:rPr lang="pt-BR" dirty="0"/>
+              <a:t>{{</a:t>
+            </a:r>
+            <a:r>
+              <a:rPr lang="pt-BR" dirty="0" err="1"/>
+              <a:t>PF_liderado</a:t>
+            </a:r>
+            <a:r>
+              <a:rPr lang="pt-BR" dirty="0"/>
+              <a:t>}}</a:t>
+            </a:r>
             <a:endParaRPr dirty="0"/>
           </a:p>
         </p:txBody>
@@ -19614,7 +24100,7 @@
             </a:pPr>
             <a:r>
               <a:rPr lang="pt-BR" sz="2200" dirty="0"/>
-              <a:t>Oportunidades de Melhoria:</a:t>
+              <a:t>Oportunidades de Desenvolvimento:</a:t>
             </a:r>
             <a:br>
               <a:rPr lang="pt-BR" dirty="0"/>
@@ -19658,15 +24144,24 @@
           </a:bodyPr>
           <a:lstStyle/>
           <a:p>
-            <a:pPr marL="0" lvl="0" indent="0" algn="l" rtl="0">
-              <a:spcBef>
-                <a:spcPts val="0"/>
-              </a:spcBef>
+            <a:pPr marL="0" lvl="0" indent="0">
               <a:spcAft>
                 <a:spcPts val="600"/>
               </a:spcAft>
               <a:buNone/>
             </a:pPr>
+            <a:r>
+              <a:rPr lang="pt-BR" dirty="0"/>
+              <a:t>{{</a:t>
+            </a:r>
+            <a:r>
+              <a:rPr lang="pt-BR" dirty="0" err="1"/>
+              <a:t>OD_auto</a:t>
+            </a:r>
+            <a:r>
+              <a:rPr lang="pt-BR" dirty="0"/>
+              <a:t>}}</a:t>
+            </a:r>
             <a:endParaRPr dirty="0"/>
           </a:p>
         </p:txBody>
@@ -19742,7 +24237,7 @@
                   <a:srgbClr val="00A6DC"/>
                 </a:solidFill>
               </a:rPr>
-              <a:t>Oportunidades de Melhoria:</a:t>
+              <a:t>Oportunidades de Desenvolvimento:</a:t>
             </a:r>
             <a:br>
               <a:rPr lang="pt-BR" dirty="0">
@@ -19798,15 +24293,24 @@
           </a:bodyPr>
           <a:lstStyle/>
           <a:p>
-            <a:pPr marL="0" lvl="0" indent="0" algn="l" rtl="0">
-              <a:spcBef>
-                <a:spcPts val="0"/>
-              </a:spcBef>
+            <a:pPr marL="0" lvl="0" indent="0">
               <a:spcAft>
                 <a:spcPts val="600"/>
               </a:spcAft>
               <a:buNone/>
             </a:pPr>
+            <a:r>
+              <a:rPr lang="pt-BR" dirty="0"/>
+              <a:t>{{</a:t>
+            </a:r>
+            <a:r>
+              <a:rPr lang="pt-BR" dirty="0" err="1"/>
+              <a:t>OD_lider</a:t>
+            </a:r>
+            <a:r>
+              <a:rPr lang="pt-BR" dirty="0"/>
+              <a:t>}}</a:t>
+            </a:r>
             <a:endParaRPr dirty="0"/>
           </a:p>
         </p:txBody>
@@ -20847,7 +25351,319 @@
                   <a:srgbClr val="CC8A42"/>
                 </a:solidFill>
               </a:rPr>
-              <a:t>nota_lider_liderados</a:t>
+              <a:t>nota_lider_liderado</a:t>
+            </a:r>
+            <a:r>
+              <a:rPr lang="pt-BR" sz="1400" dirty="0">
+                <a:solidFill>
+                  <a:srgbClr val="CC8A42"/>
+                </a:solidFill>
+              </a:rPr>
+              <a:t>}}</a:t>
+            </a:r>
+            <a:endParaRPr lang="pt-BR" dirty="0">
+              <a:solidFill>
+                <a:srgbClr val="CC8A42"/>
+              </a:solidFill>
+            </a:endParaRPr>
+          </a:p>
+        </p:txBody>
+      </p:sp>
+      <p:sp>
+        <p:nvSpPr>
+          <p:cNvPr id="6" name="Google Shape;494;p69">
+            <a:extLst>
+              <a:ext uri="{FF2B5EF4-FFF2-40B4-BE49-F238E27FC236}">
+                <a16:creationId xmlns:a16="http://schemas.microsoft.com/office/drawing/2014/main" id="{EA14D775-3D49-0634-A7C2-9FC85227D05B}"/>
+              </a:ext>
+            </a:extLst>
+          </p:cNvPr>
+          <p:cNvSpPr txBox="1">
+            <a:spLocks/>
+          </p:cNvSpPr>
+          <p:nvPr/>
+        </p:nvSpPr>
+        <p:spPr>
+          <a:xfrm>
+            <a:off x="2964873" y="1932709"/>
+            <a:ext cx="5960658" cy="2604655"/>
+          </a:xfrm>
+          <a:prstGeom prst="rect">
+            <a:avLst/>
+          </a:prstGeom>
+          <a:noFill/>
+          <a:ln>
+            <a:noFill/>
+          </a:ln>
+        </p:spPr>
+        <p:txBody>
+          <a:bodyPr spcFirstLastPara="1" wrap="square" lIns="91425" tIns="91425" rIns="91425" bIns="91425" anchor="t" anchorCtr="0">
+            <a:normAutofit/>
+          </a:bodyPr>
+          <a:lstStyle>
+            <a:defPPr marR="0" lvl="0" algn="l" rtl="0">
+              <a:lnSpc>
+                <a:spcPct val="100000"/>
+              </a:lnSpc>
+              <a:spcBef>
+                <a:spcPts val="0"/>
+              </a:spcBef>
+              <a:spcAft>
+                <a:spcPts val="0"/>
+              </a:spcAft>
+            </a:defPPr>
+            <a:lvl1pPr marR="0" lvl="0" algn="l" rtl="0">
+              <a:lnSpc>
+                <a:spcPct val="100000"/>
+              </a:lnSpc>
+              <a:spcBef>
+                <a:spcPts val="0"/>
+              </a:spcBef>
+              <a:spcAft>
+                <a:spcPts val="0"/>
+              </a:spcAft>
+              <a:buClr>
+                <a:schemeClr val="lt1"/>
+              </a:buClr>
+              <a:buSzPts val="2000"/>
+              <a:buFont typeface="Nunito"/>
+              <a:buNone/>
+              <a:defRPr sz="2000" b="1" i="0" u="none" strike="noStrike" cap="none">
+                <a:solidFill>
+                  <a:schemeClr val="lt1"/>
+                </a:solidFill>
+                <a:latin typeface="Nunito"/>
+                <a:ea typeface="Nunito"/>
+                <a:cs typeface="Nunito"/>
+                <a:sym typeface="Nunito"/>
+              </a:defRPr>
+            </a:lvl1pPr>
+            <a:lvl2pPr marR="0" lvl="1" algn="l" rtl="0">
+              <a:lnSpc>
+                <a:spcPct val="100000"/>
+              </a:lnSpc>
+              <a:spcBef>
+                <a:spcPts val="0"/>
+              </a:spcBef>
+              <a:spcAft>
+                <a:spcPts val="0"/>
+              </a:spcAft>
+              <a:buClr>
+                <a:srgbClr val="FFF9D9"/>
+              </a:buClr>
+              <a:buSzPts val="2000"/>
+              <a:buFont typeface="Nunito"/>
+              <a:buNone/>
+              <a:defRPr sz="2000" b="1" i="0" u="none" strike="noStrike" cap="none">
+                <a:solidFill>
+                  <a:srgbClr val="FFF9D9"/>
+                </a:solidFill>
+                <a:latin typeface="Nunito"/>
+                <a:ea typeface="Nunito"/>
+                <a:cs typeface="Nunito"/>
+                <a:sym typeface="Nunito"/>
+              </a:defRPr>
+            </a:lvl2pPr>
+            <a:lvl3pPr marR="0" lvl="2" algn="l" rtl="0">
+              <a:lnSpc>
+                <a:spcPct val="100000"/>
+              </a:lnSpc>
+              <a:spcBef>
+                <a:spcPts val="0"/>
+              </a:spcBef>
+              <a:spcAft>
+                <a:spcPts val="0"/>
+              </a:spcAft>
+              <a:buClr>
+                <a:srgbClr val="FFF9D9"/>
+              </a:buClr>
+              <a:buSzPts val="2000"/>
+              <a:buFont typeface="Nunito"/>
+              <a:buNone/>
+              <a:defRPr sz="2000" b="1" i="0" u="none" strike="noStrike" cap="none">
+                <a:solidFill>
+                  <a:srgbClr val="FFF9D9"/>
+                </a:solidFill>
+                <a:latin typeface="Nunito"/>
+                <a:ea typeface="Nunito"/>
+                <a:cs typeface="Nunito"/>
+                <a:sym typeface="Nunito"/>
+              </a:defRPr>
+            </a:lvl3pPr>
+            <a:lvl4pPr marR="0" lvl="3" algn="l" rtl="0">
+              <a:lnSpc>
+                <a:spcPct val="100000"/>
+              </a:lnSpc>
+              <a:spcBef>
+                <a:spcPts val="0"/>
+              </a:spcBef>
+              <a:spcAft>
+                <a:spcPts val="0"/>
+              </a:spcAft>
+              <a:buClr>
+                <a:srgbClr val="FFF9D9"/>
+              </a:buClr>
+              <a:buSzPts val="2000"/>
+              <a:buFont typeface="Nunito"/>
+              <a:buNone/>
+              <a:defRPr sz="2000" b="1" i="0" u="none" strike="noStrike" cap="none">
+                <a:solidFill>
+                  <a:srgbClr val="FFF9D9"/>
+                </a:solidFill>
+                <a:latin typeface="Nunito"/>
+                <a:ea typeface="Nunito"/>
+                <a:cs typeface="Nunito"/>
+                <a:sym typeface="Nunito"/>
+              </a:defRPr>
+            </a:lvl4pPr>
+            <a:lvl5pPr marR="0" lvl="4" algn="l" rtl="0">
+              <a:lnSpc>
+                <a:spcPct val="100000"/>
+              </a:lnSpc>
+              <a:spcBef>
+                <a:spcPts val="0"/>
+              </a:spcBef>
+              <a:spcAft>
+                <a:spcPts val="0"/>
+              </a:spcAft>
+              <a:buClr>
+                <a:srgbClr val="FFF9D9"/>
+              </a:buClr>
+              <a:buSzPts val="2000"/>
+              <a:buFont typeface="Nunito"/>
+              <a:buNone/>
+              <a:defRPr sz="2000" b="1" i="0" u="none" strike="noStrike" cap="none">
+                <a:solidFill>
+                  <a:srgbClr val="FFF9D9"/>
+                </a:solidFill>
+                <a:latin typeface="Nunito"/>
+                <a:ea typeface="Nunito"/>
+                <a:cs typeface="Nunito"/>
+                <a:sym typeface="Nunito"/>
+              </a:defRPr>
+            </a:lvl5pPr>
+            <a:lvl6pPr marR="0" lvl="5" algn="l" rtl="0">
+              <a:lnSpc>
+                <a:spcPct val="100000"/>
+              </a:lnSpc>
+              <a:spcBef>
+                <a:spcPts val="0"/>
+              </a:spcBef>
+              <a:spcAft>
+                <a:spcPts val="0"/>
+              </a:spcAft>
+              <a:buClr>
+                <a:srgbClr val="FFF9D9"/>
+              </a:buClr>
+              <a:buSzPts val="2000"/>
+              <a:buFont typeface="Nunito"/>
+              <a:buNone/>
+              <a:defRPr sz="2000" b="1" i="0" u="none" strike="noStrike" cap="none">
+                <a:solidFill>
+                  <a:srgbClr val="FFF9D9"/>
+                </a:solidFill>
+                <a:latin typeface="Nunito"/>
+                <a:ea typeface="Nunito"/>
+                <a:cs typeface="Nunito"/>
+                <a:sym typeface="Nunito"/>
+              </a:defRPr>
+            </a:lvl6pPr>
+            <a:lvl7pPr marR="0" lvl="6" algn="l" rtl="0">
+              <a:lnSpc>
+                <a:spcPct val="100000"/>
+              </a:lnSpc>
+              <a:spcBef>
+                <a:spcPts val="0"/>
+              </a:spcBef>
+              <a:spcAft>
+                <a:spcPts val="0"/>
+              </a:spcAft>
+              <a:buClr>
+                <a:srgbClr val="FFF9D9"/>
+              </a:buClr>
+              <a:buSzPts val="2000"/>
+              <a:buFont typeface="Nunito"/>
+              <a:buNone/>
+              <a:defRPr sz="2000" b="1" i="0" u="none" strike="noStrike" cap="none">
+                <a:solidFill>
+                  <a:srgbClr val="FFF9D9"/>
+                </a:solidFill>
+                <a:latin typeface="Nunito"/>
+                <a:ea typeface="Nunito"/>
+                <a:cs typeface="Nunito"/>
+                <a:sym typeface="Nunito"/>
+              </a:defRPr>
+            </a:lvl7pPr>
+            <a:lvl8pPr marR="0" lvl="7" algn="l" rtl="0">
+              <a:lnSpc>
+                <a:spcPct val="100000"/>
+              </a:lnSpc>
+              <a:spcBef>
+                <a:spcPts val="0"/>
+              </a:spcBef>
+              <a:spcAft>
+                <a:spcPts val="0"/>
+              </a:spcAft>
+              <a:buClr>
+                <a:srgbClr val="FFF9D9"/>
+              </a:buClr>
+              <a:buSzPts val="2000"/>
+              <a:buFont typeface="Nunito"/>
+              <a:buNone/>
+              <a:defRPr sz="2000" b="1" i="0" u="none" strike="noStrike" cap="none">
+                <a:solidFill>
+                  <a:srgbClr val="FFF9D9"/>
+                </a:solidFill>
+                <a:latin typeface="Nunito"/>
+                <a:ea typeface="Nunito"/>
+                <a:cs typeface="Nunito"/>
+                <a:sym typeface="Nunito"/>
+              </a:defRPr>
+            </a:lvl8pPr>
+            <a:lvl9pPr marR="0" lvl="8" algn="l" rtl="0">
+              <a:lnSpc>
+                <a:spcPct val="100000"/>
+              </a:lnSpc>
+              <a:spcBef>
+                <a:spcPts val="0"/>
+              </a:spcBef>
+              <a:spcAft>
+                <a:spcPts val="0"/>
+              </a:spcAft>
+              <a:buClr>
+                <a:srgbClr val="FFF9D9"/>
+              </a:buClr>
+              <a:buSzPts val="2000"/>
+              <a:buFont typeface="Nunito"/>
+              <a:buNone/>
+              <a:defRPr sz="2000" b="1" i="0" u="none" strike="noStrike" cap="none">
+                <a:solidFill>
+                  <a:srgbClr val="FFF9D9"/>
+                </a:solidFill>
+                <a:latin typeface="Nunito"/>
+                <a:ea typeface="Nunito"/>
+                <a:cs typeface="Nunito"/>
+                <a:sym typeface="Nunito"/>
+              </a:defRPr>
+            </a:lvl9pPr>
+          </a:lstStyle>
+          <a:p>
+            <a:pPr algn="ctr"/>
+            <a:r>
+              <a:rPr lang="pt-BR" sz="1400" dirty="0">
+                <a:solidFill>
+                  <a:srgbClr val="CC8A42"/>
+                </a:solidFill>
+              </a:rPr>
+              <a:t>{{</a:t>
+            </a:r>
+            <a:r>
+              <a:rPr lang="pt-BR" sz="1400" dirty="0" err="1">
+                <a:solidFill>
+                  <a:srgbClr val="CC8A42"/>
+                </a:solidFill>
+              </a:rPr>
+              <a:t>radar_geral</a:t>
             </a:r>
             <a:r>
               <a:rPr lang="pt-BR" sz="1400" dirty="0">
@@ -20942,7 +25758,7 @@
                   <a:srgbClr val="00A6DC"/>
                 </a:solidFill>
               </a:rPr>
-              <a:t>Oportunidades de Melhoria:</a:t>
+              <a:t>Oportunidades de Desenvolvimento:</a:t>
             </a:r>
             <a:br>
               <a:rPr lang="pt-BR" dirty="0">
@@ -20998,15 +25814,24 @@
           </a:bodyPr>
           <a:lstStyle/>
           <a:p>
-            <a:pPr marL="0" lvl="0" indent="0" algn="l" rtl="0">
-              <a:spcBef>
-                <a:spcPts val="0"/>
-              </a:spcBef>
+            <a:pPr marL="0" lvl="0" indent="0">
               <a:spcAft>
                 <a:spcPts val="600"/>
               </a:spcAft>
               <a:buNone/>
             </a:pPr>
+            <a:r>
+              <a:rPr lang="pt-BR" dirty="0"/>
+              <a:t>{{</a:t>
+            </a:r>
+            <a:r>
+              <a:rPr lang="pt-BR" dirty="0" err="1"/>
+              <a:t>OD_liderado</a:t>
+            </a:r>
+            <a:r>
+              <a:rPr lang="pt-BR" dirty="0"/>
+              <a:t>}}</a:t>
+            </a:r>
             <a:endParaRPr dirty="0"/>
           </a:p>
         </p:txBody>
@@ -21465,6 +26290,302 @@
           </a:p>
         </p:txBody>
       </p:sp>
+      <p:sp>
+        <p:nvSpPr>
+          <p:cNvPr id="2" name="Google Shape;494;p69">
+            <a:extLst>
+              <a:ext uri="{FF2B5EF4-FFF2-40B4-BE49-F238E27FC236}">
+                <a16:creationId xmlns:a16="http://schemas.microsoft.com/office/drawing/2014/main" id="{67438848-8CFB-0B7E-23DA-F0F99A3ED3AD}"/>
+              </a:ext>
+            </a:extLst>
+          </p:cNvPr>
+          <p:cNvSpPr txBox="1">
+            <a:spLocks/>
+          </p:cNvSpPr>
+          <p:nvPr/>
+        </p:nvSpPr>
+        <p:spPr>
+          <a:xfrm>
+            <a:off x="3422073" y="1063053"/>
+            <a:ext cx="5320145" cy="3695983"/>
+          </a:xfrm>
+          <a:prstGeom prst="rect">
+            <a:avLst/>
+          </a:prstGeom>
+          <a:noFill/>
+          <a:ln>
+            <a:noFill/>
+          </a:ln>
+        </p:spPr>
+        <p:txBody>
+          <a:bodyPr spcFirstLastPara="1" wrap="square" lIns="91425" tIns="91425" rIns="91425" bIns="91425" anchor="t" anchorCtr="0">
+            <a:normAutofit/>
+          </a:bodyPr>
+          <a:lstStyle>
+            <a:defPPr marR="0" lvl="0" algn="l" rtl="0">
+              <a:lnSpc>
+                <a:spcPct val="100000"/>
+              </a:lnSpc>
+              <a:spcBef>
+                <a:spcPts val="0"/>
+              </a:spcBef>
+              <a:spcAft>
+                <a:spcPts val="0"/>
+              </a:spcAft>
+            </a:defPPr>
+            <a:lvl1pPr marR="0" lvl="0" algn="l" rtl="0">
+              <a:lnSpc>
+                <a:spcPct val="100000"/>
+              </a:lnSpc>
+              <a:spcBef>
+                <a:spcPts val="0"/>
+              </a:spcBef>
+              <a:spcAft>
+                <a:spcPts val="0"/>
+              </a:spcAft>
+              <a:buClr>
+                <a:schemeClr val="lt1"/>
+              </a:buClr>
+              <a:buSzPts val="2000"/>
+              <a:buFont typeface="Nunito"/>
+              <a:buNone/>
+              <a:defRPr sz="2000" b="1" i="0" u="none" strike="noStrike" cap="none">
+                <a:solidFill>
+                  <a:schemeClr val="lt1"/>
+                </a:solidFill>
+                <a:latin typeface="Nunito"/>
+                <a:ea typeface="Nunito"/>
+                <a:cs typeface="Nunito"/>
+                <a:sym typeface="Nunito"/>
+              </a:defRPr>
+            </a:lvl1pPr>
+            <a:lvl2pPr marR="0" lvl="1" algn="l" rtl="0">
+              <a:lnSpc>
+                <a:spcPct val="100000"/>
+              </a:lnSpc>
+              <a:spcBef>
+                <a:spcPts val="0"/>
+              </a:spcBef>
+              <a:spcAft>
+                <a:spcPts val="0"/>
+              </a:spcAft>
+              <a:buClr>
+                <a:srgbClr val="FFF9D9"/>
+              </a:buClr>
+              <a:buSzPts val="2000"/>
+              <a:buFont typeface="Nunito"/>
+              <a:buNone/>
+              <a:defRPr sz="2000" b="1" i="0" u="none" strike="noStrike" cap="none">
+                <a:solidFill>
+                  <a:srgbClr val="FFF9D9"/>
+                </a:solidFill>
+                <a:latin typeface="Nunito"/>
+                <a:ea typeface="Nunito"/>
+                <a:cs typeface="Nunito"/>
+                <a:sym typeface="Nunito"/>
+              </a:defRPr>
+            </a:lvl2pPr>
+            <a:lvl3pPr marR="0" lvl="2" algn="l" rtl="0">
+              <a:lnSpc>
+                <a:spcPct val="100000"/>
+              </a:lnSpc>
+              <a:spcBef>
+                <a:spcPts val="0"/>
+              </a:spcBef>
+              <a:spcAft>
+                <a:spcPts val="0"/>
+              </a:spcAft>
+              <a:buClr>
+                <a:srgbClr val="FFF9D9"/>
+              </a:buClr>
+              <a:buSzPts val="2000"/>
+              <a:buFont typeface="Nunito"/>
+              <a:buNone/>
+              <a:defRPr sz="2000" b="1" i="0" u="none" strike="noStrike" cap="none">
+                <a:solidFill>
+                  <a:srgbClr val="FFF9D9"/>
+                </a:solidFill>
+                <a:latin typeface="Nunito"/>
+                <a:ea typeface="Nunito"/>
+                <a:cs typeface="Nunito"/>
+                <a:sym typeface="Nunito"/>
+              </a:defRPr>
+            </a:lvl3pPr>
+            <a:lvl4pPr marR="0" lvl="3" algn="l" rtl="0">
+              <a:lnSpc>
+                <a:spcPct val="100000"/>
+              </a:lnSpc>
+              <a:spcBef>
+                <a:spcPts val="0"/>
+              </a:spcBef>
+              <a:spcAft>
+                <a:spcPts val="0"/>
+              </a:spcAft>
+              <a:buClr>
+                <a:srgbClr val="FFF9D9"/>
+              </a:buClr>
+              <a:buSzPts val="2000"/>
+              <a:buFont typeface="Nunito"/>
+              <a:buNone/>
+              <a:defRPr sz="2000" b="1" i="0" u="none" strike="noStrike" cap="none">
+                <a:solidFill>
+                  <a:srgbClr val="FFF9D9"/>
+                </a:solidFill>
+                <a:latin typeface="Nunito"/>
+                <a:ea typeface="Nunito"/>
+                <a:cs typeface="Nunito"/>
+                <a:sym typeface="Nunito"/>
+              </a:defRPr>
+            </a:lvl4pPr>
+            <a:lvl5pPr marR="0" lvl="4" algn="l" rtl="0">
+              <a:lnSpc>
+                <a:spcPct val="100000"/>
+              </a:lnSpc>
+              <a:spcBef>
+                <a:spcPts val="0"/>
+              </a:spcBef>
+              <a:spcAft>
+                <a:spcPts val="0"/>
+              </a:spcAft>
+              <a:buClr>
+                <a:srgbClr val="FFF9D9"/>
+              </a:buClr>
+              <a:buSzPts val="2000"/>
+              <a:buFont typeface="Nunito"/>
+              <a:buNone/>
+              <a:defRPr sz="2000" b="1" i="0" u="none" strike="noStrike" cap="none">
+                <a:solidFill>
+                  <a:srgbClr val="FFF9D9"/>
+                </a:solidFill>
+                <a:latin typeface="Nunito"/>
+                <a:ea typeface="Nunito"/>
+                <a:cs typeface="Nunito"/>
+                <a:sym typeface="Nunito"/>
+              </a:defRPr>
+            </a:lvl5pPr>
+            <a:lvl6pPr marR="0" lvl="5" algn="l" rtl="0">
+              <a:lnSpc>
+                <a:spcPct val="100000"/>
+              </a:lnSpc>
+              <a:spcBef>
+                <a:spcPts val="0"/>
+              </a:spcBef>
+              <a:spcAft>
+                <a:spcPts val="0"/>
+              </a:spcAft>
+              <a:buClr>
+                <a:srgbClr val="FFF9D9"/>
+              </a:buClr>
+              <a:buSzPts val="2000"/>
+              <a:buFont typeface="Nunito"/>
+              <a:buNone/>
+              <a:defRPr sz="2000" b="1" i="0" u="none" strike="noStrike" cap="none">
+                <a:solidFill>
+                  <a:srgbClr val="FFF9D9"/>
+                </a:solidFill>
+                <a:latin typeface="Nunito"/>
+                <a:ea typeface="Nunito"/>
+                <a:cs typeface="Nunito"/>
+                <a:sym typeface="Nunito"/>
+              </a:defRPr>
+            </a:lvl6pPr>
+            <a:lvl7pPr marR="0" lvl="6" algn="l" rtl="0">
+              <a:lnSpc>
+                <a:spcPct val="100000"/>
+              </a:lnSpc>
+              <a:spcBef>
+                <a:spcPts val="0"/>
+              </a:spcBef>
+              <a:spcAft>
+                <a:spcPts val="0"/>
+              </a:spcAft>
+              <a:buClr>
+                <a:srgbClr val="FFF9D9"/>
+              </a:buClr>
+              <a:buSzPts val="2000"/>
+              <a:buFont typeface="Nunito"/>
+              <a:buNone/>
+              <a:defRPr sz="2000" b="1" i="0" u="none" strike="noStrike" cap="none">
+                <a:solidFill>
+                  <a:srgbClr val="FFF9D9"/>
+                </a:solidFill>
+                <a:latin typeface="Nunito"/>
+                <a:ea typeface="Nunito"/>
+                <a:cs typeface="Nunito"/>
+                <a:sym typeface="Nunito"/>
+              </a:defRPr>
+            </a:lvl7pPr>
+            <a:lvl8pPr marR="0" lvl="7" algn="l" rtl="0">
+              <a:lnSpc>
+                <a:spcPct val="100000"/>
+              </a:lnSpc>
+              <a:spcBef>
+                <a:spcPts val="0"/>
+              </a:spcBef>
+              <a:spcAft>
+                <a:spcPts val="0"/>
+              </a:spcAft>
+              <a:buClr>
+                <a:srgbClr val="FFF9D9"/>
+              </a:buClr>
+              <a:buSzPts val="2000"/>
+              <a:buFont typeface="Nunito"/>
+              <a:buNone/>
+              <a:defRPr sz="2000" b="1" i="0" u="none" strike="noStrike" cap="none">
+                <a:solidFill>
+                  <a:srgbClr val="FFF9D9"/>
+                </a:solidFill>
+                <a:latin typeface="Nunito"/>
+                <a:ea typeface="Nunito"/>
+                <a:cs typeface="Nunito"/>
+                <a:sym typeface="Nunito"/>
+              </a:defRPr>
+            </a:lvl8pPr>
+            <a:lvl9pPr marR="0" lvl="8" algn="l" rtl="0">
+              <a:lnSpc>
+                <a:spcPct val="100000"/>
+              </a:lnSpc>
+              <a:spcBef>
+                <a:spcPts val="0"/>
+              </a:spcBef>
+              <a:spcAft>
+                <a:spcPts val="0"/>
+              </a:spcAft>
+              <a:buClr>
+                <a:srgbClr val="FFF9D9"/>
+              </a:buClr>
+              <a:buSzPts val="2000"/>
+              <a:buFont typeface="Nunito"/>
+              <a:buNone/>
+              <a:defRPr sz="2000" b="1" i="0" u="none" strike="noStrike" cap="none">
+                <a:solidFill>
+                  <a:srgbClr val="FFF9D9"/>
+                </a:solidFill>
+                <a:latin typeface="Nunito"/>
+                <a:ea typeface="Nunito"/>
+                <a:cs typeface="Nunito"/>
+                <a:sym typeface="Nunito"/>
+              </a:defRPr>
+            </a:lvl9pPr>
+          </a:lstStyle>
+          <a:p>
+            <a:pPr algn="ctr"/>
+            <a:r>
+              <a:rPr lang="pt-BR" sz="1400" dirty="0">
+                <a:solidFill>
+                  <a:srgbClr val="CC8A42"/>
+                </a:solidFill>
+              </a:rPr>
+              <a:t>{{VS_1}}</a:t>
+            </a:r>
+            <a:endParaRPr lang="pt-BR" dirty="0">
+              <a:solidFill>
+                <a:srgbClr val="CC8A42"/>
+              </a:solidFill>
+            </a:endParaRPr>
+          </a:p>
+        </p:txBody>
+      </p:sp>
     </p:spTree>
   </p:cSld>
   <p:clrMapOvr>
@@ -21831,6 +26952,302 @@
               </a:rPr>
               <a:t>Identifica e compartilha com o time possíveis ferramentas e soluções para o andamento do projeto.</a:t>
             </a:r>
+          </a:p>
+        </p:txBody>
+      </p:sp>
+      <p:sp>
+        <p:nvSpPr>
+          <p:cNvPr id="2" name="Google Shape;494;p69">
+            <a:extLst>
+              <a:ext uri="{FF2B5EF4-FFF2-40B4-BE49-F238E27FC236}">
+                <a16:creationId xmlns:a16="http://schemas.microsoft.com/office/drawing/2014/main" id="{3E2FF0FB-F42F-F32D-3BA5-40C3A2A151D7}"/>
+              </a:ext>
+            </a:extLst>
+          </p:cNvPr>
+          <p:cNvSpPr txBox="1">
+            <a:spLocks/>
+          </p:cNvSpPr>
+          <p:nvPr/>
+        </p:nvSpPr>
+        <p:spPr>
+          <a:xfrm>
+            <a:off x="3422073" y="1063053"/>
+            <a:ext cx="5320145" cy="3695983"/>
+          </a:xfrm>
+          <a:prstGeom prst="rect">
+            <a:avLst/>
+          </a:prstGeom>
+          <a:noFill/>
+          <a:ln>
+            <a:noFill/>
+          </a:ln>
+        </p:spPr>
+        <p:txBody>
+          <a:bodyPr spcFirstLastPara="1" wrap="square" lIns="91425" tIns="91425" rIns="91425" bIns="91425" anchor="t" anchorCtr="0">
+            <a:normAutofit/>
+          </a:bodyPr>
+          <a:lstStyle>
+            <a:defPPr marR="0" lvl="0" algn="l" rtl="0">
+              <a:lnSpc>
+                <a:spcPct val="100000"/>
+              </a:lnSpc>
+              <a:spcBef>
+                <a:spcPts val="0"/>
+              </a:spcBef>
+              <a:spcAft>
+                <a:spcPts val="0"/>
+              </a:spcAft>
+            </a:defPPr>
+            <a:lvl1pPr marR="0" lvl="0" algn="l" rtl="0">
+              <a:lnSpc>
+                <a:spcPct val="100000"/>
+              </a:lnSpc>
+              <a:spcBef>
+                <a:spcPts val="0"/>
+              </a:spcBef>
+              <a:spcAft>
+                <a:spcPts val="0"/>
+              </a:spcAft>
+              <a:buClr>
+                <a:schemeClr val="lt1"/>
+              </a:buClr>
+              <a:buSzPts val="2000"/>
+              <a:buFont typeface="Nunito"/>
+              <a:buNone/>
+              <a:defRPr sz="2000" b="1" i="0" u="none" strike="noStrike" cap="none">
+                <a:solidFill>
+                  <a:schemeClr val="lt1"/>
+                </a:solidFill>
+                <a:latin typeface="Nunito"/>
+                <a:ea typeface="Nunito"/>
+                <a:cs typeface="Nunito"/>
+                <a:sym typeface="Nunito"/>
+              </a:defRPr>
+            </a:lvl1pPr>
+            <a:lvl2pPr marR="0" lvl="1" algn="l" rtl="0">
+              <a:lnSpc>
+                <a:spcPct val="100000"/>
+              </a:lnSpc>
+              <a:spcBef>
+                <a:spcPts val="0"/>
+              </a:spcBef>
+              <a:spcAft>
+                <a:spcPts val="0"/>
+              </a:spcAft>
+              <a:buClr>
+                <a:srgbClr val="FFF9D9"/>
+              </a:buClr>
+              <a:buSzPts val="2000"/>
+              <a:buFont typeface="Nunito"/>
+              <a:buNone/>
+              <a:defRPr sz="2000" b="1" i="0" u="none" strike="noStrike" cap="none">
+                <a:solidFill>
+                  <a:srgbClr val="FFF9D9"/>
+                </a:solidFill>
+                <a:latin typeface="Nunito"/>
+                <a:ea typeface="Nunito"/>
+                <a:cs typeface="Nunito"/>
+                <a:sym typeface="Nunito"/>
+              </a:defRPr>
+            </a:lvl2pPr>
+            <a:lvl3pPr marR="0" lvl="2" algn="l" rtl="0">
+              <a:lnSpc>
+                <a:spcPct val="100000"/>
+              </a:lnSpc>
+              <a:spcBef>
+                <a:spcPts val="0"/>
+              </a:spcBef>
+              <a:spcAft>
+                <a:spcPts val="0"/>
+              </a:spcAft>
+              <a:buClr>
+                <a:srgbClr val="FFF9D9"/>
+              </a:buClr>
+              <a:buSzPts val="2000"/>
+              <a:buFont typeface="Nunito"/>
+              <a:buNone/>
+              <a:defRPr sz="2000" b="1" i="0" u="none" strike="noStrike" cap="none">
+                <a:solidFill>
+                  <a:srgbClr val="FFF9D9"/>
+                </a:solidFill>
+                <a:latin typeface="Nunito"/>
+                <a:ea typeface="Nunito"/>
+                <a:cs typeface="Nunito"/>
+                <a:sym typeface="Nunito"/>
+              </a:defRPr>
+            </a:lvl3pPr>
+            <a:lvl4pPr marR="0" lvl="3" algn="l" rtl="0">
+              <a:lnSpc>
+                <a:spcPct val="100000"/>
+              </a:lnSpc>
+              <a:spcBef>
+                <a:spcPts val="0"/>
+              </a:spcBef>
+              <a:spcAft>
+                <a:spcPts val="0"/>
+              </a:spcAft>
+              <a:buClr>
+                <a:srgbClr val="FFF9D9"/>
+              </a:buClr>
+              <a:buSzPts val="2000"/>
+              <a:buFont typeface="Nunito"/>
+              <a:buNone/>
+              <a:defRPr sz="2000" b="1" i="0" u="none" strike="noStrike" cap="none">
+                <a:solidFill>
+                  <a:srgbClr val="FFF9D9"/>
+                </a:solidFill>
+                <a:latin typeface="Nunito"/>
+                <a:ea typeface="Nunito"/>
+                <a:cs typeface="Nunito"/>
+                <a:sym typeface="Nunito"/>
+              </a:defRPr>
+            </a:lvl4pPr>
+            <a:lvl5pPr marR="0" lvl="4" algn="l" rtl="0">
+              <a:lnSpc>
+                <a:spcPct val="100000"/>
+              </a:lnSpc>
+              <a:spcBef>
+                <a:spcPts val="0"/>
+              </a:spcBef>
+              <a:spcAft>
+                <a:spcPts val="0"/>
+              </a:spcAft>
+              <a:buClr>
+                <a:srgbClr val="FFF9D9"/>
+              </a:buClr>
+              <a:buSzPts val="2000"/>
+              <a:buFont typeface="Nunito"/>
+              <a:buNone/>
+              <a:defRPr sz="2000" b="1" i="0" u="none" strike="noStrike" cap="none">
+                <a:solidFill>
+                  <a:srgbClr val="FFF9D9"/>
+                </a:solidFill>
+                <a:latin typeface="Nunito"/>
+                <a:ea typeface="Nunito"/>
+                <a:cs typeface="Nunito"/>
+                <a:sym typeface="Nunito"/>
+              </a:defRPr>
+            </a:lvl5pPr>
+            <a:lvl6pPr marR="0" lvl="5" algn="l" rtl="0">
+              <a:lnSpc>
+                <a:spcPct val="100000"/>
+              </a:lnSpc>
+              <a:spcBef>
+                <a:spcPts val="0"/>
+              </a:spcBef>
+              <a:spcAft>
+                <a:spcPts val="0"/>
+              </a:spcAft>
+              <a:buClr>
+                <a:srgbClr val="FFF9D9"/>
+              </a:buClr>
+              <a:buSzPts val="2000"/>
+              <a:buFont typeface="Nunito"/>
+              <a:buNone/>
+              <a:defRPr sz="2000" b="1" i="0" u="none" strike="noStrike" cap="none">
+                <a:solidFill>
+                  <a:srgbClr val="FFF9D9"/>
+                </a:solidFill>
+                <a:latin typeface="Nunito"/>
+                <a:ea typeface="Nunito"/>
+                <a:cs typeface="Nunito"/>
+                <a:sym typeface="Nunito"/>
+              </a:defRPr>
+            </a:lvl6pPr>
+            <a:lvl7pPr marR="0" lvl="6" algn="l" rtl="0">
+              <a:lnSpc>
+                <a:spcPct val="100000"/>
+              </a:lnSpc>
+              <a:spcBef>
+                <a:spcPts val="0"/>
+              </a:spcBef>
+              <a:spcAft>
+                <a:spcPts val="0"/>
+              </a:spcAft>
+              <a:buClr>
+                <a:srgbClr val="FFF9D9"/>
+              </a:buClr>
+              <a:buSzPts val="2000"/>
+              <a:buFont typeface="Nunito"/>
+              <a:buNone/>
+              <a:defRPr sz="2000" b="1" i="0" u="none" strike="noStrike" cap="none">
+                <a:solidFill>
+                  <a:srgbClr val="FFF9D9"/>
+                </a:solidFill>
+                <a:latin typeface="Nunito"/>
+                <a:ea typeface="Nunito"/>
+                <a:cs typeface="Nunito"/>
+                <a:sym typeface="Nunito"/>
+              </a:defRPr>
+            </a:lvl7pPr>
+            <a:lvl8pPr marR="0" lvl="7" algn="l" rtl="0">
+              <a:lnSpc>
+                <a:spcPct val="100000"/>
+              </a:lnSpc>
+              <a:spcBef>
+                <a:spcPts val="0"/>
+              </a:spcBef>
+              <a:spcAft>
+                <a:spcPts val="0"/>
+              </a:spcAft>
+              <a:buClr>
+                <a:srgbClr val="FFF9D9"/>
+              </a:buClr>
+              <a:buSzPts val="2000"/>
+              <a:buFont typeface="Nunito"/>
+              <a:buNone/>
+              <a:defRPr sz="2000" b="1" i="0" u="none" strike="noStrike" cap="none">
+                <a:solidFill>
+                  <a:srgbClr val="FFF9D9"/>
+                </a:solidFill>
+                <a:latin typeface="Nunito"/>
+                <a:ea typeface="Nunito"/>
+                <a:cs typeface="Nunito"/>
+                <a:sym typeface="Nunito"/>
+              </a:defRPr>
+            </a:lvl8pPr>
+            <a:lvl9pPr marR="0" lvl="8" algn="l" rtl="0">
+              <a:lnSpc>
+                <a:spcPct val="100000"/>
+              </a:lnSpc>
+              <a:spcBef>
+                <a:spcPts val="0"/>
+              </a:spcBef>
+              <a:spcAft>
+                <a:spcPts val="0"/>
+              </a:spcAft>
+              <a:buClr>
+                <a:srgbClr val="FFF9D9"/>
+              </a:buClr>
+              <a:buSzPts val="2000"/>
+              <a:buFont typeface="Nunito"/>
+              <a:buNone/>
+              <a:defRPr sz="2000" b="1" i="0" u="none" strike="noStrike" cap="none">
+                <a:solidFill>
+                  <a:srgbClr val="FFF9D9"/>
+                </a:solidFill>
+                <a:latin typeface="Nunito"/>
+                <a:ea typeface="Nunito"/>
+                <a:cs typeface="Nunito"/>
+                <a:sym typeface="Nunito"/>
+              </a:defRPr>
+            </a:lvl9pPr>
+          </a:lstStyle>
+          <a:p>
+            <a:pPr algn="ctr"/>
+            <a:r>
+              <a:rPr lang="pt-BR" sz="1400" dirty="0">
+                <a:solidFill>
+                  <a:srgbClr val="CC8A42"/>
+                </a:solidFill>
+              </a:rPr>
+              <a:t>{{VS_2}}</a:t>
+            </a:r>
+            <a:endParaRPr lang="pt-BR" dirty="0">
+              <a:solidFill>
+                <a:srgbClr val="CC8A42"/>
+              </a:solidFill>
+            </a:endParaRPr>
           </a:p>
         </p:txBody>
       </p:sp>
@@ -22208,6 +27625,302 @@
           </a:p>
         </p:txBody>
       </p:sp>
+      <p:sp>
+        <p:nvSpPr>
+          <p:cNvPr id="2" name="Google Shape;494;p69">
+            <a:extLst>
+              <a:ext uri="{FF2B5EF4-FFF2-40B4-BE49-F238E27FC236}">
+                <a16:creationId xmlns:a16="http://schemas.microsoft.com/office/drawing/2014/main" id="{B2C3F2DF-5405-0463-9AFE-6F3CCB9B5472}"/>
+              </a:ext>
+            </a:extLst>
+          </p:cNvPr>
+          <p:cNvSpPr txBox="1">
+            <a:spLocks/>
+          </p:cNvSpPr>
+          <p:nvPr/>
+        </p:nvSpPr>
+        <p:spPr>
+          <a:xfrm>
+            <a:off x="3422073" y="1063053"/>
+            <a:ext cx="5320145" cy="3695983"/>
+          </a:xfrm>
+          <a:prstGeom prst="rect">
+            <a:avLst/>
+          </a:prstGeom>
+          <a:noFill/>
+          <a:ln>
+            <a:noFill/>
+          </a:ln>
+        </p:spPr>
+        <p:txBody>
+          <a:bodyPr spcFirstLastPara="1" wrap="square" lIns="91425" tIns="91425" rIns="91425" bIns="91425" anchor="t" anchorCtr="0">
+            <a:normAutofit/>
+          </a:bodyPr>
+          <a:lstStyle>
+            <a:defPPr marR="0" lvl="0" algn="l" rtl="0">
+              <a:lnSpc>
+                <a:spcPct val="100000"/>
+              </a:lnSpc>
+              <a:spcBef>
+                <a:spcPts val="0"/>
+              </a:spcBef>
+              <a:spcAft>
+                <a:spcPts val="0"/>
+              </a:spcAft>
+            </a:defPPr>
+            <a:lvl1pPr marR="0" lvl="0" algn="l" rtl="0">
+              <a:lnSpc>
+                <a:spcPct val="100000"/>
+              </a:lnSpc>
+              <a:spcBef>
+                <a:spcPts val="0"/>
+              </a:spcBef>
+              <a:spcAft>
+                <a:spcPts val="0"/>
+              </a:spcAft>
+              <a:buClr>
+                <a:schemeClr val="lt1"/>
+              </a:buClr>
+              <a:buSzPts val="2000"/>
+              <a:buFont typeface="Nunito"/>
+              <a:buNone/>
+              <a:defRPr sz="2000" b="1" i="0" u="none" strike="noStrike" cap="none">
+                <a:solidFill>
+                  <a:schemeClr val="lt1"/>
+                </a:solidFill>
+                <a:latin typeface="Nunito"/>
+                <a:ea typeface="Nunito"/>
+                <a:cs typeface="Nunito"/>
+                <a:sym typeface="Nunito"/>
+              </a:defRPr>
+            </a:lvl1pPr>
+            <a:lvl2pPr marR="0" lvl="1" algn="l" rtl="0">
+              <a:lnSpc>
+                <a:spcPct val="100000"/>
+              </a:lnSpc>
+              <a:spcBef>
+                <a:spcPts val="0"/>
+              </a:spcBef>
+              <a:spcAft>
+                <a:spcPts val="0"/>
+              </a:spcAft>
+              <a:buClr>
+                <a:srgbClr val="FFF9D9"/>
+              </a:buClr>
+              <a:buSzPts val="2000"/>
+              <a:buFont typeface="Nunito"/>
+              <a:buNone/>
+              <a:defRPr sz="2000" b="1" i="0" u="none" strike="noStrike" cap="none">
+                <a:solidFill>
+                  <a:srgbClr val="FFF9D9"/>
+                </a:solidFill>
+                <a:latin typeface="Nunito"/>
+                <a:ea typeface="Nunito"/>
+                <a:cs typeface="Nunito"/>
+                <a:sym typeface="Nunito"/>
+              </a:defRPr>
+            </a:lvl2pPr>
+            <a:lvl3pPr marR="0" lvl="2" algn="l" rtl="0">
+              <a:lnSpc>
+                <a:spcPct val="100000"/>
+              </a:lnSpc>
+              <a:spcBef>
+                <a:spcPts val="0"/>
+              </a:spcBef>
+              <a:spcAft>
+                <a:spcPts val="0"/>
+              </a:spcAft>
+              <a:buClr>
+                <a:srgbClr val="FFF9D9"/>
+              </a:buClr>
+              <a:buSzPts val="2000"/>
+              <a:buFont typeface="Nunito"/>
+              <a:buNone/>
+              <a:defRPr sz="2000" b="1" i="0" u="none" strike="noStrike" cap="none">
+                <a:solidFill>
+                  <a:srgbClr val="FFF9D9"/>
+                </a:solidFill>
+                <a:latin typeface="Nunito"/>
+                <a:ea typeface="Nunito"/>
+                <a:cs typeface="Nunito"/>
+                <a:sym typeface="Nunito"/>
+              </a:defRPr>
+            </a:lvl3pPr>
+            <a:lvl4pPr marR="0" lvl="3" algn="l" rtl="0">
+              <a:lnSpc>
+                <a:spcPct val="100000"/>
+              </a:lnSpc>
+              <a:spcBef>
+                <a:spcPts val="0"/>
+              </a:spcBef>
+              <a:spcAft>
+                <a:spcPts val="0"/>
+              </a:spcAft>
+              <a:buClr>
+                <a:srgbClr val="FFF9D9"/>
+              </a:buClr>
+              <a:buSzPts val="2000"/>
+              <a:buFont typeface="Nunito"/>
+              <a:buNone/>
+              <a:defRPr sz="2000" b="1" i="0" u="none" strike="noStrike" cap="none">
+                <a:solidFill>
+                  <a:srgbClr val="FFF9D9"/>
+                </a:solidFill>
+                <a:latin typeface="Nunito"/>
+                <a:ea typeface="Nunito"/>
+                <a:cs typeface="Nunito"/>
+                <a:sym typeface="Nunito"/>
+              </a:defRPr>
+            </a:lvl4pPr>
+            <a:lvl5pPr marR="0" lvl="4" algn="l" rtl="0">
+              <a:lnSpc>
+                <a:spcPct val="100000"/>
+              </a:lnSpc>
+              <a:spcBef>
+                <a:spcPts val="0"/>
+              </a:spcBef>
+              <a:spcAft>
+                <a:spcPts val="0"/>
+              </a:spcAft>
+              <a:buClr>
+                <a:srgbClr val="FFF9D9"/>
+              </a:buClr>
+              <a:buSzPts val="2000"/>
+              <a:buFont typeface="Nunito"/>
+              <a:buNone/>
+              <a:defRPr sz="2000" b="1" i="0" u="none" strike="noStrike" cap="none">
+                <a:solidFill>
+                  <a:srgbClr val="FFF9D9"/>
+                </a:solidFill>
+                <a:latin typeface="Nunito"/>
+                <a:ea typeface="Nunito"/>
+                <a:cs typeface="Nunito"/>
+                <a:sym typeface="Nunito"/>
+              </a:defRPr>
+            </a:lvl5pPr>
+            <a:lvl6pPr marR="0" lvl="5" algn="l" rtl="0">
+              <a:lnSpc>
+                <a:spcPct val="100000"/>
+              </a:lnSpc>
+              <a:spcBef>
+                <a:spcPts val="0"/>
+              </a:spcBef>
+              <a:spcAft>
+                <a:spcPts val="0"/>
+              </a:spcAft>
+              <a:buClr>
+                <a:srgbClr val="FFF9D9"/>
+              </a:buClr>
+              <a:buSzPts val="2000"/>
+              <a:buFont typeface="Nunito"/>
+              <a:buNone/>
+              <a:defRPr sz="2000" b="1" i="0" u="none" strike="noStrike" cap="none">
+                <a:solidFill>
+                  <a:srgbClr val="FFF9D9"/>
+                </a:solidFill>
+                <a:latin typeface="Nunito"/>
+                <a:ea typeface="Nunito"/>
+                <a:cs typeface="Nunito"/>
+                <a:sym typeface="Nunito"/>
+              </a:defRPr>
+            </a:lvl6pPr>
+            <a:lvl7pPr marR="0" lvl="6" algn="l" rtl="0">
+              <a:lnSpc>
+                <a:spcPct val="100000"/>
+              </a:lnSpc>
+              <a:spcBef>
+                <a:spcPts val="0"/>
+              </a:spcBef>
+              <a:spcAft>
+                <a:spcPts val="0"/>
+              </a:spcAft>
+              <a:buClr>
+                <a:srgbClr val="FFF9D9"/>
+              </a:buClr>
+              <a:buSzPts val="2000"/>
+              <a:buFont typeface="Nunito"/>
+              <a:buNone/>
+              <a:defRPr sz="2000" b="1" i="0" u="none" strike="noStrike" cap="none">
+                <a:solidFill>
+                  <a:srgbClr val="FFF9D9"/>
+                </a:solidFill>
+                <a:latin typeface="Nunito"/>
+                <a:ea typeface="Nunito"/>
+                <a:cs typeface="Nunito"/>
+                <a:sym typeface="Nunito"/>
+              </a:defRPr>
+            </a:lvl7pPr>
+            <a:lvl8pPr marR="0" lvl="7" algn="l" rtl="0">
+              <a:lnSpc>
+                <a:spcPct val="100000"/>
+              </a:lnSpc>
+              <a:spcBef>
+                <a:spcPts val="0"/>
+              </a:spcBef>
+              <a:spcAft>
+                <a:spcPts val="0"/>
+              </a:spcAft>
+              <a:buClr>
+                <a:srgbClr val="FFF9D9"/>
+              </a:buClr>
+              <a:buSzPts val="2000"/>
+              <a:buFont typeface="Nunito"/>
+              <a:buNone/>
+              <a:defRPr sz="2000" b="1" i="0" u="none" strike="noStrike" cap="none">
+                <a:solidFill>
+                  <a:srgbClr val="FFF9D9"/>
+                </a:solidFill>
+                <a:latin typeface="Nunito"/>
+                <a:ea typeface="Nunito"/>
+                <a:cs typeface="Nunito"/>
+                <a:sym typeface="Nunito"/>
+              </a:defRPr>
+            </a:lvl8pPr>
+            <a:lvl9pPr marR="0" lvl="8" algn="l" rtl="0">
+              <a:lnSpc>
+                <a:spcPct val="100000"/>
+              </a:lnSpc>
+              <a:spcBef>
+                <a:spcPts val="0"/>
+              </a:spcBef>
+              <a:spcAft>
+                <a:spcPts val="0"/>
+              </a:spcAft>
+              <a:buClr>
+                <a:srgbClr val="FFF9D9"/>
+              </a:buClr>
+              <a:buSzPts val="2000"/>
+              <a:buFont typeface="Nunito"/>
+              <a:buNone/>
+              <a:defRPr sz="2000" b="1" i="0" u="none" strike="noStrike" cap="none">
+                <a:solidFill>
+                  <a:srgbClr val="FFF9D9"/>
+                </a:solidFill>
+                <a:latin typeface="Nunito"/>
+                <a:ea typeface="Nunito"/>
+                <a:cs typeface="Nunito"/>
+                <a:sym typeface="Nunito"/>
+              </a:defRPr>
+            </a:lvl9pPr>
+          </a:lstStyle>
+          <a:p>
+            <a:pPr algn="ctr"/>
+            <a:r>
+              <a:rPr lang="pt-BR" sz="1400" dirty="0">
+                <a:solidFill>
+                  <a:srgbClr val="CC8A42"/>
+                </a:solidFill>
+              </a:rPr>
+              <a:t>{{VS_3}}</a:t>
+            </a:r>
+            <a:endParaRPr lang="pt-BR" dirty="0">
+              <a:solidFill>
+                <a:srgbClr val="CC8A42"/>
+              </a:solidFill>
+            </a:endParaRPr>
+          </a:p>
+        </p:txBody>
+      </p:sp>
     </p:spTree>
     <p:extLst>
       <p:ext uri="{BB962C8B-B14F-4D97-AF65-F5344CB8AC3E}">
@@ -22582,6 +28295,302 @@
           </a:p>
         </p:txBody>
       </p:sp>
+      <p:sp>
+        <p:nvSpPr>
+          <p:cNvPr id="2" name="Google Shape;494;p69">
+            <a:extLst>
+              <a:ext uri="{FF2B5EF4-FFF2-40B4-BE49-F238E27FC236}">
+                <a16:creationId xmlns:a16="http://schemas.microsoft.com/office/drawing/2014/main" id="{BF5A29DC-F2CC-870E-1FFD-B565A6110D61}"/>
+              </a:ext>
+            </a:extLst>
+          </p:cNvPr>
+          <p:cNvSpPr txBox="1">
+            <a:spLocks/>
+          </p:cNvSpPr>
+          <p:nvPr/>
+        </p:nvSpPr>
+        <p:spPr>
+          <a:xfrm>
+            <a:off x="3422073" y="1063053"/>
+            <a:ext cx="5320145" cy="3695983"/>
+          </a:xfrm>
+          <a:prstGeom prst="rect">
+            <a:avLst/>
+          </a:prstGeom>
+          <a:noFill/>
+          <a:ln>
+            <a:noFill/>
+          </a:ln>
+        </p:spPr>
+        <p:txBody>
+          <a:bodyPr spcFirstLastPara="1" wrap="square" lIns="91425" tIns="91425" rIns="91425" bIns="91425" anchor="t" anchorCtr="0">
+            <a:normAutofit/>
+          </a:bodyPr>
+          <a:lstStyle>
+            <a:defPPr marR="0" lvl="0" algn="l" rtl="0">
+              <a:lnSpc>
+                <a:spcPct val="100000"/>
+              </a:lnSpc>
+              <a:spcBef>
+                <a:spcPts val="0"/>
+              </a:spcBef>
+              <a:spcAft>
+                <a:spcPts val="0"/>
+              </a:spcAft>
+            </a:defPPr>
+            <a:lvl1pPr marR="0" lvl="0" algn="l" rtl="0">
+              <a:lnSpc>
+                <a:spcPct val="100000"/>
+              </a:lnSpc>
+              <a:spcBef>
+                <a:spcPts val="0"/>
+              </a:spcBef>
+              <a:spcAft>
+                <a:spcPts val="0"/>
+              </a:spcAft>
+              <a:buClr>
+                <a:schemeClr val="lt1"/>
+              </a:buClr>
+              <a:buSzPts val="2000"/>
+              <a:buFont typeface="Nunito"/>
+              <a:buNone/>
+              <a:defRPr sz="2000" b="1" i="0" u="none" strike="noStrike" cap="none">
+                <a:solidFill>
+                  <a:schemeClr val="lt1"/>
+                </a:solidFill>
+                <a:latin typeface="Nunito"/>
+                <a:ea typeface="Nunito"/>
+                <a:cs typeface="Nunito"/>
+                <a:sym typeface="Nunito"/>
+              </a:defRPr>
+            </a:lvl1pPr>
+            <a:lvl2pPr marR="0" lvl="1" algn="l" rtl="0">
+              <a:lnSpc>
+                <a:spcPct val="100000"/>
+              </a:lnSpc>
+              <a:spcBef>
+                <a:spcPts val="0"/>
+              </a:spcBef>
+              <a:spcAft>
+                <a:spcPts val="0"/>
+              </a:spcAft>
+              <a:buClr>
+                <a:srgbClr val="FFF9D9"/>
+              </a:buClr>
+              <a:buSzPts val="2000"/>
+              <a:buFont typeface="Nunito"/>
+              <a:buNone/>
+              <a:defRPr sz="2000" b="1" i="0" u="none" strike="noStrike" cap="none">
+                <a:solidFill>
+                  <a:srgbClr val="FFF9D9"/>
+                </a:solidFill>
+                <a:latin typeface="Nunito"/>
+                <a:ea typeface="Nunito"/>
+                <a:cs typeface="Nunito"/>
+                <a:sym typeface="Nunito"/>
+              </a:defRPr>
+            </a:lvl2pPr>
+            <a:lvl3pPr marR="0" lvl="2" algn="l" rtl="0">
+              <a:lnSpc>
+                <a:spcPct val="100000"/>
+              </a:lnSpc>
+              <a:spcBef>
+                <a:spcPts val="0"/>
+              </a:spcBef>
+              <a:spcAft>
+                <a:spcPts val="0"/>
+              </a:spcAft>
+              <a:buClr>
+                <a:srgbClr val="FFF9D9"/>
+              </a:buClr>
+              <a:buSzPts val="2000"/>
+              <a:buFont typeface="Nunito"/>
+              <a:buNone/>
+              <a:defRPr sz="2000" b="1" i="0" u="none" strike="noStrike" cap="none">
+                <a:solidFill>
+                  <a:srgbClr val="FFF9D9"/>
+                </a:solidFill>
+                <a:latin typeface="Nunito"/>
+                <a:ea typeface="Nunito"/>
+                <a:cs typeface="Nunito"/>
+                <a:sym typeface="Nunito"/>
+              </a:defRPr>
+            </a:lvl3pPr>
+            <a:lvl4pPr marR="0" lvl="3" algn="l" rtl="0">
+              <a:lnSpc>
+                <a:spcPct val="100000"/>
+              </a:lnSpc>
+              <a:spcBef>
+                <a:spcPts val="0"/>
+              </a:spcBef>
+              <a:spcAft>
+                <a:spcPts val="0"/>
+              </a:spcAft>
+              <a:buClr>
+                <a:srgbClr val="FFF9D9"/>
+              </a:buClr>
+              <a:buSzPts val="2000"/>
+              <a:buFont typeface="Nunito"/>
+              <a:buNone/>
+              <a:defRPr sz="2000" b="1" i="0" u="none" strike="noStrike" cap="none">
+                <a:solidFill>
+                  <a:srgbClr val="FFF9D9"/>
+                </a:solidFill>
+                <a:latin typeface="Nunito"/>
+                <a:ea typeface="Nunito"/>
+                <a:cs typeface="Nunito"/>
+                <a:sym typeface="Nunito"/>
+              </a:defRPr>
+            </a:lvl4pPr>
+            <a:lvl5pPr marR="0" lvl="4" algn="l" rtl="0">
+              <a:lnSpc>
+                <a:spcPct val="100000"/>
+              </a:lnSpc>
+              <a:spcBef>
+                <a:spcPts val="0"/>
+              </a:spcBef>
+              <a:spcAft>
+                <a:spcPts val="0"/>
+              </a:spcAft>
+              <a:buClr>
+                <a:srgbClr val="FFF9D9"/>
+              </a:buClr>
+              <a:buSzPts val="2000"/>
+              <a:buFont typeface="Nunito"/>
+              <a:buNone/>
+              <a:defRPr sz="2000" b="1" i="0" u="none" strike="noStrike" cap="none">
+                <a:solidFill>
+                  <a:srgbClr val="FFF9D9"/>
+                </a:solidFill>
+                <a:latin typeface="Nunito"/>
+                <a:ea typeface="Nunito"/>
+                <a:cs typeface="Nunito"/>
+                <a:sym typeface="Nunito"/>
+              </a:defRPr>
+            </a:lvl5pPr>
+            <a:lvl6pPr marR="0" lvl="5" algn="l" rtl="0">
+              <a:lnSpc>
+                <a:spcPct val="100000"/>
+              </a:lnSpc>
+              <a:spcBef>
+                <a:spcPts val="0"/>
+              </a:spcBef>
+              <a:spcAft>
+                <a:spcPts val="0"/>
+              </a:spcAft>
+              <a:buClr>
+                <a:srgbClr val="FFF9D9"/>
+              </a:buClr>
+              <a:buSzPts val="2000"/>
+              <a:buFont typeface="Nunito"/>
+              <a:buNone/>
+              <a:defRPr sz="2000" b="1" i="0" u="none" strike="noStrike" cap="none">
+                <a:solidFill>
+                  <a:srgbClr val="FFF9D9"/>
+                </a:solidFill>
+                <a:latin typeface="Nunito"/>
+                <a:ea typeface="Nunito"/>
+                <a:cs typeface="Nunito"/>
+                <a:sym typeface="Nunito"/>
+              </a:defRPr>
+            </a:lvl6pPr>
+            <a:lvl7pPr marR="0" lvl="6" algn="l" rtl="0">
+              <a:lnSpc>
+                <a:spcPct val="100000"/>
+              </a:lnSpc>
+              <a:spcBef>
+                <a:spcPts val="0"/>
+              </a:spcBef>
+              <a:spcAft>
+                <a:spcPts val="0"/>
+              </a:spcAft>
+              <a:buClr>
+                <a:srgbClr val="FFF9D9"/>
+              </a:buClr>
+              <a:buSzPts val="2000"/>
+              <a:buFont typeface="Nunito"/>
+              <a:buNone/>
+              <a:defRPr sz="2000" b="1" i="0" u="none" strike="noStrike" cap="none">
+                <a:solidFill>
+                  <a:srgbClr val="FFF9D9"/>
+                </a:solidFill>
+                <a:latin typeface="Nunito"/>
+                <a:ea typeface="Nunito"/>
+                <a:cs typeface="Nunito"/>
+                <a:sym typeface="Nunito"/>
+              </a:defRPr>
+            </a:lvl7pPr>
+            <a:lvl8pPr marR="0" lvl="7" algn="l" rtl="0">
+              <a:lnSpc>
+                <a:spcPct val="100000"/>
+              </a:lnSpc>
+              <a:spcBef>
+                <a:spcPts val="0"/>
+              </a:spcBef>
+              <a:spcAft>
+                <a:spcPts val="0"/>
+              </a:spcAft>
+              <a:buClr>
+                <a:srgbClr val="FFF9D9"/>
+              </a:buClr>
+              <a:buSzPts val="2000"/>
+              <a:buFont typeface="Nunito"/>
+              <a:buNone/>
+              <a:defRPr sz="2000" b="1" i="0" u="none" strike="noStrike" cap="none">
+                <a:solidFill>
+                  <a:srgbClr val="FFF9D9"/>
+                </a:solidFill>
+                <a:latin typeface="Nunito"/>
+                <a:ea typeface="Nunito"/>
+                <a:cs typeface="Nunito"/>
+                <a:sym typeface="Nunito"/>
+              </a:defRPr>
+            </a:lvl8pPr>
+            <a:lvl9pPr marR="0" lvl="8" algn="l" rtl="0">
+              <a:lnSpc>
+                <a:spcPct val="100000"/>
+              </a:lnSpc>
+              <a:spcBef>
+                <a:spcPts val="0"/>
+              </a:spcBef>
+              <a:spcAft>
+                <a:spcPts val="0"/>
+              </a:spcAft>
+              <a:buClr>
+                <a:srgbClr val="FFF9D9"/>
+              </a:buClr>
+              <a:buSzPts val="2000"/>
+              <a:buFont typeface="Nunito"/>
+              <a:buNone/>
+              <a:defRPr sz="2000" b="1" i="0" u="none" strike="noStrike" cap="none">
+                <a:solidFill>
+                  <a:srgbClr val="FFF9D9"/>
+                </a:solidFill>
+                <a:latin typeface="Nunito"/>
+                <a:ea typeface="Nunito"/>
+                <a:cs typeface="Nunito"/>
+                <a:sym typeface="Nunito"/>
+              </a:defRPr>
+            </a:lvl9pPr>
+          </a:lstStyle>
+          <a:p>
+            <a:pPr algn="ctr"/>
+            <a:r>
+              <a:rPr lang="pt-BR" sz="1400" dirty="0">
+                <a:solidFill>
+                  <a:srgbClr val="CC8A42"/>
+                </a:solidFill>
+              </a:rPr>
+              <a:t>{{VS_4}}</a:t>
+            </a:r>
+            <a:endParaRPr lang="pt-BR" dirty="0">
+              <a:solidFill>
+                <a:srgbClr val="CC8A42"/>
+              </a:solidFill>
+            </a:endParaRPr>
+          </a:p>
+        </p:txBody>
+      </p:sp>
     </p:spTree>
     <p:extLst>
       <p:ext uri="{BB962C8B-B14F-4D97-AF65-F5344CB8AC3E}">
@@ -22941,6 +28950,302 @@
               </a:rPr>
               <a:t>Mantém o canal aberto para troca, de forma que todos sintam-se à vontade de pedir direcionamentos e propor soluções.</a:t>
             </a:r>
+          </a:p>
+        </p:txBody>
+      </p:sp>
+      <p:sp>
+        <p:nvSpPr>
+          <p:cNvPr id="3" name="Google Shape;494;p69">
+            <a:extLst>
+              <a:ext uri="{FF2B5EF4-FFF2-40B4-BE49-F238E27FC236}">
+                <a16:creationId xmlns:a16="http://schemas.microsoft.com/office/drawing/2014/main" id="{711D5F0F-A1A0-2FA9-A5B0-E9830126B3E8}"/>
+              </a:ext>
+            </a:extLst>
+          </p:cNvPr>
+          <p:cNvSpPr txBox="1">
+            <a:spLocks/>
+          </p:cNvSpPr>
+          <p:nvPr/>
+        </p:nvSpPr>
+        <p:spPr>
+          <a:xfrm>
+            <a:off x="3422073" y="1063053"/>
+            <a:ext cx="5320145" cy="3695983"/>
+          </a:xfrm>
+          <a:prstGeom prst="rect">
+            <a:avLst/>
+          </a:prstGeom>
+          <a:noFill/>
+          <a:ln>
+            <a:noFill/>
+          </a:ln>
+        </p:spPr>
+        <p:txBody>
+          <a:bodyPr spcFirstLastPara="1" wrap="square" lIns="91425" tIns="91425" rIns="91425" bIns="91425" anchor="t" anchorCtr="0">
+            <a:normAutofit/>
+          </a:bodyPr>
+          <a:lstStyle>
+            <a:defPPr marR="0" lvl="0" algn="l" rtl="0">
+              <a:lnSpc>
+                <a:spcPct val="100000"/>
+              </a:lnSpc>
+              <a:spcBef>
+                <a:spcPts val="0"/>
+              </a:spcBef>
+              <a:spcAft>
+                <a:spcPts val="0"/>
+              </a:spcAft>
+            </a:defPPr>
+            <a:lvl1pPr marR="0" lvl="0" algn="l" rtl="0">
+              <a:lnSpc>
+                <a:spcPct val="100000"/>
+              </a:lnSpc>
+              <a:spcBef>
+                <a:spcPts val="0"/>
+              </a:spcBef>
+              <a:spcAft>
+                <a:spcPts val="0"/>
+              </a:spcAft>
+              <a:buClr>
+                <a:schemeClr val="lt1"/>
+              </a:buClr>
+              <a:buSzPts val="2000"/>
+              <a:buFont typeface="Nunito"/>
+              <a:buNone/>
+              <a:defRPr sz="2000" b="1" i="0" u="none" strike="noStrike" cap="none">
+                <a:solidFill>
+                  <a:schemeClr val="lt1"/>
+                </a:solidFill>
+                <a:latin typeface="Nunito"/>
+                <a:ea typeface="Nunito"/>
+                <a:cs typeface="Nunito"/>
+                <a:sym typeface="Nunito"/>
+              </a:defRPr>
+            </a:lvl1pPr>
+            <a:lvl2pPr marR="0" lvl="1" algn="l" rtl="0">
+              <a:lnSpc>
+                <a:spcPct val="100000"/>
+              </a:lnSpc>
+              <a:spcBef>
+                <a:spcPts val="0"/>
+              </a:spcBef>
+              <a:spcAft>
+                <a:spcPts val="0"/>
+              </a:spcAft>
+              <a:buClr>
+                <a:srgbClr val="FFF9D9"/>
+              </a:buClr>
+              <a:buSzPts val="2000"/>
+              <a:buFont typeface="Nunito"/>
+              <a:buNone/>
+              <a:defRPr sz="2000" b="1" i="0" u="none" strike="noStrike" cap="none">
+                <a:solidFill>
+                  <a:srgbClr val="FFF9D9"/>
+                </a:solidFill>
+                <a:latin typeface="Nunito"/>
+                <a:ea typeface="Nunito"/>
+                <a:cs typeface="Nunito"/>
+                <a:sym typeface="Nunito"/>
+              </a:defRPr>
+            </a:lvl2pPr>
+            <a:lvl3pPr marR="0" lvl="2" algn="l" rtl="0">
+              <a:lnSpc>
+                <a:spcPct val="100000"/>
+              </a:lnSpc>
+              <a:spcBef>
+                <a:spcPts val="0"/>
+              </a:spcBef>
+              <a:spcAft>
+                <a:spcPts val="0"/>
+              </a:spcAft>
+              <a:buClr>
+                <a:srgbClr val="FFF9D9"/>
+              </a:buClr>
+              <a:buSzPts val="2000"/>
+              <a:buFont typeface="Nunito"/>
+              <a:buNone/>
+              <a:defRPr sz="2000" b="1" i="0" u="none" strike="noStrike" cap="none">
+                <a:solidFill>
+                  <a:srgbClr val="FFF9D9"/>
+                </a:solidFill>
+                <a:latin typeface="Nunito"/>
+                <a:ea typeface="Nunito"/>
+                <a:cs typeface="Nunito"/>
+                <a:sym typeface="Nunito"/>
+              </a:defRPr>
+            </a:lvl3pPr>
+            <a:lvl4pPr marR="0" lvl="3" algn="l" rtl="0">
+              <a:lnSpc>
+                <a:spcPct val="100000"/>
+              </a:lnSpc>
+              <a:spcBef>
+                <a:spcPts val="0"/>
+              </a:spcBef>
+              <a:spcAft>
+                <a:spcPts val="0"/>
+              </a:spcAft>
+              <a:buClr>
+                <a:srgbClr val="FFF9D9"/>
+              </a:buClr>
+              <a:buSzPts val="2000"/>
+              <a:buFont typeface="Nunito"/>
+              <a:buNone/>
+              <a:defRPr sz="2000" b="1" i="0" u="none" strike="noStrike" cap="none">
+                <a:solidFill>
+                  <a:srgbClr val="FFF9D9"/>
+                </a:solidFill>
+                <a:latin typeface="Nunito"/>
+                <a:ea typeface="Nunito"/>
+                <a:cs typeface="Nunito"/>
+                <a:sym typeface="Nunito"/>
+              </a:defRPr>
+            </a:lvl4pPr>
+            <a:lvl5pPr marR="0" lvl="4" algn="l" rtl="0">
+              <a:lnSpc>
+                <a:spcPct val="100000"/>
+              </a:lnSpc>
+              <a:spcBef>
+                <a:spcPts val="0"/>
+              </a:spcBef>
+              <a:spcAft>
+                <a:spcPts val="0"/>
+              </a:spcAft>
+              <a:buClr>
+                <a:srgbClr val="FFF9D9"/>
+              </a:buClr>
+              <a:buSzPts val="2000"/>
+              <a:buFont typeface="Nunito"/>
+              <a:buNone/>
+              <a:defRPr sz="2000" b="1" i="0" u="none" strike="noStrike" cap="none">
+                <a:solidFill>
+                  <a:srgbClr val="FFF9D9"/>
+                </a:solidFill>
+                <a:latin typeface="Nunito"/>
+                <a:ea typeface="Nunito"/>
+                <a:cs typeface="Nunito"/>
+                <a:sym typeface="Nunito"/>
+              </a:defRPr>
+            </a:lvl5pPr>
+            <a:lvl6pPr marR="0" lvl="5" algn="l" rtl="0">
+              <a:lnSpc>
+                <a:spcPct val="100000"/>
+              </a:lnSpc>
+              <a:spcBef>
+                <a:spcPts val="0"/>
+              </a:spcBef>
+              <a:spcAft>
+                <a:spcPts val="0"/>
+              </a:spcAft>
+              <a:buClr>
+                <a:srgbClr val="FFF9D9"/>
+              </a:buClr>
+              <a:buSzPts val="2000"/>
+              <a:buFont typeface="Nunito"/>
+              <a:buNone/>
+              <a:defRPr sz="2000" b="1" i="0" u="none" strike="noStrike" cap="none">
+                <a:solidFill>
+                  <a:srgbClr val="FFF9D9"/>
+                </a:solidFill>
+                <a:latin typeface="Nunito"/>
+                <a:ea typeface="Nunito"/>
+                <a:cs typeface="Nunito"/>
+                <a:sym typeface="Nunito"/>
+              </a:defRPr>
+            </a:lvl6pPr>
+            <a:lvl7pPr marR="0" lvl="6" algn="l" rtl="0">
+              <a:lnSpc>
+                <a:spcPct val="100000"/>
+              </a:lnSpc>
+              <a:spcBef>
+                <a:spcPts val="0"/>
+              </a:spcBef>
+              <a:spcAft>
+                <a:spcPts val="0"/>
+              </a:spcAft>
+              <a:buClr>
+                <a:srgbClr val="FFF9D9"/>
+              </a:buClr>
+              <a:buSzPts val="2000"/>
+              <a:buFont typeface="Nunito"/>
+              <a:buNone/>
+              <a:defRPr sz="2000" b="1" i="0" u="none" strike="noStrike" cap="none">
+                <a:solidFill>
+                  <a:srgbClr val="FFF9D9"/>
+                </a:solidFill>
+                <a:latin typeface="Nunito"/>
+                <a:ea typeface="Nunito"/>
+                <a:cs typeface="Nunito"/>
+                <a:sym typeface="Nunito"/>
+              </a:defRPr>
+            </a:lvl7pPr>
+            <a:lvl8pPr marR="0" lvl="7" algn="l" rtl="0">
+              <a:lnSpc>
+                <a:spcPct val="100000"/>
+              </a:lnSpc>
+              <a:spcBef>
+                <a:spcPts val="0"/>
+              </a:spcBef>
+              <a:spcAft>
+                <a:spcPts val="0"/>
+              </a:spcAft>
+              <a:buClr>
+                <a:srgbClr val="FFF9D9"/>
+              </a:buClr>
+              <a:buSzPts val="2000"/>
+              <a:buFont typeface="Nunito"/>
+              <a:buNone/>
+              <a:defRPr sz="2000" b="1" i="0" u="none" strike="noStrike" cap="none">
+                <a:solidFill>
+                  <a:srgbClr val="FFF9D9"/>
+                </a:solidFill>
+                <a:latin typeface="Nunito"/>
+                <a:ea typeface="Nunito"/>
+                <a:cs typeface="Nunito"/>
+                <a:sym typeface="Nunito"/>
+              </a:defRPr>
+            </a:lvl8pPr>
+            <a:lvl9pPr marR="0" lvl="8" algn="l" rtl="0">
+              <a:lnSpc>
+                <a:spcPct val="100000"/>
+              </a:lnSpc>
+              <a:spcBef>
+                <a:spcPts val="0"/>
+              </a:spcBef>
+              <a:spcAft>
+                <a:spcPts val="0"/>
+              </a:spcAft>
+              <a:buClr>
+                <a:srgbClr val="FFF9D9"/>
+              </a:buClr>
+              <a:buSzPts val="2000"/>
+              <a:buFont typeface="Nunito"/>
+              <a:buNone/>
+              <a:defRPr sz="2000" b="1" i="0" u="none" strike="noStrike" cap="none">
+                <a:solidFill>
+                  <a:srgbClr val="FFF9D9"/>
+                </a:solidFill>
+                <a:latin typeface="Nunito"/>
+                <a:ea typeface="Nunito"/>
+                <a:cs typeface="Nunito"/>
+                <a:sym typeface="Nunito"/>
+              </a:defRPr>
+            </a:lvl9pPr>
+          </a:lstStyle>
+          <a:p>
+            <a:pPr algn="ctr"/>
+            <a:r>
+              <a:rPr lang="pt-BR" sz="1400" dirty="0">
+                <a:solidFill>
+                  <a:srgbClr val="CC8A42"/>
+                </a:solidFill>
+              </a:rPr>
+              <a:t>{{GL_1}}</a:t>
+            </a:r>
+            <a:endParaRPr lang="pt-BR" dirty="0">
+              <a:solidFill>
+                <a:srgbClr val="CC8A42"/>
+              </a:solidFill>
+            </a:endParaRPr>
           </a:p>
         </p:txBody>
       </p:sp>

--- a/templates/[GARN] Modelo de apresentação de slides.pptx
+++ b/templates/[GARN] Modelo de apresentação de slides.pptx
@@ -19906,42 +19906,6 @@
               <a:t>Autoavaliação</a:t>
             </a:r>
           </a:p>
-          <a:p>
-            <a:pPr algn="ctr">
-              <a:lnSpc>
-                <a:spcPct val="150000"/>
-              </a:lnSpc>
-            </a:pPr>
-            <a:r>
-              <a:rPr lang="pt-BR" sz="1400" dirty="0">
-                <a:solidFill>
-                  <a:srgbClr val="CC8A42"/>
-                </a:solidFill>
-              </a:rPr>
-              <a:t>{{</a:t>
-            </a:r>
-            <a:r>
-              <a:rPr lang="pt-BR" sz="1400" dirty="0" err="1">
-                <a:solidFill>
-                  <a:srgbClr val="CC8A42"/>
-                </a:solidFill>
-              </a:rPr>
-              <a:t>nota_auto</a:t>
-            </a:r>
-            <a:r>
-              <a:rPr lang="pt-BR" sz="1400" dirty="0">
-                <a:solidFill>
-                  <a:srgbClr val="CC8A42"/>
-                </a:solidFill>
-              </a:rPr>
-              <a:t>}}</a:t>
-            </a:r>
-            <a:endParaRPr lang="pt-BR" dirty="0">
-              <a:solidFill>
-                <a:srgbClr val="CC8A42"/>
-              </a:solidFill>
-            </a:endParaRPr>
-          </a:p>
         </p:txBody>
       </p:sp>
       <p:sp>
@@ -20232,42 +20196,6 @@
               </a:rPr>
               <a:t>Avaliação dos Líderes</a:t>
             </a:r>
-          </a:p>
-          <a:p>
-            <a:pPr algn="ctr">
-              <a:lnSpc>
-                <a:spcPct val="150000"/>
-              </a:lnSpc>
-            </a:pPr>
-            <a:r>
-              <a:rPr lang="pt-BR" sz="1400" dirty="0">
-                <a:solidFill>
-                  <a:srgbClr val="CC8A42"/>
-                </a:solidFill>
-              </a:rPr>
-              <a:t>{{</a:t>
-            </a:r>
-            <a:r>
-              <a:rPr lang="pt-BR" sz="1400" dirty="0" err="1">
-                <a:solidFill>
-                  <a:srgbClr val="CC8A42"/>
-                </a:solidFill>
-              </a:rPr>
-              <a:t>nota_lider</a:t>
-            </a:r>
-            <a:r>
-              <a:rPr lang="pt-BR" sz="1400" dirty="0">
-                <a:solidFill>
-                  <a:srgbClr val="CC8A42"/>
-                </a:solidFill>
-              </a:rPr>
-              <a:t>}}</a:t>
-            </a:r>
-            <a:endParaRPr lang="pt-BR" dirty="0">
-              <a:solidFill>
-                <a:srgbClr val="CC8A42"/>
-              </a:solidFill>
-            </a:endParaRPr>
           </a:p>
         </p:txBody>
       </p:sp>
@@ -20560,42 +20488,6 @@
               <a:t>Avaliação dos Liderados</a:t>
             </a:r>
           </a:p>
-          <a:p>
-            <a:pPr algn="ctr">
-              <a:lnSpc>
-                <a:spcPct val="150000"/>
-              </a:lnSpc>
-            </a:pPr>
-            <a:r>
-              <a:rPr lang="pt-BR" sz="1400" dirty="0">
-                <a:solidFill>
-                  <a:srgbClr val="CC8A42"/>
-                </a:solidFill>
-              </a:rPr>
-              <a:t>{{</a:t>
-            </a:r>
-            <a:r>
-              <a:rPr lang="pt-BR" sz="1400" dirty="0" err="1">
-                <a:solidFill>
-                  <a:srgbClr val="CC8A42"/>
-                </a:solidFill>
-              </a:rPr>
-              <a:t>nota_liderado</a:t>
-            </a:r>
-            <a:r>
-              <a:rPr lang="pt-BR" sz="1400" dirty="0">
-                <a:solidFill>
-                  <a:srgbClr val="CC8A42"/>
-                </a:solidFill>
-              </a:rPr>
-              <a:t>}}</a:t>
-            </a:r>
-            <a:endParaRPr lang="pt-BR" dirty="0">
-              <a:solidFill>
-                <a:srgbClr val="CC8A42"/>
-              </a:solidFill>
-            </a:endParaRPr>
-          </a:p>
         </p:txBody>
       </p:sp>
       <p:sp>
@@ -20893,6 +20785,954 @@
                 </a:solidFill>
               </a:rPr>
               <a:t>radar_geral</a:t>
+            </a:r>
+            <a:r>
+              <a:rPr lang="pt-BR" sz="1400" dirty="0">
+                <a:solidFill>
+                  <a:srgbClr val="CC8A42"/>
+                </a:solidFill>
+              </a:rPr>
+              <a:t>}}</a:t>
+            </a:r>
+            <a:endParaRPr lang="pt-BR" dirty="0">
+              <a:solidFill>
+                <a:srgbClr val="CC8A42"/>
+              </a:solidFill>
+            </a:endParaRPr>
+          </a:p>
+        </p:txBody>
+      </p:sp>
+      <p:sp>
+        <p:nvSpPr>
+          <p:cNvPr id="6" name="Google Shape;494;p69">
+            <a:extLst>
+              <a:ext uri="{FF2B5EF4-FFF2-40B4-BE49-F238E27FC236}">
+                <a16:creationId xmlns:a16="http://schemas.microsoft.com/office/drawing/2014/main" id="{5B6D0943-71A0-7942-6EC2-C5EC14CB0E04}"/>
+              </a:ext>
+            </a:extLst>
+          </p:cNvPr>
+          <p:cNvSpPr txBox="1">
+            <a:spLocks/>
+          </p:cNvSpPr>
+          <p:nvPr/>
+        </p:nvSpPr>
+        <p:spPr>
+          <a:xfrm>
+            <a:off x="2629158" y="1330036"/>
+            <a:ext cx="2005652" cy="528768"/>
+          </a:xfrm>
+          <a:prstGeom prst="rect">
+            <a:avLst/>
+          </a:prstGeom>
+          <a:noFill/>
+          <a:ln>
+            <a:noFill/>
+          </a:ln>
+        </p:spPr>
+        <p:txBody>
+          <a:bodyPr spcFirstLastPara="1" wrap="square" lIns="91425" tIns="91425" rIns="91425" bIns="91425" anchor="t" anchorCtr="0">
+            <a:normAutofit/>
+          </a:bodyPr>
+          <a:lstStyle>
+            <a:defPPr marR="0" lvl="0" algn="l" rtl="0">
+              <a:lnSpc>
+                <a:spcPct val="100000"/>
+              </a:lnSpc>
+              <a:spcBef>
+                <a:spcPts val="0"/>
+              </a:spcBef>
+              <a:spcAft>
+                <a:spcPts val="0"/>
+              </a:spcAft>
+            </a:defPPr>
+            <a:lvl1pPr marR="0" lvl="0" algn="l" rtl="0">
+              <a:lnSpc>
+                <a:spcPct val="100000"/>
+              </a:lnSpc>
+              <a:spcBef>
+                <a:spcPts val="0"/>
+              </a:spcBef>
+              <a:spcAft>
+                <a:spcPts val="0"/>
+              </a:spcAft>
+              <a:buClr>
+                <a:schemeClr val="lt1"/>
+              </a:buClr>
+              <a:buSzPts val="2000"/>
+              <a:buFont typeface="Nunito"/>
+              <a:buNone/>
+              <a:defRPr sz="2000" b="1" i="0" u="none" strike="noStrike" cap="none">
+                <a:solidFill>
+                  <a:schemeClr val="lt1"/>
+                </a:solidFill>
+                <a:latin typeface="Nunito"/>
+                <a:ea typeface="Nunito"/>
+                <a:cs typeface="Nunito"/>
+                <a:sym typeface="Nunito"/>
+              </a:defRPr>
+            </a:lvl1pPr>
+            <a:lvl2pPr marR="0" lvl="1" algn="l" rtl="0">
+              <a:lnSpc>
+                <a:spcPct val="100000"/>
+              </a:lnSpc>
+              <a:spcBef>
+                <a:spcPts val="0"/>
+              </a:spcBef>
+              <a:spcAft>
+                <a:spcPts val="0"/>
+              </a:spcAft>
+              <a:buClr>
+                <a:srgbClr val="FFF9D9"/>
+              </a:buClr>
+              <a:buSzPts val="2000"/>
+              <a:buFont typeface="Nunito"/>
+              <a:buNone/>
+              <a:defRPr sz="2000" b="1" i="0" u="none" strike="noStrike" cap="none">
+                <a:solidFill>
+                  <a:srgbClr val="FFF9D9"/>
+                </a:solidFill>
+                <a:latin typeface="Nunito"/>
+                <a:ea typeface="Nunito"/>
+                <a:cs typeface="Nunito"/>
+                <a:sym typeface="Nunito"/>
+              </a:defRPr>
+            </a:lvl2pPr>
+            <a:lvl3pPr marR="0" lvl="2" algn="l" rtl="0">
+              <a:lnSpc>
+                <a:spcPct val="100000"/>
+              </a:lnSpc>
+              <a:spcBef>
+                <a:spcPts val="0"/>
+              </a:spcBef>
+              <a:spcAft>
+                <a:spcPts val="0"/>
+              </a:spcAft>
+              <a:buClr>
+                <a:srgbClr val="FFF9D9"/>
+              </a:buClr>
+              <a:buSzPts val="2000"/>
+              <a:buFont typeface="Nunito"/>
+              <a:buNone/>
+              <a:defRPr sz="2000" b="1" i="0" u="none" strike="noStrike" cap="none">
+                <a:solidFill>
+                  <a:srgbClr val="FFF9D9"/>
+                </a:solidFill>
+                <a:latin typeface="Nunito"/>
+                <a:ea typeface="Nunito"/>
+                <a:cs typeface="Nunito"/>
+                <a:sym typeface="Nunito"/>
+              </a:defRPr>
+            </a:lvl3pPr>
+            <a:lvl4pPr marR="0" lvl="3" algn="l" rtl="0">
+              <a:lnSpc>
+                <a:spcPct val="100000"/>
+              </a:lnSpc>
+              <a:spcBef>
+                <a:spcPts val="0"/>
+              </a:spcBef>
+              <a:spcAft>
+                <a:spcPts val="0"/>
+              </a:spcAft>
+              <a:buClr>
+                <a:srgbClr val="FFF9D9"/>
+              </a:buClr>
+              <a:buSzPts val="2000"/>
+              <a:buFont typeface="Nunito"/>
+              <a:buNone/>
+              <a:defRPr sz="2000" b="1" i="0" u="none" strike="noStrike" cap="none">
+                <a:solidFill>
+                  <a:srgbClr val="FFF9D9"/>
+                </a:solidFill>
+                <a:latin typeface="Nunito"/>
+                <a:ea typeface="Nunito"/>
+                <a:cs typeface="Nunito"/>
+                <a:sym typeface="Nunito"/>
+              </a:defRPr>
+            </a:lvl4pPr>
+            <a:lvl5pPr marR="0" lvl="4" algn="l" rtl="0">
+              <a:lnSpc>
+                <a:spcPct val="100000"/>
+              </a:lnSpc>
+              <a:spcBef>
+                <a:spcPts val="0"/>
+              </a:spcBef>
+              <a:spcAft>
+                <a:spcPts val="0"/>
+              </a:spcAft>
+              <a:buClr>
+                <a:srgbClr val="FFF9D9"/>
+              </a:buClr>
+              <a:buSzPts val="2000"/>
+              <a:buFont typeface="Nunito"/>
+              <a:buNone/>
+              <a:defRPr sz="2000" b="1" i="0" u="none" strike="noStrike" cap="none">
+                <a:solidFill>
+                  <a:srgbClr val="FFF9D9"/>
+                </a:solidFill>
+                <a:latin typeface="Nunito"/>
+                <a:ea typeface="Nunito"/>
+                <a:cs typeface="Nunito"/>
+                <a:sym typeface="Nunito"/>
+              </a:defRPr>
+            </a:lvl5pPr>
+            <a:lvl6pPr marR="0" lvl="5" algn="l" rtl="0">
+              <a:lnSpc>
+                <a:spcPct val="100000"/>
+              </a:lnSpc>
+              <a:spcBef>
+                <a:spcPts val="0"/>
+              </a:spcBef>
+              <a:spcAft>
+                <a:spcPts val="0"/>
+              </a:spcAft>
+              <a:buClr>
+                <a:srgbClr val="FFF9D9"/>
+              </a:buClr>
+              <a:buSzPts val="2000"/>
+              <a:buFont typeface="Nunito"/>
+              <a:buNone/>
+              <a:defRPr sz="2000" b="1" i="0" u="none" strike="noStrike" cap="none">
+                <a:solidFill>
+                  <a:srgbClr val="FFF9D9"/>
+                </a:solidFill>
+                <a:latin typeface="Nunito"/>
+                <a:ea typeface="Nunito"/>
+                <a:cs typeface="Nunito"/>
+                <a:sym typeface="Nunito"/>
+              </a:defRPr>
+            </a:lvl6pPr>
+            <a:lvl7pPr marR="0" lvl="6" algn="l" rtl="0">
+              <a:lnSpc>
+                <a:spcPct val="100000"/>
+              </a:lnSpc>
+              <a:spcBef>
+                <a:spcPts val="0"/>
+              </a:spcBef>
+              <a:spcAft>
+                <a:spcPts val="0"/>
+              </a:spcAft>
+              <a:buClr>
+                <a:srgbClr val="FFF9D9"/>
+              </a:buClr>
+              <a:buSzPts val="2000"/>
+              <a:buFont typeface="Nunito"/>
+              <a:buNone/>
+              <a:defRPr sz="2000" b="1" i="0" u="none" strike="noStrike" cap="none">
+                <a:solidFill>
+                  <a:srgbClr val="FFF9D9"/>
+                </a:solidFill>
+                <a:latin typeface="Nunito"/>
+                <a:ea typeface="Nunito"/>
+                <a:cs typeface="Nunito"/>
+                <a:sym typeface="Nunito"/>
+              </a:defRPr>
+            </a:lvl7pPr>
+            <a:lvl8pPr marR="0" lvl="7" algn="l" rtl="0">
+              <a:lnSpc>
+                <a:spcPct val="100000"/>
+              </a:lnSpc>
+              <a:spcBef>
+                <a:spcPts val="0"/>
+              </a:spcBef>
+              <a:spcAft>
+                <a:spcPts val="0"/>
+              </a:spcAft>
+              <a:buClr>
+                <a:srgbClr val="FFF9D9"/>
+              </a:buClr>
+              <a:buSzPts val="2000"/>
+              <a:buFont typeface="Nunito"/>
+              <a:buNone/>
+              <a:defRPr sz="2000" b="1" i="0" u="none" strike="noStrike" cap="none">
+                <a:solidFill>
+                  <a:srgbClr val="FFF9D9"/>
+                </a:solidFill>
+                <a:latin typeface="Nunito"/>
+                <a:ea typeface="Nunito"/>
+                <a:cs typeface="Nunito"/>
+                <a:sym typeface="Nunito"/>
+              </a:defRPr>
+            </a:lvl8pPr>
+            <a:lvl9pPr marR="0" lvl="8" algn="l" rtl="0">
+              <a:lnSpc>
+                <a:spcPct val="100000"/>
+              </a:lnSpc>
+              <a:spcBef>
+                <a:spcPts val="0"/>
+              </a:spcBef>
+              <a:spcAft>
+                <a:spcPts val="0"/>
+              </a:spcAft>
+              <a:buClr>
+                <a:srgbClr val="FFF9D9"/>
+              </a:buClr>
+              <a:buSzPts val="2000"/>
+              <a:buFont typeface="Nunito"/>
+              <a:buNone/>
+              <a:defRPr sz="2000" b="1" i="0" u="none" strike="noStrike" cap="none">
+                <a:solidFill>
+                  <a:srgbClr val="FFF9D9"/>
+                </a:solidFill>
+                <a:latin typeface="Nunito"/>
+                <a:ea typeface="Nunito"/>
+                <a:cs typeface="Nunito"/>
+                <a:sym typeface="Nunito"/>
+              </a:defRPr>
+            </a:lvl9pPr>
+          </a:lstStyle>
+          <a:p>
+            <a:pPr algn="ctr">
+              <a:lnSpc>
+                <a:spcPct val="150000"/>
+              </a:lnSpc>
+            </a:pPr>
+            <a:r>
+              <a:rPr lang="pt-BR" sz="1400" dirty="0">
+                <a:solidFill>
+                  <a:srgbClr val="CC8A42"/>
+                </a:solidFill>
+              </a:rPr>
+              <a:t>{{</a:t>
+            </a:r>
+            <a:r>
+              <a:rPr lang="pt-BR" sz="1400" dirty="0" err="1">
+                <a:solidFill>
+                  <a:srgbClr val="CC8A42"/>
+                </a:solidFill>
+              </a:rPr>
+              <a:t>nota_auto</a:t>
+            </a:r>
+            <a:r>
+              <a:rPr lang="pt-BR" sz="1400" dirty="0">
+                <a:solidFill>
+                  <a:srgbClr val="CC8A42"/>
+                </a:solidFill>
+              </a:rPr>
+              <a:t>}}</a:t>
+            </a:r>
+            <a:endParaRPr lang="pt-BR" dirty="0">
+              <a:solidFill>
+                <a:srgbClr val="CC8A42"/>
+              </a:solidFill>
+            </a:endParaRPr>
+          </a:p>
+        </p:txBody>
+      </p:sp>
+      <p:sp>
+        <p:nvSpPr>
+          <p:cNvPr id="7" name="Google Shape;494;p69">
+            <a:extLst>
+              <a:ext uri="{FF2B5EF4-FFF2-40B4-BE49-F238E27FC236}">
+                <a16:creationId xmlns:a16="http://schemas.microsoft.com/office/drawing/2014/main" id="{D2569DED-A19C-1FD4-E265-65271FD8CC93}"/>
+              </a:ext>
+            </a:extLst>
+          </p:cNvPr>
+          <p:cNvSpPr txBox="1">
+            <a:spLocks/>
+          </p:cNvSpPr>
+          <p:nvPr/>
+        </p:nvSpPr>
+        <p:spPr>
+          <a:xfrm>
+            <a:off x="4663217" y="1330036"/>
+            <a:ext cx="2005652" cy="528768"/>
+          </a:xfrm>
+          <a:prstGeom prst="rect">
+            <a:avLst/>
+          </a:prstGeom>
+          <a:noFill/>
+          <a:ln>
+            <a:noFill/>
+          </a:ln>
+        </p:spPr>
+        <p:txBody>
+          <a:bodyPr spcFirstLastPara="1" wrap="square" lIns="91425" tIns="91425" rIns="91425" bIns="91425" anchor="t" anchorCtr="0">
+            <a:normAutofit/>
+          </a:bodyPr>
+          <a:lstStyle>
+            <a:defPPr marR="0" lvl="0" algn="l" rtl="0">
+              <a:lnSpc>
+                <a:spcPct val="100000"/>
+              </a:lnSpc>
+              <a:spcBef>
+                <a:spcPts val="0"/>
+              </a:spcBef>
+              <a:spcAft>
+                <a:spcPts val="0"/>
+              </a:spcAft>
+            </a:defPPr>
+            <a:lvl1pPr marR="0" lvl="0" algn="l" rtl="0">
+              <a:lnSpc>
+                <a:spcPct val="100000"/>
+              </a:lnSpc>
+              <a:spcBef>
+                <a:spcPts val="0"/>
+              </a:spcBef>
+              <a:spcAft>
+                <a:spcPts val="0"/>
+              </a:spcAft>
+              <a:buClr>
+                <a:schemeClr val="lt1"/>
+              </a:buClr>
+              <a:buSzPts val="2000"/>
+              <a:buFont typeface="Nunito"/>
+              <a:buNone/>
+              <a:defRPr sz="2000" b="1" i="0" u="none" strike="noStrike" cap="none">
+                <a:solidFill>
+                  <a:schemeClr val="lt1"/>
+                </a:solidFill>
+                <a:latin typeface="Nunito"/>
+                <a:ea typeface="Nunito"/>
+                <a:cs typeface="Nunito"/>
+                <a:sym typeface="Nunito"/>
+              </a:defRPr>
+            </a:lvl1pPr>
+            <a:lvl2pPr marR="0" lvl="1" algn="l" rtl="0">
+              <a:lnSpc>
+                <a:spcPct val="100000"/>
+              </a:lnSpc>
+              <a:spcBef>
+                <a:spcPts val="0"/>
+              </a:spcBef>
+              <a:spcAft>
+                <a:spcPts val="0"/>
+              </a:spcAft>
+              <a:buClr>
+                <a:srgbClr val="FFF9D9"/>
+              </a:buClr>
+              <a:buSzPts val="2000"/>
+              <a:buFont typeface="Nunito"/>
+              <a:buNone/>
+              <a:defRPr sz="2000" b="1" i="0" u="none" strike="noStrike" cap="none">
+                <a:solidFill>
+                  <a:srgbClr val="FFF9D9"/>
+                </a:solidFill>
+                <a:latin typeface="Nunito"/>
+                <a:ea typeface="Nunito"/>
+                <a:cs typeface="Nunito"/>
+                <a:sym typeface="Nunito"/>
+              </a:defRPr>
+            </a:lvl2pPr>
+            <a:lvl3pPr marR="0" lvl="2" algn="l" rtl="0">
+              <a:lnSpc>
+                <a:spcPct val="100000"/>
+              </a:lnSpc>
+              <a:spcBef>
+                <a:spcPts val="0"/>
+              </a:spcBef>
+              <a:spcAft>
+                <a:spcPts val="0"/>
+              </a:spcAft>
+              <a:buClr>
+                <a:srgbClr val="FFF9D9"/>
+              </a:buClr>
+              <a:buSzPts val="2000"/>
+              <a:buFont typeface="Nunito"/>
+              <a:buNone/>
+              <a:defRPr sz="2000" b="1" i="0" u="none" strike="noStrike" cap="none">
+                <a:solidFill>
+                  <a:srgbClr val="FFF9D9"/>
+                </a:solidFill>
+                <a:latin typeface="Nunito"/>
+                <a:ea typeface="Nunito"/>
+                <a:cs typeface="Nunito"/>
+                <a:sym typeface="Nunito"/>
+              </a:defRPr>
+            </a:lvl3pPr>
+            <a:lvl4pPr marR="0" lvl="3" algn="l" rtl="0">
+              <a:lnSpc>
+                <a:spcPct val="100000"/>
+              </a:lnSpc>
+              <a:spcBef>
+                <a:spcPts val="0"/>
+              </a:spcBef>
+              <a:spcAft>
+                <a:spcPts val="0"/>
+              </a:spcAft>
+              <a:buClr>
+                <a:srgbClr val="FFF9D9"/>
+              </a:buClr>
+              <a:buSzPts val="2000"/>
+              <a:buFont typeface="Nunito"/>
+              <a:buNone/>
+              <a:defRPr sz="2000" b="1" i="0" u="none" strike="noStrike" cap="none">
+                <a:solidFill>
+                  <a:srgbClr val="FFF9D9"/>
+                </a:solidFill>
+                <a:latin typeface="Nunito"/>
+                <a:ea typeface="Nunito"/>
+                <a:cs typeface="Nunito"/>
+                <a:sym typeface="Nunito"/>
+              </a:defRPr>
+            </a:lvl4pPr>
+            <a:lvl5pPr marR="0" lvl="4" algn="l" rtl="0">
+              <a:lnSpc>
+                <a:spcPct val="100000"/>
+              </a:lnSpc>
+              <a:spcBef>
+                <a:spcPts val="0"/>
+              </a:spcBef>
+              <a:spcAft>
+                <a:spcPts val="0"/>
+              </a:spcAft>
+              <a:buClr>
+                <a:srgbClr val="FFF9D9"/>
+              </a:buClr>
+              <a:buSzPts val="2000"/>
+              <a:buFont typeface="Nunito"/>
+              <a:buNone/>
+              <a:defRPr sz="2000" b="1" i="0" u="none" strike="noStrike" cap="none">
+                <a:solidFill>
+                  <a:srgbClr val="FFF9D9"/>
+                </a:solidFill>
+                <a:latin typeface="Nunito"/>
+                <a:ea typeface="Nunito"/>
+                <a:cs typeface="Nunito"/>
+                <a:sym typeface="Nunito"/>
+              </a:defRPr>
+            </a:lvl5pPr>
+            <a:lvl6pPr marR="0" lvl="5" algn="l" rtl="0">
+              <a:lnSpc>
+                <a:spcPct val="100000"/>
+              </a:lnSpc>
+              <a:spcBef>
+                <a:spcPts val="0"/>
+              </a:spcBef>
+              <a:spcAft>
+                <a:spcPts val="0"/>
+              </a:spcAft>
+              <a:buClr>
+                <a:srgbClr val="FFF9D9"/>
+              </a:buClr>
+              <a:buSzPts val="2000"/>
+              <a:buFont typeface="Nunito"/>
+              <a:buNone/>
+              <a:defRPr sz="2000" b="1" i="0" u="none" strike="noStrike" cap="none">
+                <a:solidFill>
+                  <a:srgbClr val="FFF9D9"/>
+                </a:solidFill>
+                <a:latin typeface="Nunito"/>
+                <a:ea typeface="Nunito"/>
+                <a:cs typeface="Nunito"/>
+                <a:sym typeface="Nunito"/>
+              </a:defRPr>
+            </a:lvl6pPr>
+            <a:lvl7pPr marR="0" lvl="6" algn="l" rtl="0">
+              <a:lnSpc>
+                <a:spcPct val="100000"/>
+              </a:lnSpc>
+              <a:spcBef>
+                <a:spcPts val="0"/>
+              </a:spcBef>
+              <a:spcAft>
+                <a:spcPts val="0"/>
+              </a:spcAft>
+              <a:buClr>
+                <a:srgbClr val="FFF9D9"/>
+              </a:buClr>
+              <a:buSzPts val="2000"/>
+              <a:buFont typeface="Nunito"/>
+              <a:buNone/>
+              <a:defRPr sz="2000" b="1" i="0" u="none" strike="noStrike" cap="none">
+                <a:solidFill>
+                  <a:srgbClr val="FFF9D9"/>
+                </a:solidFill>
+                <a:latin typeface="Nunito"/>
+                <a:ea typeface="Nunito"/>
+                <a:cs typeface="Nunito"/>
+                <a:sym typeface="Nunito"/>
+              </a:defRPr>
+            </a:lvl7pPr>
+            <a:lvl8pPr marR="0" lvl="7" algn="l" rtl="0">
+              <a:lnSpc>
+                <a:spcPct val="100000"/>
+              </a:lnSpc>
+              <a:spcBef>
+                <a:spcPts val="0"/>
+              </a:spcBef>
+              <a:spcAft>
+                <a:spcPts val="0"/>
+              </a:spcAft>
+              <a:buClr>
+                <a:srgbClr val="FFF9D9"/>
+              </a:buClr>
+              <a:buSzPts val="2000"/>
+              <a:buFont typeface="Nunito"/>
+              <a:buNone/>
+              <a:defRPr sz="2000" b="1" i="0" u="none" strike="noStrike" cap="none">
+                <a:solidFill>
+                  <a:srgbClr val="FFF9D9"/>
+                </a:solidFill>
+                <a:latin typeface="Nunito"/>
+                <a:ea typeface="Nunito"/>
+                <a:cs typeface="Nunito"/>
+                <a:sym typeface="Nunito"/>
+              </a:defRPr>
+            </a:lvl8pPr>
+            <a:lvl9pPr marR="0" lvl="8" algn="l" rtl="0">
+              <a:lnSpc>
+                <a:spcPct val="100000"/>
+              </a:lnSpc>
+              <a:spcBef>
+                <a:spcPts val="0"/>
+              </a:spcBef>
+              <a:spcAft>
+                <a:spcPts val="0"/>
+              </a:spcAft>
+              <a:buClr>
+                <a:srgbClr val="FFF9D9"/>
+              </a:buClr>
+              <a:buSzPts val="2000"/>
+              <a:buFont typeface="Nunito"/>
+              <a:buNone/>
+              <a:defRPr sz="2000" b="1" i="0" u="none" strike="noStrike" cap="none">
+                <a:solidFill>
+                  <a:srgbClr val="FFF9D9"/>
+                </a:solidFill>
+                <a:latin typeface="Nunito"/>
+                <a:ea typeface="Nunito"/>
+                <a:cs typeface="Nunito"/>
+                <a:sym typeface="Nunito"/>
+              </a:defRPr>
+            </a:lvl9pPr>
+          </a:lstStyle>
+          <a:p>
+            <a:pPr algn="ctr">
+              <a:lnSpc>
+                <a:spcPct val="150000"/>
+              </a:lnSpc>
+            </a:pPr>
+            <a:r>
+              <a:rPr lang="pt-BR" sz="1400" dirty="0">
+                <a:solidFill>
+                  <a:srgbClr val="CC8A42"/>
+                </a:solidFill>
+              </a:rPr>
+              <a:t>{{</a:t>
+            </a:r>
+            <a:r>
+              <a:rPr lang="pt-BR" sz="1400" dirty="0" err="1">
+                <a:solidFill>
+                  <a:srgbClr val="CC8A42"/>
+                </a:solidFill>
+              </a:rPr>
+              <a:t>nota_lider</a:t>
+            </a:r>
+            <a:r>
+              <a:rPr lang="pt-BR" sz="1400" dirty="0">
+                <a:solidFill>
+                  <a:srgbClr val="CC8A42"/>
+                </a:solidFill>
+              </a:rPr>
+              <a:t>}}</a:t>
+            </a:r>
+            <a:endParaRPr lang="pt-BR" dirty="0">
+              <a:solidFill>
+                <a:srgbClr val="CC8A42"/>
+              </a:solidFill>
+            </a:endParaRPr>
+          </a:p>
+        </p:txBody>
+      </p:sp>
+      <p:sp>
+        <p:nvSpPr>
+          <p:cNvPr id="8" name="Google Shape;494;p69">
+            <a:extLst>
+              <a:ext uri="{FF2B5EF4-FFF2-40B4-BE49-F238E27FC236}">
+                <a16:creationId xmlns:a16="http://schemas.microsoft.com/office/drawing/2014/main" id="{569F0DF1-BA32-E45E-4FC3-1235D790B963}"/>
+              </a:ext>
+            </a:extLst>
+          </p:cNvPr>
+          <p:cNvSpPr txBox="1">
+            <a:spLocks/>
+          </p:cNvSpPr>
+          <p:nvPr/>
+        </p:nvSpPr>
+        <p:spPr>
+          <a:xfrm>
+            <a:off x="6808577" y="1330036"/>
+            <a:ext cx="2005652" cy="528768"/>
+          </a:xfrm>
+          <a:prstGeom prst="rect">
+            <a:avLst/>
+          </a:prstGeom>
+          <a:noFill/>
+          <a:ln>
+            <a:noFill/>
+          </a:ln>
+        </p:spPr>
+        <p:txBody>
+          <a:bodyPr spcFirstLastPara="1" wrap="square" lIns="91425" tIns="91425" rIns="91425" bIns="91425" anchor="t" anchorCtr="0">
+            <a:normAutofit/>
+          </a:bodyPr>
+          <a:lstStyle>
+            <a:defPPr marR="0" lvl="0" algn="l" rtl="0">
+              <a:lnSpc>
+                <a:spcPct val="100000"/>
+              </a:lnSpc>
+              <a:spcBef>
+                <a:spcPts val="0"/>
+              </a:spcBef>
+              <a:spcAft>
+                <a:spcPts val="0"/>
+              </a:spcAft>
+            </a:defPPr>
+            <a:lvl1pPr marR="0" lvl="0" algn="l" rtl="0">
+              <a:lnSpc>
+                <a:spcPct val="100000"/>
+              </a:lnSpc>
+              <a:spcBef>
+                <a:spcPts val="0"/>
+              </a:spcBef>
+              <a:spcAft>
+                <a:spcPts val="0"/>
+              </a:spcAft>
+              <a:buClr>
+                <a:schemeClr val="lt1"/>
+              </a:buClr>
+              <a:buSzPts val="2000"/>
+              <a:buFont typeface="Nunito"/>
+              <a:buNone/>
+              <a:defRPr sz="2000" b="1" i="0" u="none" strike="noStrike" cap="none">
+                <a:solidFill>
+                  <a:schemeClr val="lt1"/>
+                </a:solidFill>
+                <a:latin typeface="Nunito"/>
+                <a:ea typeface="Nunito"/>
+                <a:cs typeface="Nunito"/>
+                <a:sym typeface="Nunito"/>
+              </a:defRPr>
+            </a:lvl1pPr>
+            <a:lvl2pPr marR="0" lvl="1" algn="l" rtl="0">
+              <a:lnSpc>
+                <a:spcPct val="100000"/>
+              </a:lnSpc>
+              <a:spcBef>
+                <a:spcPts val="0"/>
+              </a:spcBef>
+              <a:spcAft>
+                <a:spcPts val="0"/>
+              </a:spcAft>
+              <a:buClr>
+                <a:srgbClr val="FFF9D9"/>
+              </a:buClr>
+              <a:buSzPts val="2000"/>
+              <a:buFont typeface="Nunito"/>
+              <a:buNone/>
+              <a:defRPr sz="2000" b="1" i="0" u="none" strike="noStrike" cap="none">
+                <a:solidFill>
+                  <a:srgbClr val="FFF9D9"/>
+                </a:solidFill>
+                <a:latin typeface="Nunito"/>
+                <a:ea typeface="Nunito"/>
+                <a:cs typeface="Nunito"/>
+                <a:sym typeface="Nunito"/>
+              </a:defRPr>
+            </a:lvl2pPr>
+            <a:lvl3pPr marR="0" lvl="2" algn="l" rtl="0">
+              <a:lnSpc>
+                <a:spcPct val="100000"/>
+              </a:lnSpc>
+              <a:spcBef>
+                <a:spcPts val="0"/>
+              </a:spcBef>
+              <a:spcAft>
+                <a:spcPts val="0"/>
+              </a:spcAft>
+              <a:buClr>
+                <a:srgbClr val="FFF9D9"/>
+              </a:buClr>
+              <a:buSzPts val="2000"/>
+              <a:buFont typeface="Nunito"/>
+              <a:buNone/>
+              <a:defRPr sz="2000" b="1" i="0" u="none" strike="noStrike" cap="none">
+                <a:solidFill>
+                  <a:srgbClr val="FFF9D9"/>
+                </a:solidFill>
+                <a:latin typeface="Nunito"/>
+                <a:ea typeface="Nunito"/>
+                <a:cs typeface="Nunito"/>
+                <a:sym typeface="Nunito"/>
+              </a:defRPr>
+            </a:lvl3pPr>
+            <a:lvl4pPr marR="0" lvl="3" algn="l" rtl="0">
+              <a:lnSpc>
+                <a:spcPct val="100000"/>
+              </a:lnSpc>
+              <a:spcBef>
+                <a:spcPts val="0"/>
+              </a:spcBef>
+              <a:spcAft>
+                <a:spcPts val="0"/>
+              </a:spcAft>
+              <a:buClr>
+                <a:srgbClr val="FFF9D9"/>
+              </a:buClr>
+              <a:buSzPts val="2000"/>
+              <a:buFont typeface="Nunito"/>
+              <a:buNone/>
+              <a:defRPr sz="2000" b="1" i="0" u="none" strike="noStrike" cap="none">
+                <a:solidFill>
+                  <a:srgbClr val="FFF9D9"/>
+                </a:solidFill>
+                <a:latin typeface="Nunito"/>
+                <a:ea typeface="Nunito"/>
+                <a:cs typeface="Nunito"/>
+                <a:sym typeface="Nunito"/>
+              </a:defRPr>
+            </a:lvl4pPr>
+            <a:lvl5pPr marR="0" lvl="4" algn="l" rtl="0">
+              <a:lnSpc>
+                <a:spcPct val="100000"/>
+              </a:lnSpc>
+              <a:spcBef>
+                <a:spcPts val="0"/>
+              </a:spcBef>
+              <a:spcAft>
+                <a:spcPts val="0"/>
+              </a:spcAft>
+              <a:buClr>
+                <a:srgbClr val="FFF9D9"/>
+              </a:buClr>
+              <a:buSzPts val="2000"/>
+              <a:buFont typeface="Nunito"/>
+              <a:buNone/>
+              <a:defRPr sz="2000" b="1" i="0" u="none" strike="noStrike" cap="none">
+                <a:solidFill>
+                  <a:srgbClr val="FFF9D9"/>
+                </a:solidFill>
+                <a:latin typeface="Nunito"/>
+                <a:ea typeface="Nunito"/>
+                <a:cs typeface="Nunito"/>
+                <a:sym typeface="Nunito"/>
+              </a:defRPr>
+            </a:lvl5pPr>
+            <a:lvl6pPr marR="0" lvl="5" algn="l" rtl="0">
+              <a:lnSpc>
+                <a:spcPct val="100000"/>
+              </a:lnSpc>
+              <a:spcBef>
+                <a:spcPts val="0"/>
+              </a:spcBef>
+              <a:spcAft>
+                <a:spcPts val="0"/>
+              </a:spcAft>
+              <a:buClr>
+                <a:srgbClr val="FFF9D9"/>
+              </a:buClr>
+              <a:buSzPts val="2000"/>
+              <a:buFont typeface="Nunito"/>
+              <a:buNone/>
+              <a:defRPr sz="2000" b="1" i="0" u="none" strike="noStrike" cap="none">
+                <a:solidFill>
+                  <a:srgbClr val="FFF9D9"/>
+                </a:solidFill>
+                <a:latin typeface="Nunito"/>
+                <a:ea typeface="Nunito"/>
+                <a:cs typeface="Nunito"/>
+                <a:sym typeface="Nunito"/>
+              </a:defRPr>
+            </a:lvl6pPr>
+            <a:lvl7pPr marR="0" lvl="6" algn="l" rtl="0">
+              <a:lnSpc>
+                <a:spcPct val="100000"/>
+              </a:lnSpc>
+              <a:spcBef>
+                <a:spcPts val="0"/>
+              </a:spcBef>
+              <a:spcAft>
+                <a:spcPts val="0"/>
+              </a:spcAft>
+              <a:buClr>
+                <a:srgbClr val="FFF9D9"/>
+              </a:buClr>
+              <a:buSzPts val="2000"/>
+              <a:buFont typeface="Nunito"/>
+              <a:buNone/>
+              <a:defRPr sz="2000" b="1" i="0" u="none" strike="noStrike" cap="none">
+                <a:solidFill>
+                  <a:srgbClr val="FFF9D9"/>
+                </a:solidFill>
+                <a:latin typeface="Nunito"/>
+                <a:ea typeface="Nunito"/>
+                <a:cs typeface="Nunito"/>
+                <a:sym typeface="Nunito"/>
+              </a:defRPr>
+            </a:lvl7pPr>
+            <a:lvl8pPr marR="0" lvl="7" algn="l" rtl="0">
+              <a:lnSpc>
+                <a:spcPct val="100000"/>
+              </a:lnSpc>
+              <a:spcBef>
+                <a:spcPts val="0"/>
+              </a:spcBef>
+              <a:spcAft>
+                <a:spcPts val="0"/>
+              </a:spcAft>
+              <a:buClr>
+                <a:srgbClr val="FFF9D9"/>
+              </a:buClr>
+              <a:buSzPts val="2000"/>
+              <a:buFont typeface="Nunito"/>
+              <a:buNone/>
+              <a:defRPr sz="2000" b="1" i="0" u="none" strike="noStrike" cap="none">
+                <a:solidFill>
+                  <a:srgbClr val="FFF9D9"/>
+                </a:solidFill>
+                <a:latin typeface="Nunito"/>
+                <a:ea typeface="Nunito"/>
+                <a:cs typeface="Nunito"/>
+                <a:sym typeface="Nunito"/>
+              </a:defRPr>
+            </a:lvl8pPr>
+            <a:lvl9pPr marR="0" lvl="8" algn="l" rtl="0">
+              <a:lnSpc>
+                <a:spcPct val="100000"/>
+              </a:lnSpc>
+              <a:spcBef>
+                <a:spcPts val="0"/>
+              </a:spcBef>
+              <a:spcAft>
+                <a:spcPts val="0"/>
+              </a:spcAft>
+              <a:buClr>
+                <a:srgbClr val="FFF9D9"/>
+              </a:buClr>
+              <a:buSzPts val="2000"/>
+              <a:buFont typeface="Nunito"/>
+              <a:buNone/>
+              <a:defRPr sz="2000" b="1" i="0" u="none" strike="noStrike" cap="none">
+                <a:solidFill>
+                  <a:srgbClr val="FFF9D9"/>
+                </a:solidFill>
+                <a:latin typeface="Nunito"/>
+                <a:ea typeface="Nunito"/>
+                <a:cs typeface="Nunito"/>
+                <a:sym typeface="Nunito"/>
+              </a:defRPr>
+            </a:lvl9pPr>
+          </a:lstStyle>
+          <a:p>
+            <a:pPr algn="ctr">
+              <a:lnSpc>
+                <a:spcPct val="150000"/>
+              </a:lnSpc>
+            </a:pPr>
+            <a:r>
+              <a:rPr lang="pt-BR" sz="1400" dirty="0">
+                <a:solidFill>
+                  <a:srgbClr val="CC8A42"/>
+                </a:solidFill>
+              </a:rPr>
+              <a:t>{{</a:t>
+            </a:r>
+            <a:r>
+              <a:rPr lang="pt-BR" sz="1400" dirty="0" err="1">
+                <a:solidFill>
+                  <a:srgbClr val="CC8A42"/>
+                </a:solidFill>
+              </a:rPr>
+              <a:t>nota_liderado</a:t>
             </a:r>
             <a:r>
               <a:rPr lang="pt-BR" sz="1400" dirty="0">
@@ -24677,42 +25517,6 @@
               <a:t>Autoavaliação</a:t>
             </a:r>
           </a:p>
-          <a:p>
-            <a:pPr algn="ctr">
-              <a:lnSpc>
-                <a:spcPct val="150000"/>
-              </a:lnSpc>
-            </a:pPr>
-            <a:r>
-              <a:rPr lang="pt-BR" sz="1400" dirty="0">
-                <a:solidFill>
-                  <a:srgbClr val="CC8A42"/>
-                </a:solidFill>
-              </a:rPr>
-              <a:t>{{</a:t>
-            </a:r>
-            <a:r>
-              <a:rPr lang="pt-BR" sz="1400" dirty="0" err="1">
-                <a:solidFill>
-                  <a:srgbClr val="CC8A42"/>
-                </a:solidFill>
-              </a:rPr>
-              <a:t>nota_lider_auto</a:t>
-            </a:r>
-            <a:r>
-              <a:rPr lang="pt-BR" sz="1400" dirty="0">
-                <a:solidFill>
-                  <a:srgbClr val="CC8A42"/>
-                </a:solidFill>
-              </a:rPr>
-              <a:t>}}</a:t>
-            </a:r>
-            <a:endParaRPr lang="pt-BR" dirty="0">
-              <a:solidFill>
-                <a:srgbClr val="CC8A42"/>
-              </a:solidFill>
-            </a:endParaRPr>
-          </a:p>
         </p:txBody>
       </p:sp>
       <p:sp>
@@ -25004,42 +25808,6 @@
               <a:t>Avaliação dos Líderes</a:t>
             </a:r>
           </a:p>
-          <a:p>
-            <a:pPr algn="ctr">
-              <a:lnSpc>
-                <a:spcPct val="150000"/>
-              </a:lnSpc>
-            </a:pPr>
-            <a:r>
-              <a:rPr lang="pt-BR" sz="1400" dirty="0">
-                <a:solidFill>
-                  <a:srgbClr val="CC8A42"/>
-                </a:solidFill>
-              </a:rPr>
-              <a:t>{{</a:t>
-            </a:r>
-            <a:r>
-              <a:rPr lang="pt-BR" sz="1400" dirty="0" err="1">
-                <a:solidFill>
-                  <a:srgbClr val="CC8A42"/>
-                </a:solidFill>
-              </a:rPr>
-              <a:t>nota_lider_lider</a:t>
-            </a:r>
-            <a:r>
-              <a:rPr lang="pt-BR" sz="1400" dirty="0">
-                <a:solidFill>
-                  <a:srgbClr val="CC8A42"/>
-                </a:solidFill>
-              </a:rPr>
-              <a:t>}}</a:t>
-            </a:r>
-            <a:endParaRPr lang="pt-BR" dirty="0">
-              <a:solidFill>
-                <a:srgbClr val="CC8A42"/>
-              </a:solidFill>
-            </a:endParaRPr>
-          </a:p>
         </p:txBody>
       </p:sp>
       <p:sp>
@@ -25059,7 +25827,7 @@
         <p:spPr>
           <a:xfrm>
             <a:off x="6697276" y="995685"/>
-            <a:ext cx="2228255" cy="863119"/>
+            <a:ext cx="2228255" cy="528767"/>
           </a:xfrm>
           <a:prstGeom prst="rect">
             <a:avLst/>
@@ -25330,42 +26098,6 @@
               </a:rPr>
               <a:t>Avaliação dos Liderados</a:t>
             </a:r>
-          </a:p>
-          <a:p>
-            <a:pPr algn="ctr">
-              <a:lnSpc>
-                <a:spcPct val="150000"/>
-              </a:lnSpc>
-            </a:pPr>
-            <a:r>
-              <a:rPr lang="pt-BR" sz="1400" dirty="0">
-                <a:solidFill>
-                  <a:srgbClr val="CC8A42"/>
-                </a:solidFill>
-              </a:rPr>
-              <a:t>{{</a:t>
-            </a:r>
-            <a:r>
-              <a:rPr lang="pt-BR" sz="1400" dirty="0" err="1">
-                <a:solidFill>
-                  <a:srgbClr val="CC8A42"/>
-                </a:solidFill>
-              </a:rPr>
-              <a:t>nota_lider_liderado</a:t>
-            </a:r>
-            <a:r>
-              <a:rPr lang="pt-BR" sz="1400" dirty="0">
-                <a:solidFill>
-                  <a:srgbClr val="CC8A42"/>
-                </a:solidFill>
-              </a:rPr>
-              <a:t>}}</a:t>
-            </a:r>
-            <a:endParaRPr lang="pt-BR" dirty="0">
-              <a:solidFill>
-                <a:srgbClr val="CC8A42"/>
-              </a:solidFill>
-            </a:endParaRPr>
           </a:p>
         </p:txBody>
       </p:sp>
@@ -25664,6 +26396,954 @@
                 </a:solidFill>
               </a:rPr>
               <a:t>radar_geral</a:t>
+            </a:r>
+            <a:r>
+              <a:rPr lang="pt-BR" sz="1400" dirty="0">
+                <a:solidFill>
+                  <a:srgbClr val="CC8A42"/>
+                </a:solidFill>
+              </a:rPr>
+              <a:t>}}</a:t>
+            </a:r>
+            <a:endParaRPr lang="pt-BR" dirty="0">
+              <a:solidFill>
+                <a:srgbClr val="CC8A42"/>
+              </a:solidFill>
+            </a:endParaRPr>
+          </a:p>
+        </p:txBody>
+      </p:sp>
+      <p:sp>
+        <p:nvSpPr>
+          <p:cNvPr id="7" name="Google Shape;494;p69">
+            <a:extLst>
+              <a:ext uri="{FF2B5EF4-FFF2-40B4-BE49-F238E27FC236}">
+                <a16:creationId xmlns:a16="http://schemas.microsoft.com/office/drawing/2014/main" id="{0AA09AA7-2986-7A0E-41DB-C206555C6777}"/>
+              </a:ext>
+            </a:extLst>
+          </p:cNvPr>
+          <p:cNvSpPr txBox="1">
+            <a:spLocks/>
+          </p:cNvSpPr>
+          <p:nvPr/>
+        </p:nvSpPr>
+        <p:spPr>
+          <a:xfrm>
+            <a:off x="2657565" y="1366989"/>
+            <a:ext cx="2005652" cy="528768"/>
+          </a:xfrm>
+          <a:prstGeom prst="rect">
+            <a:avLst/>
+          </a:prstGeom>
+          <a:noFill/>
+          <a:ln>
+            <a:noFill/>
+          </a:ln>
+        </p:spPr>
+        <p:txBody>
+          <a:bodyPr spcFirstLastPara="1" wrap="square" lIns="91425" tIns="91425" rIns="91425" bIns="91425" anchor="t" anchorCtr="0">
+            <a:normAutofit/>
+          </a:bodyPr>
+          <a:lstStyle>
+            <a:defPPr marR="0" lvl="0" algn="l" rtl="0">
+              <a:lnSpc>
+                <a:spcPct val="100000"/>
+              </a:lnSpc>
+              <a:spcBef>
+                <a:spcPts val="0"/>
+              </a:spcBef>
+              <a:spcAft>
+                <a:spcPts val="0"/>
+              </a:spcAft>
+            </a:defPPr>
+            <a:lvl1pPr marR="0" lvl="0" algn="l" rtl="0">
+              <a:lnSpc>
+                <a:spcPct val="100000"/>
+              </a:lnSpc>
+              <a:spcBef>
+                <a:spcPts val="0"/>
+              </a:spcBef>
+              <a:spcAft>
+                <a:spcPts val="0"/>
+              </a:spcAft>
+              <a:buClr>
+                <a:schemeClr val="lt1"/>
+              </a:buClr>
+              <a:buSzPts val="2000"/>
+              <a:buFont typeface="Nunito"/>
+              <a:buNone/>
+              <a:defRPr sz="2000" b="1" i="0" u="none" strike="noStrike" cap="none">
+                <a:solidFill>
+                  <a:schemeClr val="lt1"/>
+                </a:solidFill>
+                <a:latin typeface="Nunito"/>
+                <a:ea typeface="Nunito"/>
+                <a:cs typeface="Nunito"/>
+                <a:sym typeface="Nunito"/>
+              </a:defRPr>
+            </a:lvl1pPr>
+            <a:lvl2pPr marR="0" lvl="1" algn="l" rtl="0">
+              <a:lnSpc>
+                <a:spcPct val="100000"/>
+              </a:lnSpc>
+              <a:spcBef>
+                <a:spcPts val="0"/>
+              </a:spcBef>
+              <a:spcAft>
+                <a:spcPts val="0"/>
+              </a:spcAft>
+              <a:buClr>
+                <a:srgbClr val="FFF9D9"/>
+              </a:buClr>
+              <a:buSzPts val="2000"/>
+              <a:buFont typeface="Nunito"/>
+              <a:buNone/>
+              <a:defRPr sz="2000" b="1" i="0" u="none" strike="noStrike" cap="none">
+                <a:solidFill>
+                  <a:srgbClr val="FFF9D9"/>
+                </a:solidFill>
+                <a:latin typeface="Nunito"/>
+                <a:ea typeface="Nunito"/>
+                <a:cs typeface="Nunito"/>
+                <a:sym typeface="Nunito"/>
+              </a:defRPr>
+            </a:lvl2pPr>
+            <a:lvl3pPr marR="0" lvl="2" algn="l" rtl="0">
+              <a:lnSpc>
+                <a:spcPct val="100000"/>
+              </a:lnSpc>
+              <a:spcBef>
+                <a:spcPts val="0"/>
+              </a:spcBef>
+              <a:spcAft>
+                <a:spcPts val="0"/>
+              </a:spcAft>
+              <a:buClr>
+                <a:srgbClr val="FFF9D9"/>
+              </a:buClr>
+              <a:buSzPts val="2000"/>
+              <a:buFont typeface="Nunito"/>
+              <a:buNone/>
+              <a:defRPr sz="2000" b="1" i="0" u="none" strike="noStrike" cap="none">
+                <a:solidFill>
+                  <a:srgbClr val="FFF9D9"/>
+                </a:solidFill>
+                <a:latin typeface="Nunito"/>
+                <a:ea typeface="Nunito"/>
+                <a:cs typeface="Nunito"/>
+                <a:sym typeface="Nunito"/>
+              </a:defRPr>
+            </a:lvl3pPr>
+            <a:lvl4pPr marR="0" lvl="3" algn="l" rtl="0">
+              <a:lnSpc>
+                <a:spcPct val="100000"/>
+              </a:lnSpc>
+              <a:spcBef>
+                <a:spcPts val="0"/>
+              </a:spcBef>
+              <a:spcAft>
+                <a:spcPts val="0"/>
+              </a:spcAft>
+              <a:buClr>
+                <a:srgbClr val="FFF9D9"/>
+              </a:buClr>
+              <a:buSzPts val="2000"/>
+              <a:buFont typeface="Nunito"/>
+              <a:buNone/>
+              <a:defRPr sz="2000" b="1" i="0" u="none" strike="noStrike" cap="none">
+                <a:solidFill>
+                  <a:srgbClr val="FFF9D9"/>
+                </a:solidFill>
+                <a:latin typeface="Nunito"/>
+                <a:ea typeface="Nunito"/>
+                <a:cs typeface="Nunito"/>
+                <a:sym typeface="Nunito"/>
+              </a:defRPr>
+            </a:lvl4pPr>
+            <a:lvl5pPr marR="0" lvl="4" algn="l" rtl="0">
+              <a:lnSpc>
+                <a:spcPct val="100000"/>
+              </a:lnSpc>
+              <a:spcBef>
+                <a:spcPts val="0"/>
+              </a:spcBef>
+              <a:spcAft>
+                <a:spcPts val="0"/>
+              </a:spcAft>
+              <a:buClr>
+                <a:srgbClr val="FFF9D9"/>
+              </a:buClr>
+              <a:buSzPts val="2000"/>
+              <a:buFont typeface="Nunito"/>
+              <a:buNone/>
+              <a:defRPr sz="2000" b="1" i="0" u="none" strike="noStrike" cap="none">
+                <a:solidFill>
+                  <a:srgbClr val="FFF9D9"/>
+                </a:solidFill>
+                <a:latin typeface="Nunito"/>
+                <a:ea typeface="Nunito"/>
+                <a:cs typeface="Nunito"/>
+                <a:sym typeface="Nunito"/>
+              </a:defRPr>
+            </a:lvl5pPr>
+            <a:lvl6pPr marR="0" lvl="5" algn="l" rtl="0">
+              <a:lnSpc>
+                <a:spcPct val="100000"/>
+              </a:lnSpc>
+              <a:spcBef>
+                <a:spcPts val="0"/>
+              </a:spcBef>
+              <a:spcAft>
+                <a:spcPts val="0"/>
+              </a:spcAft>
+              <a:buClr>
+                <a:srgbClr val="FFF9D9"/>
+              </a:buClr>
+              <a:buSzPts val="2000"/>
+              <a:buFont typeface="Nunito"/>
+              <a:buNone/>
+              <a:defRPr sz="2000" b="1" i="0" u="none" strike="noStrike" cap="none">
+                <a:solidFill>
+                  <a:srgbClr val="FFF9D9"/>
+                </a:solidFill>
+                <a:latin typeface="Nunito"/>
+                <a:ea typeface="Nunito"/>
+                <a:cs typeface="Nunito"/>
+                <a:sym typeface="Nunito"/>
+              </a:defRPr>
+            </a:lvl6pPr>
+            <a:lvl7pPr marR="0" lvl="6" algn="l" rtl="0">
+              <a:lnSpc>
+                <a:spcPct val="100000"/>
+              </a:lnSpc>
+              <a:spcBef>
+                <a:spcPts val="0"/>
+              </a:spcBef>
+              <a:spcAft>
+                <a:spcPts val="0"/>
+              </a:spcAft>
+              <a:buClr>
+                <a:srgbClr val="FFF9D9"/>
+              </a:buClr>
+              <a:buSzPts val="2000"/>
+              <a:buFont typeface="Nunito"/>
+              <a:buNone/>
+              <a:defRPr sz="2000" b="1" i="0" u="none" strike="noStrike" cap="none">
+                <a:solidFill>
+                  <a:srgbClr val="FFF9D9"/>
+                </a:solidFill>
+                <a:latin typeface="Nunito"/>
+                <a:ea typeface="Nunito"/>
+                <a:cs typeface="Nunito"/>
+                <a:sym typeface="Nunito"/>
+              </a:defRPr>
+            </a:lvl7pPr>
+            <a:lvl8pPr marR="0" lvl="7" algn="l" rtl="0">
+              <a:lnSpc>
+                <a:spcPct val="100000"/>
+              </a:lnSpc>
+              <a:spcBef>
+                <a:spcPts val="0"/>
+              </a:spcBef>
+              <a:spcAft>
+                <a:spcPts val="0"/>
+              </a:spcAft>
+              <a:buClr>
+                <a:srgbClr val="FFF9D9"/>
+              </a:buClr>
+              <a:buSzPts val="2000"/>
+              <a:buFont typeface="Nunito"/>
+              <a:buNone/>
+              <a:defRPr sz="2000" b="1" i="0" u="none" strike="noStrike" cap="none">
+                <a:solidFill>
+                  <a:srgbClr val="FFF9D9"/>
+                </a:solidFill>
+                <a:latin typeface="Nunito"/>
+                <a:ea typeface="Nunito"/>
+                <a:cs typeface="Nunito"/>
+                <a:sym typeface="Nunito"/>
+              </a:defRPr>
+            </a:lvl8pPr>
+            <a:lvl9pPr marR="0" lvl="8" algn="l" rtl="0">
+              <a:lnSpc>
+                <a:spcPct val="100000"/>
+              </a:lnSpc>
+              <a:spcBef>
+                <a:spcPts val="0"/>
+              </a:spcBef>
+              <a:spcAft>
+                <a:spcPts val="0"/>
+              </a:spcAft>
+              <a:buClr>
+                <a:srgbClr val="FFF9D9"/>
+              </a:buClr>
+              <a:buSzPts val="2000"/>
+              <a:buFont typeface="Nunito"/>
+              <a:buNone/>
+              <a:defRPr sz="2000" b="1" i="0" u="none" strike="noStrike" cap="none">
+                <a:solidFill>
+                  <a:srgbClr val="FFF9D9"/>
+                </a:solidFill>
+                <a:latin typeface="Nunito"/>
+                <a:ea typeface="Nunito"/>
+                <a:cs typeface="Nunito"/>
+                <a:sym typeface="Nunito"/>
+              </a:defRPr>
+            </a:lvl9pPr>
+          </a:lstStyle>
+          <a:p>
+            <a:pPr algn="ctr">
+              <a:lnSpc>
+                <a:spcPct val="150000"/>
+              </a:lnSpc>
+            </a:pPr>
+            <a:r>
+              <a:rPr lang="pt-BR" sz="1400" dirty="0">
+                <a:solidFill>
+                  <a:srgbClr val="CC8A42"/>
+                </a:solidFill>
+              </a:rPr>
+              <a:t>{{</a:t>
+            </a:r>
+            <a:r>
+              <a:rPr lang="pt-BR" sz="1400" dirty="0" err="1">
+                <a:solidFill>
+                  <a:srgbClr val="CC8A42"/>
+                </a:solidFill>
+              </a:rPr>
+              <a:t>nota_lider_auto</a:t>
+            </a:r>
+            <a:r>
+              <a:rPr lang="pt-BR" sz="1400" dirty="0">
+                <a:solidFill>
+                  <a:srgbClr val="CC8A42"/>
+                </a:solidFill>
+              </a:rPr>
+              <a:t>}}</a:t>
+            </a:r>
+            <a:endParaRPr lang="pt-BR" dirty="0">
+              <a:solidFill>
+                <a:srgbClr val="CC8A42"/>
+              </a:solidFill>
+            </a:endParaRPr>
+          </a:p>
+        </p:txBody>
+      </p:sp>
+      <p:sp>
+        <p:nvSpPr>
+          <p:cNvPr id="8" name="Google Shape;494;p69">
+            <a:extLst>
+              <a:ext uri="{FF2B5EF4-FFF2-40B4-BE49-F238E27FC236}">
+                <a16:creationId xmlns:a16="http://schemas.microsoft.com/office/drawing/2014/main" id="{170E24E1-93AE-63DB-CA7C-98ED3429E8EC}"/>
+              </a:ext>
+            </a:extLst>
+          </p:cNvPr>
+          <p:cNvSpPr txBox="1">
+            <a:spLocks/>
+          </p:cNvSpPr>
+          <p:nvPr/>
+        </p:nvSpPr>
+        <p:spPr>
+          <a:xfrm>
+            <a:off x="4663217" y="1366989"/>
+            <a:ext cx="2005652" cy="528768"/>
+          </a:xfrm>
+          <a:prstGeom prst="rect">
+            <a:avLst/>
+          </a:prstGeom>
+          <a:noFill/>
+          <a:ln>
+            <a:noFill/>
+          </a:ln>
+        </p:spPr>
+        <p:txBody>
+          <a:bodyPr spcFirstLastPara="1" wrap="square" lIns="91425" tIns="91425" rIns="91425" bIns="91425" anchor="t" anchorCtr="0">
+            <a:normAutofit/>
+          </a:bodyPr>
+          <a:lstStyle>
+            <a:defPPr marR="0" lvl="0" algn="l" rtl="0">
+              <a:lnSpc>
+                <a:spcPct val="100000"/>
+              </a:lnSpc>
+              <a:spcBef>
+                <a:spcPts val="0"/>
+              </a:spcBef>
+              <a:spcAft>
+                <a:spcPts val="0"/>
+              </a:spcAft>
+            </a:defPPr>
+            <a:lvl1pPr marR="0" lvl="0" algn="l" rtl="0">
+              <a:lnSpc>
+                <a:spcPct val="100000"/>
+              </a:lnSpc>
+              <a:spcBef>
+                <a:spcPts val="0"/>
+              </a:spcBef>
+              <a:spcAft>
+                <a:spcPts val="0"/>
+              </a:spcAft>
+              <a:buClr>
+                <a:schemeClr val="lt1"/>
+              </a:buClr>
+              <a:buSzPts val="2000"/>
+              <a:buFont typeface="Nunito"/>
+              <a:buNone/>
+              <a:defRPr sz="2000" b="1" i="0" u="none" strike="noStrike" cap="none">
+                <a:solidFill>
+                  <a:schemeClr val="lt1"/>
+                </a:solidFill>
+                <a:latin typeface="Nunito"/>
+                <a:ea typeface="Nunito"/>
+                <a:cs typeface="Nunito"/>
+                <a:sym typeface="Nunito"/>
+              </a:defRPr>
+            </a:lvl1pPr>
+            <a:lvl2pPr marR="0" lvl="1" algn="l" rtl="0">
+              <a:lnSpc>
+                <a:spcPct val="100000"/>
+              </a:lnSpc>
+              <a:spcBef>
+                <a:spcPts val="0"/>
+              </a:spcBef>
+              <a:spcAft>
+                <a:spcPts val="0"/>
+              </a:spcAft>
+              <a:buClr>
+                <a:srgbClr val="FFF9D9"/>
+              </a:buClr>
+              <a:buSzPts val="2000"/>
+              <a:buFont typeface="Nunito"/>
+              <a:buNone/>
+              <a:defRPr sz="2000" b="1" i="0" u="none" strike="noStrike" cap="none">
+                <a:solidFill>
+                  <a:srgbClr val="FFF9D9"/>
+                </a:solidFill>
+                <a:latin typeface="Nunito"/>
+                <a:ea typeface="Nunito"/>
+                <a:cs typeface="Nunito"/>
+                <a:sym typeface="Nunito"/>
+              </a:defRPr>
+            </a:lvl2pPr>
+            <a:lvl3pPr marR="0" lvl="2" algn="l" rtl="0">
+              <a:lnSpc>
+                <a:spcPct val="100000"/>
+              </a:lnSpc>
+              <a:spcBef>
+                <a:spcPts val="0"/>
+              </a:spcBef>
+              <a:spcAft>
+                <a:spcPts val="0"/>
+              </a:spcAft>
+              <a:buClr>
+                <a:srgbClr val="FFF9D9"/>
+              </a:buClr>
+              <a:buSzPts val="2000"/>
+              <a:buFont typeface="Nunito"/>
+              <a:buNone/>
+              <a:defRPr sz="2000" b="1" i="0" u="none" strike="noStrike" cap="none">
+                <a:solidFill>
+                  <a:srgbClr val="FFF9D9"/>
+                </a:solidFill>
+                <a:latin typeface="Nunito"/>
+                <a:ea typeface="Nunito"/>
+                <a:cs typeface="Nunito"/>
+                <a:sym typeface="Nunito"/>
+              </a:defRPr>
+            </a:lvl3pPr>
+            <a:lvl4pPr marR="0" lvl="3" algn="l" rtl="0">
+              <a:lnSpc>
+                <a:spcPct val="100000"/>
+              </a:lnSpc>
+              <a:spcBef>
+                <a:spcPts val="0"/>
+              </a:spcBef>
+              <a:spcAft>
+                <a:spcPts val="0"/>
+              </a:spcAft>
+              <a:buClr>
+                <a:srgbClr val="FFF9D9"/>
+              </a:buClr>
+              <a:buSzPts val="2000"/>
+              <a:buFont typeface="Nunito"/>
+              <a:buNone/>
+              <a:defRPr sz="2000" b="1" i="0" u="none" strike="noStrike" cap="none">
+                <a:solidFill>
+                  <a:srgbClr val="FFF9D9"/>
+                </a:solidFill>
+                <a:latin typeface="Nunito"/>
+                <a:ea typeface="Nunito"/>
+                <a:cs typeface="Nunito"/>
+                <a:sym typeface="Nunito"/>
+              </a:defRPr>
+            </a:lvl4pPr>
+            <a:lvl5pPr marR="0" lvl="4" algn="l" rtl="0">
+              <a:lnSpc>
+                <a:spcPct val="100000"/>
+              </a:lnSpc>
+              <a:spcBef>
+                <a:spcPts val="0"/>
+              </a:spcBef>
+              <a:spcAft>
+                <a:spcPts val="0"/>
+              </a:spcAft>
+              <a:buClr>
+                <a:srgbClr val="FFF9D9"/>
+              </a:buClr>
+              <a:buSzPts val="2000"/>
+              <a:buFont typeface="Nunito"/>
+              <a:buNone/>
+              <a:defRPr sz="2000" b="1" i="0" u="none" strike="noStrike" cap="none">
+                <a:solidFill>
+                  <a:srgbClr val="FFF9D9"/>
+                </a:solidFill>
+                <a:latin typeface="Nunito"/>
+                <a:ea typeface="Nunito"/>
+                <a:cs typeface="Nunito"/>
+                <a:sym typeface="Nunito"/>
+              </a:defRPr>
+            </a:lvl5pPr>
+            <a:lvl6pPr marR="0" lvl="5" algn="l" rtl="0">
+              <a:lnSpc>
+                <a:spcPct val="100000"/>
+              </a:lnSpc>
+              <a:spcBef>
+                <a:spcPts val="0"/>
+              </a:spcBef>
+              <a:spcAft>
+                <a:spcPts val="0"/>
+              </a:spcAft>
+              <a:buClr>
+                <a:srgbClr val="FFF9D9"/>
+              </a:buClr>
+              <a:buSzPts val="2000"/>
+              <a:buFont typeface="Nunito"/>
+              <a:buNone/>
+              <a:defRPr sz="2000" b="1" i="0" u="none" strike="noStrike" cap="none">
+                <a:solidFill>
+                  <a:srgbClr val="FFF9D9"/>
+                </a:solidFill>
+                <a:latin typeface="Nunito"/>
+                <a:ea typeface="Nunito"/>
+                <a:cs typeface="Nunito"/>
+                <a:sym typeface="Nunito"/>
+              </a:defRPr>
+            </a:lvl6pPr>
+            <a:lvl7pPr marR="0" lvl="6" algn="l" rtl="0">
+              <a:lnSpc>
+                <a:spcPct val="100000"/>
+              </a:lnSpc>
+              <a:spcBef>
+                <a:spcPts val="0"/>
+              </a:spcBef>
+              <a:spcAft>
+                <a:spcPts val="0"/>
+              </a:spcAft>
+              <a:buClr>
+                <a:srgbClr val="FFF9D9"/>
+              </a:buClr>
+              <a:buSzPts val="2000"/>
+              <a:buFont typeface="Nunito"/>
+              <a:buNone/>
+              <a:defRPr sz="2000" b="1" i="0" u="none" strike="noStrike" cap="none">
+                <a:solidFill>
+                  <a:srgbClr val="FFF9D9"/>
+                </a:solidFill>
+                <a:latin typeface="Nunito"/>
+                <a:ea typeface="Nunito"/>
+                <a:cs typeface="Nunito"/>
+                <a:sym typeface="Nunito"/>
+              </a:defRPr>
+            </a:lvl7pPr>
+            <a:lvl8pPr marR="0" lvl="7" algn="l" rtl="0">
+              <a:lnSpc>
+                <a:spcPct val="100000"/>
+              </a:lnSpc>
+              <a:spcBef>
+                <a:spcPts val="0"/>
+              </a:spcBef>
+              <a:spcAft>
+                <a:spcPts val="0"/>
+              </a:spcAft>
+              <a:buClr>
+                <a:srgbClr val="FFF9D9"/>
+              </a:buClr>
+              <a:buSzPts val="2000"/>
+              <a:buFont typeface="Nunito"/>
+              <a:buNone/>
+              <a:defRPr sz="2000" b="1" i="0" u="none" strike="noStrike" cap="none">
+                <a:solidFill>
+                  <a:srgbClr val="FFF9D9"/>
+                </a:solidFill>
+                <a:latin typeface="Nunito"/>
+                <a:ea typeface="Nunito"/>
+                <a:cs typeface="Nunito"/>
+                <a:sym typeface="Nunito"/>
+              </a:defRPr>
+            </a:lvl8pPr>
+            <a:lvl9pPr marR="0" lvl="8" algn="l" rtl="0">
+              <a:lnSpc>
+                <a:spcPct val="100000"/>
+              </a:lnSpc>
+              <a:spcBef>
+                <a:spcPts val="0"/>
+              </a:spcBef>
+              <a:spcAft>
+                <a:spcPts val="0"/>
+              </a:spcAft>
+              <a:buClr>
+                <a:srgbClr val="FFF9D9"/>
+              </a:buClr>
+              <a:buSzPts val="2000"/>
+              <a:buFont typeface="Nunito"/>
+              <a:buNone/>
+              <a:defRPr sz="2000" b="1" i="0" u="none" strike="noStrike" cap="none">
+                <a:solidFill>
+                  <a:srgbClr val="FFF9D9"/>
+                </a:solidFill>
+                <a:latin typeface="Nunito"/>
+                <a:ea typeface="Nunito"/>
+                <a:cs typeface="Nunito"/>
+                <a:sym typeface="Nunito"/>
+              </a:defRPr>
+            </a:lvl9pPr>
+          </a:lstStyle>
+          <a:p>
+            <a:pPr algn="ctr">
+              <a:lnSpc>
+                <a:spcPct val="150000"/>
+              </a:lnSpc>
+            </a:pPr>
+            <a:r>
+              <a:rPr lang="pt-BR" sz="1400" dirty="0">
+                <a:solidFill>
+                  <a:srgbClr val="CC8A42"/>
+                </a:solidFill>
+              </a:rPr>
+              <a:t>{{</a:t>
+            </a:r>
+            <a:r>
+              <a:rPr lang="pt-BR" sz="1400" dirty="0" err="1">
+                <a:solidFill>
+                  <a:srgbClr val="CC8A42"/>
+                </a:solidFill>
+              </a:rPr>
+              <a:t>nota_lider_lider</a:t>
+            </a:r>
+            <a:r>
+              <a:rPr lang="pt-BR" sz="1400" dirty="0">
+                <a:solidFill>
+                  <a:srgbClr val="CC8A42"/>
+                </a:solidFill>
+              </a:rPr>
+              <a:t>}}</a:t>
+            </a:r>
+            <a:endParaRPr lang="pt-BR" dirty="0">
+              <a:solidFill>
+                <a:srgbClr val="CC8A42"/>
+              </a:solidFill>
+            </a:endParaRPr>
+          </a:p>
+        </p:txBody>
+      </p:sp>
+      <p:sp>
+        <p:nvSpPr>
+          <p:cNvPr id="9" name="Google Shape;494;p69">
+            <a:extLst>
+              <a:ext uri="{FF2B5EF4-FFF2-40B4-BE49-F238E27FC236}">
+                <a16:creationId xmlns:a16="http://schemas.microsoft.com/office/drawing/2014/main" id="{FAC42052-1087-55EA-3A41-067FA2E63941}"/>
+              </a:ext>
+            </a:extLst>
+          </p:cNvPr>
+          <p:cNvSpPr txBox="1">
+            <a:spLocks/>
+          </p:cNvSpPr>
+          <p:nvPr/>
+        </p:nvSpPr>
+        <p:spPr>
+          <a:xfrm>
+            <a:off x="6754090" y="1366989"/>
+            <a:ext cx="2005652" cy="528768"/>
+          </a:xfrm>
+          <a:prstGeom prst="rect">
+            <a:avLst/>
+          </a:prstGeom>
+          <a:noFill/>
+          <a:ln>
+            <a:noFill/>
+          </a:ln>
+        </p:spPr>
+        <p:txBody>
+          <a:bodyPr spcFirstLastPara="1" wrap="square" lIns="91425" tIns="91425" rIns="91425" bIns="91425" anchor="t" anchorCtr="0">
+            <a:normAutofit fontScale="92500"/>
+          </a:bodyPr>
+          <a:lstStyle>
+            <a:defPPr marR="0" lvl="0" algn="l" rtl="0">
+              <a:lnSpc>
+                <a:spcPct val="100000"/>
+              </a:lnSpc>
+              <a:spcBef>
+                <a:spcPts val="0"/>
+              </a:spcBef>
+              <a:spcAft>
+                <a:spcPts val="0"/>
+              </a:spcAft>
+            </a:defPPr>
+            <a:lvl1pPr marR="0" lvl="0" algn="l" rtl="0">
+              <a:lnSpc>
+                <a:spcPct val="100000"/>
+              </a:lnSpc>
+              <a:spcBef>
+                <a:spcPts val="0"/>
+              </a:spcBef>
+              <a:spcAft>
+                <a:spcPts val="0"/>
+              </a:spcAft>
+              <a:buClr>
+                <a:schemeClr val="lt1"/>
+              </a:buClr>
+              <a:buSzPts val="2000"/>
+              <a:buFont typeface="Nunito"/>
+              <a:buNone/>
+              <a:defRPr sz="2000" b="1" i="0" u="none" strike="noStrike" cap="none">
+                <a:solidFill>
+                  <a:schemeClr val="lt1"/>
+                </a:solidFill>
+                <a:latin typeface="Nunito"/>
+                <a:ea typeface="Nunito"/>
+                <a:cs typeface="Nunito"/>
+                <a:sym typeface="Nunito"/>
+              </a:defRPr>
+            </a:lvl1pPr>
+            <a:lvl2pPr marR="0" lvl="1" algn="l" rtl="0">
+              <a:lnSpc>
+                <a:spcPct val="100000"/>
+              </a:lnSpc>
+              <a:spcBef>
+                <a:spcPts val="0"/>
+              </a:spcBef>
+              <a:spcAft>
+                <a:spcPts val="0"/>
+              </a:spcAft>
+              <a:buClr>
+                <a:srgbClr val="FFF9D9"/>
+              </a:buClr>
+              <a:buSzPts val="2000"/>
+              <a:buFont typeface="Nunito"/>
+              <a:buNone/>
+              <a:defRPr sz="2000" b="1" i="0" u="none" strike="noStrike" cap="none">
+                <a:solidFill>
+                  <a:srgbClr val="FFF9D9"/>
+                </a:solidFill>
+                <a:latin typeface="Nunito"/>
+                <a:ea typeface="Nunito"/>
+                <a:cs typeface="Nunito"/>
+                <a:sym typeface="Nunito"/>
+              </a:defRPr>
+            </a:lvl2pPr>
+            <a:lvl3pPr marR="0" lvl="2" algn="l" rtl="0">
+              <a:lnSpc>
+                <a:spcPct val="100000"/>
+              </a:lnSpc>
+              <a:spcBef>
+                <a:spcPts val="0"/>
+              </a:spcBef>
+              <a:spcAft>
+                <a:spcPts val="0"/>
+              </a:spcAft>
+              <a:buClr>
+                <a:srgbClr val="FFF9D9"/>
+              </a:buClr>
+              <a:buSzPts val="2000"/>
+              <a:buFont typeface="Nunito"/>
+              <a:buNone/>
+              <a:defRPr sz="2000" b="1" i="0" u="none" strike="noStrike" cap="none">
+                <a:solidFill>
+                  <a:srgbClr val="FFF9D9"/>
+                </a:solidFill>
+                <a:latin typeface="Nunito"/>
+                <a:ea typeface="Nunito"/>
+                <a:cs typeface="Nunito"/>
+                <a:sym typeface="Nunito"/>
+              </a:defRPr>
+            </a:lvl3pPr>
+            <a:lvl4pPr marR="0" lvl="3" algn="l" rtl="0">
+              <a:lnSpc>
+                <a:spcPct val="100000"/>
+              </a:lnSpc>
+              <a:spcBef>
+                <a:spcPts val="0"/>
+              </a:spcBef>
+              <a:spcAft>
+                <a:spcPts val="0"/>
+              </a:spcAft>
+              <a:buClr>
+                <a:srgbClr val="FFF9D9"/>
+              </a:buClr>
+              <a:buSzPts val="2000"/>
+              <a:buFont typeface="Nunito"/>
+              <a:buNone/>
+              <a:defRPr sz="2000" b="1" i="0" u="none" strike="noStrike" cap="none">
+                <a:solidFill>
+                  <a:srgbClr val="FFF9D9"/>
+                </a:solidFill>
+                <a:latin typeface="Nunito"/>
+                <a:ea typeface="Nunito"/>
+                <a:cs typeface="Nunito"/>
+                <a:sym typeface="Nunito"/>
+              </a:defRPr>
+            </a:lvl4pPr>
+            <a:lvl5pPr marR="0" lvl="4" algn="l" rtl="0">
+              <a:lnSpc>
+                <a:spcPct val="100000"/>
+              </a:lnSpc>
+              <a:spcBef>
+                <a:spcPts val="0"/>
+              </a:spcBef>
+              <a:spcAft>
+                <a:spcPts val="0"/>
+              </a:spcAft>
+              <a:buClr>
+                <a:srgbClr val="FFF9D9"/>
+              </a:buClr>
+              <a:buSzPts val="2000"/>
+              <a:buFont typeface="Nunito"/>
+              <a:buNone/>
+              <a:defRPr sz="2000" b="1" i="0" u="none" strike="noStrike" cap="none">
+                <a:solidFill>
+                  <a:srgbClr val="FFF9D9"/>
+                </a:solidFill>
+                <a:latin typeface="Nunito"/>
+                <a:ea typeface="Nunito"/>
+                <a:cs typeface="Nunito"/>
+                <a:sym typeface="Nunito"/>
+              </a:defRPr>
+            </a:lvl5pPr>
+            <a:lvl6pPr marR="0" lvl="5" algn="l" rtl="0">
+              <a:lnSpc>
+                <a:spcPct val="100000"/>
+              </a:lnSpc>
+              <a:spcBef>
+                <a:spcPts val="0"/>
+              </a:spcBef>
+              <a:spcAft>
+                <a:spcPts val="0"/>
+              </a:spcAft>
+              <a:buClr>
+                <a:srgbClr val="FFF9D9"/>
+              </a:buClr>
+              <a:buSzPts val="2000"/>
+              <a:buFont typeface="Nunito"/>
+              <a:buNone/>
+              <a:defRPr sz="2000" b="1" i="0" u="none" strike="noStrike" cap="none">
+                <a:solidFill>
+                  <a:srgbClr val="FFF9D9"/>
+                </a:solidFill>
+                <a:latin typeface="Nunito"/>
+                <a:ea typeface="Nunito"/>
+                <a:cs typeface="Nunito"/>
+                <a:sym typeface="Nunito"/>
+              </a:defRPr>
+            </a:lvl6pPr>
+            <a:lvl7pPr marR="0" lvl="6" algn="l" rtl="0">
+              <a:lnSpc>
+                <a:spcPct val="100000"/>
+              </a:lnSpc>
+              <a:spcBef>
+                <a:spcPts val="0"/>
+              </a:spcBef>
+              <a:spcAft>
+                <a:spcPts val="0"/>
+              </a:spcAft>
+              <a:buClr>
+                <a:srgbClr val="FFF9D9"/>
+              </a:buClr>
+              <a:buSzPts val="2000"/>
+              <a:buFont typeface="Nunito"/>
+              <a:buNone/>
+              <a:defRPr sz="2000" b="1" i="0" u="none" strike="noStrike" cap="none">
+                <a:solidFill>
+                  <a:srgbClr val="FFF9D9"/>
+                </a:solidFill>
+                <a:latin typeface="Nunito"/>
+                <a:ea typeface="Nunito"/>
+                <a:cs typeface="Nunito"/>
+                <a:sym typeface="Nunito"/>
+              </a:defRPr>
+            </a:lvl7pPr>
+            <a:lvl8pPr marR="0" lvl="7" algn="l" rtl="0">
+              <a:lnSpc>
+                <a:spcPct val="100000"/>
+              </a:lnSpc>
+              <a:spcBef>
+                <a:spcPts val="0"/>
+              </a:spcBef>
+              <a:spcAft>
+                <a:spcPts val="0"/>
+              </a:spcAft>
+              <a:buClr>
+                <a:srgbClr val="FFF9D9"/>
+              </a:buClr>
+              <a:buSzPts val="2000"/>
+              <a:buFont typeface="Nunito"/>
+              <a:buNone/>
+              <a:defRPr sz="2000" b="1" i="0" u="none" strike="noStrike" cap="none">
+                <a:solidFill>
+                  <a:srgbClr val="FFF9D9"/>
+                </a:solidFill>
+                <a:latin typeface="Nunito"/>
+                <a:ea typeface="Nunito"/>
+                <a:cs typeface="Nunito"/>
+                <a:sym typeface="Nunito"/>
+              </a:defRPr>
+            </a:lvl8pPr>
+            <a:lvl9pPr marR="0" lvl="8" algn="l" rtl="0">
+              <a:lnSpc>
+                <a:spcPct val="100000"/>
+              </a:lnSpc>
+              <a:spcBef>
+                <a:spcPts val="0"/>
+              </a:spcBef>
+              <a:spcAft>
+                <a:spcPts val="0"/>
+              </a:spcAft>
+              <a:buClr>
+                <a:srgbClr val="FFF9D9"/>
+              </a:buClr>
+              <a:buSzPts val="2000"/>
+              <a:buFont typeface="Nunito"/>
+              <a:buNone/>
+              <a:defRPr sz="2000" b="1" i="0" u="none" strike="noStrike" cap="none">
+                <a:solidFill>
+                  <a:srgbClr val="FFF9D9"/>
+                </a:solidFill>
+                <a:latin typeface="Nunito"/>
+                <a:ea typeface="Nunito"/>
+                <a:cs typeface="Nunito"/>
+                <a:sym typeface="Nunito"/>
+              </a:defRPr>
+            </a:lvl9pPr>
+          </a:lstStyle>
+          <a:p>
+            <a:pPr algn="ctr">
+              <a:lnSpc>
+                <a:spcPct val="150000"/>
+              </a:lnSpc>
+            </a:pPr>
+            <a:r>
+              <a:rPr lang="pt-BR" sz="1400" dirty="0">
+                <a:solidFill>
+                  <a:srgbClr val="CC8A42"/>
+                </a:solidFill>
+              </a:rPr>
+              <a:t>{{</a:t>
+            </a:r>
+            <a:r>
+              <a:rPr lang="pt-BR" sz="1400" dirty="0" err="1">
+                <a:solidFill>
+                  <a:srgbClr val="CC8A42"/>
+                </a:solidFill>
+              </a:rPr>
+              <a:t>nota_lider_liderado</a:t>
             </a:r>
             <a:r>
               <a:rPr lang="pt-BR" sz="1400" dirty="0">

--- a/templates/[GARN] Modelo de apresentação de slides.pptx
+++ b/templates/[GARN] Modelo de apresentação de slides.pptx
@@ -20506,8 +20506,8 @@
         </p:nvSpPr>
         <p:spPr>
           <a:xfrm>
-            <a:off x="2964873" y="1932709"/>
-            <a:ext cx="5960658" cy="2604655"/>
+            <a:off x="3484418" y="1858804"/>
+            <a:ext cx="5080894" cy="2604655"/>
           </a:xfrm>
           <a:prstGeom prst="rect">
             <a:avLst/>
@@ -26117,8 +26117,8 @@
         </p:nvSpPr>
         <p:spPr>
           <a:xfrm>
-            <a:off x="2964873" y="1932709"/>
-            <a:ext cx="5960658" cy="2604655"/>
+            <a:off x="3359726" y="1895757"/>
+            <a:ext cx="5344131" cy="2604655"/>
           </a:xfrm>
           <a:prstGeom prst="rect">
             <a:avLst/>
